--- a/slides/July5/July5.pptx
+++ b/slides/July5/July5.pptx
@@ -5,12 +5,19 @@
     <p:sldMasterId id="2147483648" r:id="rId1"/>
   </p:sldMasterIdLst>
   <p:notesMasterIdLst>
-    <p:notesMasterId r:id="rId5"/>
+    <p:notesMasterId r:id="rId12"/>
   </p:notesMasterIdLst>
   <p:sldIdLst>
     <p:sldId id="256" r:id="rId2"/>
-    <p:sldId id="1135" r:id="rId3"/>
-    <p:sldId id="1134" r:id="rId4"/>
+    <p:sldId id="260" r:id="rId3"/>
+    <p:sldId id="263" r:id="rId4"/>
+    <p:sldId id="264" r:id="rId5"/>
+    <p:sldId id="1137" r:id="rId6"/>
+    <p:sldId id="1102" r:id="rId7"/>
+    <p:sldId id="1138" r:id="rId8"/>
+    <p:sldId id="1136" r:id="rId9"/>
+    <p:sldId id="1135" r:id="rId10"/>
+    <p:sldId id="1134" r:id="rId11"/>
   </p:sldIdLst>
   <p:sldSz cx="12192000" cy="6858000"/>
   <p:notesSz cx="6858000" cy="9144000"/>
@@ -199,7 +206,7 @@
           <a:p>
             <a:fld id="{DE34F92D-89DA-134C-BFB2-C965CA7ED11B}" type="datetimeFigureOut">
               <a:rPr lang="en-US" smtClean="0"/>
-              <a:t>6/29/23</a:t>
+              <a:t>7/4/23</a:t>
             </a:fld>
             <a:endParaRPr lang="en-US"/>
           </a:p>
@@ -3699,7 +3706,7 @@
                 </a:solidFill>
                 <a:latin typeface="Yantramanav"/>
               </a:rPr>
-              <a:t>Checkpoint</a:t>
+              <a:t>Wednesday Update</a:t>
             </a:r>
             <a:br>
               <a:rPr lang="en-US" b="1" dirty="0">
@@ -3771,7 +3778,7 @@
                 <a:effectLst/>
                 <a:latin typeface="Yantramanav"/>
               </a:rPr>
-              <a:t>Friday, June 30</a:t>
+              <a:t>Wed, July 5</a:t>
             </a:r>
           </a:p>
           <a:p>
@@ -3789,6 +3796,534 @@
     <p:extLst>
       <p:ext uri="{BB962C8B-B14F-4D97-AF65-F5344CB8AC3E}">
         <p14:creationId xmlns:p14="http://schemas.microsoft.com/office/powerpoint/2010/main" val="3700989148"/>
+      </p:ext>
+    </p:extLst>
+  </p:cSld>
+  <p:clrMapOvr>
+    <a:masterClrMapping/>
+  </p:clrMapOvr>
+</p:sld>
+</file>
+
+<file path=ppt/slides/slide10.xml><?xml version="1.0" encoding="utf-8"?>
+<p:sld xmlns:a="http://schemas.openxmlformats.org/drawingml/2006/main" xmlns:r="http://schemas.openxmlformats.org/officeDocument/2006/relationships" xmlns:p="http://schemas.openxmlformats.org/presentationml/2006/main">
+  <p:cSld>
+    <p:spTree>
+      <p:nvGrpSpPr>
+        <p:cNvPr id="1" name=""/>
+        <p:cNvGrpSpPr/>
+        <p:nvPr/>
+      </p:nvGrpSpPr>
+      <p:grpSpPr>
+        <a:xfrm>
+          <a:off x="0" y="0"/>
+          <a:ext cx="0" cy="0"/>
+          <a:chOff x="0" y="0"/>
+          <a:chExt cx="0" cy="0"/>
+        </a:xfrm>
+      </p:grpSpPr>
+      <p:sp>
+        <p:nvSpPr>
+          <p:cNvPr id="2" name="Title 1">
+            <a:extLst>
+              <a:ext uri="{FF2B5EF4-FFF2-40B4-BE49-F238E27FC236}">
+                <a16:creationId xmlns:a16="http://schemas.microsoft.com/office/drawing/2014/main" id="{2A8C7D69-4742-AB8F-A19B-DBF0D3C4FF8B}"/>
+              </a:ext>
+            </a:extLst>
+          </p:cNvPr>
+          <p:cNvSpPr>
+            <a:spLocks noGrp="1"/>
+          </p:cNvSpPr>
+          <p:nvPr>
+            <p:ph type="title"/>
+          </p:nvPr>
+        </p:nvSpPr>
+        <p:spPr/>
+        <p:txBody>
+          <a:bodyPr>
+            <a:normAutofit/>
+          </a:bodyPr>
+          <a:lstStyle/>
+          <a:p>
+            <a:r>
+              <a:rPr lang="en-US" dirty="0"/>
+              <a:t>Deliverables</a:t>
+            </a:r>
+            <a:br>
+              <a:rPr lang="en-US" dirty="0"/>
+            </a:br>
+            <a:r>
+              <a:rPr lang="en-US" sz="2200" dirty="0">
+                <a:hlinkClick r:id="rId2"/>
+              </a:rPr>
+              <a:t>https://github.com/kwchurch/JSALT_Better_Together/blob/main/doc/deliverables.md</a:t>
+            </a:r>
+            <a:r>
+              <a:rPr lang="en-US" sz="2200" dirty="0"/>
+              <a:t> </a:t>
+            </a:r>
+            <a:endParaRPr lang="en-US" dirty="0"/>
+          </a:p>
+        </p:txBody>
+      </p:sp>
+      <p:sp>
+        <p:nvSpPr>
+          <p:cNvPr id="6" name="Content Placeholder 5">
+            <a:extLst>
+              <a:ext uri="{FF2B5EF4-FFF2-40B4-BE49-F238E27FC236}">
+                <a16:creationId xmlns:a16="http://schemas.microsoft.com/office/drawing/2014/main" id="{12E2CFC0-B621-8964-A1C4-CFD071270CF2}"/>
+              </a:ext>
+            </a:extLst>
+          </p:cNvPr>
+          <p:cNvSpPr>
+            <a:spLocks noGrp="1"/>
+          </p:cNvSpPr>
+          <p:nvPr>
+            <p:ph sz="half" idx="1"/>
+          </p:nvPr>
+        </p:nvSpPr>
+        <p:spPr/>
+        <p:txBody>
+          <a:bodyPr>
+            <a:normAutofit fontScale="77500" lnSpcReduction="20000"/>
+          </a:bodyPr>
+          <a:lstStyle/>
+          <a:p>
+            <a:pPr algn="l">
+              <a:buFont typeface="+mj-lt"/>
+              <a:buAutoNum type="arabicPeriod"/>
+            </a:pPr>
+            <a:r>
+              <a:rPr lang="en-US" b="0" i="0" dirty="0">
+                <a:solidFill>
+                  <a:srgbClr val="1F2328"/>
+                </a:solidFill>
+                <a:effectLst/>
+                <a:latin typeface="-apple-system"/>
+              </a:rPr>
+              <a:t>Better access to literature</a:t>
+            </a:r>
+          </a:p>
+          <a:p>
+            <a:pPr algn="l">
+              <a:buFont typeface="+mj-lt"/>
+              <a:buAutoNum type="arabicPeriod"/>
+            </a:pPr>
+            <a:r>
+              <a:rPr lang="en-US" b="0" i="0" dirty="0">
+                <a:solidFill>
+                  <a:srgbClr val="1F2328"/>
+                </a:solidFill>
+                <a:effectLst/>
+                <a:latin typeface="-apple-system"/>
+              </a:rPr>
+              <a:t>Resources:</a:t>
+            </a:r>
+          </a:p>
+          <a:p>
+            <a:pPr marL="742950" lvl="1" indent="-285750" algn="l">
+              <a:buFont typeface="+mj-lt"/>
+              <a:buAutoNum type="arabicPeriod"/>
+            </a:pPr>
+            <a:r>
+              <a:rPr lang="en-US" b="0" i="0" dirty="0">
+                <a:solidFill>
+                  <a:srgbClr val="1F2328"/>
+                </a:solidFill>
+                <a:effectLst/>
+                <a:latin typeface="-apple-system"/>
+              </a:rPr>
+              <a:t>Many embeddings for many papers</a:t>
+            </a:r>
+          </a:p>
+          <a:p>
+            <a:pPr marL="742950" lvl="1" indent="-285750" algn="l">
+              <a:buFont typeface="+mj-lt"/>
+              <a:buAutoNum type="arabicPeriod"/>
+            </a:pPr>
+            <a:r>
+              <a:rPr lang="en-US" dirty="0">
+                <a:solidFill>
+                  <a:srgbClr val="1F2328"/>
+                </a:solidFill>
+                <a:latin typeface="-apple-system"/>
+              </a:rPr>
+              <a:t>P</a:t>
+            </a:r>
+            <a:r>
+              <a:rPr lang="en-US" b="0" i="0" dirty="0">
+                <a:solidFill>
+                  <a:srgbClr val="1F2328"/>
+                </a:solidFill>
+                <a:effectLst/>
+                <a:latin typeface="-apple-system"/>
+              </a:rPr>
+              <a:t>osted models on </a:t>
+            </a:r>
+            <a:r>
+              <a:rPr lang="en-US" b="0" i="0" dirty="0" err="1">
+                <a:solidFill>
+                  <a:srgbClr val="1F2328"/>
+                </a:solidFill>
+                <a:effectLst/>
+                <a:latin typeface="-apple-system"/>
+              </a:rPr>
+              <a:t>HuggingFace</a:t>
+            </a:r>
+            <a:endParaRPr lang="en-US" b="0" i="0" dirty="0">
+              <a:solidFill>
+                <a:srgbClr val="1F2328"/>
+              </a:solidFill>
+              <a:effectLst/>
+              <a:latin typeface="-apple-system"/>
+            </a:endParaRPr>
+          </a:p>
+          <a:p>
+            <a:pPr marL="742950" lvl="1" indent="-285750" algn="l">
+              <a:buFont typeface="+mj-lt"/>
+              <a:buAutoNum type="arabicPeriod"/>
+            </a:pPr>
+            <a:r>
+              <a:rPr lang="en-US" b="0" i="0" dirty="0">
+                <a:solidFill>
+                  <a:srgbClr val="1F2328"/>
+                </a:solidFill>
+                <a:effectLst/>
+                <a:latin typeface="-apple-system"/>
+              </a:rPr>
+              <a:t>Post code on GitHub</a:t>
+            </a:r>
+          </a:p>
+          <a:p>
+            <a:pPr algn="l">
+              <a:buFont typeface="+mj-lt"/>
+              <a:buAutoNum type="arabicPeriod"/>
+            </a:pPr>
+            <a:r>
+              <a:rPr lang="en-US" b="0" i="0" dirty="0">
+                <a:solidFill>
+                  <a:srgbClr val="1F2328"/>
+                </a:solidFill>
+                <a:effectLst/>
+                <a:latin typeface="-apple-system"/>
+              </a:rPr>
+              <a:t>Summarization methods to compare and contrast across small (and large) collections of documents</a:t>
+            </a:r>
+          </a:p>
+          <a:p>
+            <a:pPr algn="l">
+              <a:buFont typeface="+mj-lt"/>
+              <a:buAutoNum type="arabicPeriod"/>
+            </a:pPr>
+            <a:r>
+              <a:rPr lang="en-US" b="0" i="0" dirty="0">
+                <a:solidFill>
+                  <a:srgbClr val="1F2328"/>
+                </a:solidFill>
+                <a:effectLst/>
+                <a:latin typeface="-apple-system"/>
+              </a:rPr>
+              <a:t>Support incremental updates to embeddings based on citation graphs</a:t>
+            </a:r>
+          </a:p>
+          <a:p>
+            <a:pPr algn="l">
+              <a:buFont typeface="+mj-lt"/>
+              <a:buAutoNum type="arabicPeriod"/>
+            </a:pPr>
+            <a:r>
+              <a:rPr lang="en-US" b="0" i="0" dirty="0">
+                <a:solidFill>
+                  <a:srgbClr val="1F2328"/>
+                </a:solidFill>
+                <a:effectLst/>
+                <a:latin typeface="-apple-system"/>
+              </a:rPr>
+              <a:t>Evaluation: </a:t>
+            </a:r>
+          </a:p>
+          <a:p>
+            <a:pPr lvl="1">
+              <a:buFont typeface="+mj-lt"/>
+              <a:buAutoNum type="arabicPeriod"/>
+            </a:pPr>
+            <a:r>
+              <a:rPr lang="en-US" b="0" i="0" dirty="0">
+                <a:solidFill>
+                  <a:srgbClr val="1F2328"/>
+                </a:solidFill>
+                <a:effectLst/>
+                <a:latin typeface="-apple-system"/>
+              </a:rPr>
+              <a:t>Better numbers, </a:t>
+            </a:r>
+          </a:p>
+          <a:p>
+            <a:pPr lvl="1">
+              <a:buFont typeface="+mj-lt"/>
+              <a:buAutoNum type="arabicPeriod"/>
+            </a:pPr>
+            <a:r>
+              <a:rPr lang="en-US" b="0" i="0" dirty="0">
+                <a:solidFill>
+                  <a:srgbClr val="1F2328"/>
+                </a:solidFill>
+                <a:effectLst/>
+                <a:latin typeface="-apple-system"/>
+              </a:rPr>
+              <a:t>as well as better benchmarks</a:t>
+            </a:r>
+          </a:p>
+          <a:p>
+            <a:endParaRPr lang="en-US" dirty="0"/>
+          </a:p>
+        </p:txBody>
+      </p:sp>
+      <p:sp>
+        <p:nvSpPr>
+          <p:cNvPr id="7" name="Content Placeholder 6">
+            <a:extLst>
+              <a:ext uri="{FF2B5EF4-FFF2-40B4-BE49-F238E27FC236}">
+                <a16:creationId xmlns:a16="http://schemas.microsoft.com/office/drawing/2014/main" id="{169674EB-CDD8-91B3-FA21-C142F7C72831}"/>
+              </a:ext>
+            </a:extLst>
+          </p:cNvPr>
+          <p:cNvSpPr>
+            <a:spLocks noGrp="1"/>
+          </p:cNvSpPr>
+          <p:nvPr>
+            <p:ph sz="half" idx="2"/>
+          </p:nvPr>
+        </p:nvSpPr>
+        <p:spPr/>
+        <p:txBody>
+          <a:bodyPr>
+            <a:normAutofit fontScale="77500" lnSpcReduction="20000"/>
+          </a:bodyPr>
+          <a:lstStyle/>
+          <a:p>
+            <a:pPr marL="514350" indent="-514350" algn="l">
+              <a:buFont typeface="+mj-lt"/>
+              <a:buAutoNum type="arabicPeriod" startAt="6"/>
+            </a:pPr>
+            <a:r>
+              <a:rPr lang="en-US" b="0" i="0" dirty="0">
+                <a:solidFill>
+                  <a:srgbClr val="1F2328"/>
+                </a:solidFill>
+                <a:effectLst/>
+                <a:latin typeface="-apple-system"/>
+              </a:rPr>
+              <a:t>Establish that combinations of text and links are better together (than either by itself)</a:t>
+            </a:r>
+          </a:p>
+          <a:p>
+            <a:pPr algn="l">
+              <a:buFont typeface="+mj-lt"/>
+              <a:buAutoNum type="arabicPeriod" startAt="6"/>
+            </a:pPr>
+            <a:r>
+              <a:rPr lang="en-US" b="0" i="0" dirty="0">
+                <a:solidFill>
+                  <a:srgbClr val="1F2328"/>
+                </a:solidFill>
+                <a:effectLst/>
+                <a:latin typeface="-apple-system"/>
+              </a:rPr>
+              <a:t>Establish that citing sentences are useful</a:t>
+            </a:r>
+          </a:p>
+          <a:p>
+            <a:pPr algn="l">
+              <a:buFont typeface="+mj-lt"/>
+              <a:buAutoNum type="arabicPeriod" startAt="6"/>
+            </a:pPr>
+            <a:r>
+              <a:rPr lang="en-US" b="0" i="0" dirty="0">
+                <a:solidFill>
+                  <a:srgbClr val="1F2328"/>
+                </a:solidFill>
+                <a:effectLst/>
+                <a:latin typeface="-apple-system"/>
+              </a:rPr>
+              <a:t>Improve methods for assigning papers to reviewers</a:t>
+            </a:r>
+          </a:p>
+          <a:p>
+            <a:pPr algn="l">
+              <a:buFont typeface="+mj-lt"/>
+              <a:buAutoNum type="arabicPeriod" startAt="6"/>
+            </a:pPr>
+            <a:r>
+              <a:rPr lang="en-US" b="0" i="0" dirty="0">
+                <a:solidFill>
+                  <a:srgbClr val="1F2328"/>
+                </a:solidFill>
+                <a:effectLst/>
+                <a:latin typeface="-apple-system"/>
+              </a:rPr>
+              <a:t>Theory: Unified framework of </a:t>
+            </a:r>
+          </a:p>
+          <a:p>
+            <a:pPr lvl="1">
+              <a:buFont typeface="+mj-lt"/>
+              <a:buAutoNum type="arabicPeriod"/>
+            </a:pPr>
+            <a:r>
+              <a:rPr lang="en-US" b="0" i="0" dirty="0">
+                <a:solidFill>
+                  <a:srgbClr val="1F2328"/>
+                </a:solidFill>
+                <a:effectLst/>
+                <a:latin typeface="-apple-system"/>
+              </a:rPr>
+              <a:t>Deep nets and </a:t>
+            </a:r>
+          </a:p>
+          <a:p>
+            <a:pPr lvl="1">
+              <a:buFont typeface="+mj-lt"/>
+              <a:buAutoNum type="arabicPeriod"/>
+            </a:pPr>
+            <a:r>
+              <a:rPr lang="en-US" b="0" i="0" dirty="0">
+                <a:solidFill>
+                  <a:srgbClr val="1F2328"/>
+                </a:solidFill>
+                <a:effectLst/>
+                <a:latin typeface="-apple-system"/>
+              </a:rPr>
+              <a:t>Linear Algebra</a:t>
+            </a:r>
+          </a:p>
+          <a:p>
+            <a:pPr algn="l">
+              <a:buFont typeface="+mj-lt"/>
+              <a:buAutoNum type="arabicPeriod" startAt="6"/>
+            </a:pPr>
+            <a:r>
+              <a:rPr lang="en-US" b="0" i="0" dirty="0">
+                <a:solidFill>
+                  <a:srgbClr val="1F2328"/>
+                </a:solidFill>
+                <a:effectLst/>
+                <a:latin typeface="-apple-system"/>
+              </a:rPr>
+              <a:t>Bibliometrics:</a:t>
+            </a:r>
+          </a:p>
+          <a:p>
+            <a:pPr marL="742950" lvl="1" indent="-285750" algn="l">
+              <a:buFont typeface="+mj-lt"/>
+              <a:buAutoNum type="arabicPeriod"/>
+            </a:pPr>
+            <a:r>
+              <a:rPr lang="en-US" b="0" i="0" dirty="0">
+                <a:solidFill>
+                  <a:srgbClr val="1F2328"/>
+                </a:solidFill>
+                <a:effectLst/>
+                <a:latin typeface="-apple-system"/>
+              </a:rPr>
+              <a:t>Predict citations of a paper over time.</a:t>
+            </a:r>
+          </a:p>
+          <a:p>
+            <a:pPr marL="742950" lvl="1" indent="-285750" algn="l">
+              <a:buFont typeface="+mj-lt"/>
+              <a:buAutoNum type="arabicPeriod"/>
+            </a:pPr>
+            <a:r>
+              <a:rPr lang="en-US" b="0" i="0" dirty="0">
+                <a:solidFill>
+                  <a:srgbClr val="1F2328"/>
+                </a:solidFill>
+                <a:effectLst/>
+                <a:latin typeface="-apple-system"/>
+              </a:rPr>
+              <a:t>Predict h-index of an author over time.</a:t>
+            </a:r>
+          </a:p>
+          <a:p>
+            <a:pPr marL="742950" lvl="1" indent="-285750" algn="l">
+              <a:buFont typeface="+mj-lt"/>
+              <a:buAutoNum type="arabicPeriod"/>
+            </a:pPr>
+            <a:r>
+              <a:rPr lang="en-US" b="0" i="0" dirty="0">
+                <a:solidFill>
+                  <a:srgbClr val="1F2328"/>
+                </a:solidFill>
+                <a:effectLst/>
+                <a:latin typeface="-apple-system"/>
+              </a:rPr>
+              <a:t>Find authors that publish too many papers</a:t>
+            </a:r>
+          </a:p>
+        </p:txBody>
+      </p:sp>
+      <p:sp>
+        <p:nvSpPr>
+          <p:cNvPr id="4" name="Date Placeholder 3">
+            <a:extLst>
+              <a:ext uri="{FF2B5EF4-FFF2-40B4-BE49-F238E27FC236}">
+                <a16:creationId xmlns:a16="http://schemas.microsoft.com/office/drawing/2014/main" id="{B036EE15-87F4-336A-286D-4D9807A0152C}"/>
+              </a:ext>
+            </a:extLst>
+          </p:cNvPr>
+          <p:cNvSpPr>
+            <a:spLocks noGrp="1"/>
+          </p:cNvSpPr>
+          <p:nvPr>
+            <p:ph type="dt" sz="half" idx="10"/>
+          </p:nvPr>
+        </p:nvSpPr>
+        <p:spPr/>
+        <p:txBody>
+          <a:bodyPr/>
+          <a:lstStyle/>
+          <a:p>
+            <a:r>
+              <a:rPr lang="en-US"/>
+              <a:t>6/26/2023</a:t>
+            </a:r>
+          </a:p>
+        </p:txBody>
+      </p:sp>
+      <p:sp>
+        <p:nvSpPr>
+          <p:cNvPr id="5" name="Slide Number Placeholder 4">
+            <a:extLst>
+              <a:ext uri="{FF2B5EF4-FFF2-40B4-BE49-F238E27FC236}">
+                <a16:creationId xmlns:a16="http://schemas.microsoft.com/office/drawing/2014/main" id="{DD7AF4E1-3A68-5733-A679-ECA81D0CE66B}"/>
+              </a:ext>
+            </a:extLst>
+          </p:cNvPr>
+          <p:cNvSpPr>
+            <a:spLocks noGrp="1"/>
+          </p:cNvSpPr>
+          <p:nvPr>
+            <p:ph type="sldNum" sz="quarter" idx="12"/>
+          </p:nvPr>
+        </p:nvSpPr>
+        <p:spPr/>
+        <p:txBody>
+          <a:bodyPr/>
+          <a:lstStyle/>
+          <a:p>
+            <a:fld id="{A368AD35-EA55-254F-AD80-EFD99CF0F10B}" type="slidenum">
+              <a:rPr lang="en-US" smtClean="0"/>
+              <a:t>10</a:t>
+            </a:fld>
+            <a:endParaRPr lang="en-US"/>
+          </a:p>
+        </p:txBody>
+      </p:sp>
+    </p:spTree>
+    <p:extLst>
+      <p:ext uri="{BB962C8B-B14F-4D97-AF65-F5344CB8AC3E}">
+        <p14:creationId xmlns:p14="http://schemas.microsoft.com/office/powerpoint/2010/main" val="595716764"/>
       </p:ext>
     </p:extLst>
   </p:cSld>
@@ -3820,6 +4355,2141 @@
           <p:cNvPr id="2" name="Title 1">
             <a:extLst>
               <a:ext uri="{FF2B5EF4-FFF2-40B4-BE49-F238E27FC236}">
+                <a16:creationId xmlns:a16="http://schemas.microsoft.com/office/drawing/2014/main" id="{D70BB6FE-00A2-2EED-2ACB-26AAB003B7CC}"/>
+              </a:ext>
+            </a:extLst>
+          </p:cNvPr>
+          <p:cNvSpPr>
+            <a:spLocks noGrp="1"/>
+          </p:cNvSpPr>
+          <p:nvPr>
+            <p:ph type="title"/>
+          </p:nvPr>
+        </p:nvSpPr>
+        <p:spPr/>
+        <p:txBody>
+          <a:bodyPr>
+            <a:normAutofit fontScale="90000"/>
+          </a:bodyPr>
+          <a:lstStyle/>
+          <a:p>
+            <a:r>
+              <a:rPr lang="en-US" sz="6000" dirty="0"/>
+              <a:t>Better Together:</a:t>
+            </a:r>
+            <a:br>
+              <a:rPr lang="en-US" dirty="0"/>
+            </a:br>
+            <a:r>
+              <a:rPr lang="en-US" dirty="0"/>
+              <a:t>Text (Titles, Abstracts, Body); Context (Citations)</a:t>
+            </a:r>
+          </a:p>
+        </p:txBody>
+      </p:sp>
+      <p:pic>
+        <p:nvPicPr>
+          <p:cNvPr id="5" name="Content Placeholder 4" descr="A picture containing text, screenshot&#10;&#10;Description automatically generated">
+            <a:extLst>
+              <a:ext uri="{FF2B5EF4-FFF2-40B4-BE49-F238E27FC236}">
+                <a16:creationId xmlns:a16="http://schemas.microsoft.com/office/drawing/2014/main" id="{569A0BF9-7E0A-BD1F-883F-22756708D514}"/>
+              </a:ext>
+            </a:extLst>
+          </p:cNvPr>
+          <p:cNvPicPr>
+            <a:picLocks noGrp="1" noChangeAspect="1"/>
+          </p:cNvPicPr>
+          <p:nvPr>
+            <p:ph idx="1"/>
+          </p:nvPr>
+        </p:nvPicPr>
+        <p:blipFill>
+          <a:blip r:embed="rId2"/>
+          <a:stretch>
+            <a:fillRect/>
+          </a:stretch>
+        </p:blipFill>
+        <p:spPr>
+          <a:xfrm>
+            <a:off x="1224393" y="1825625"/>
+            <a:ext cx="9743213" cy="4351338"/>
+          </a:xfrm>
+        </p:spPr>
+      </p:pic>
+      <p:sp>
+        <p:nvSpPr>
+          <p:cNvPr id="6" name="Date Placeholder 5">
+            <a:extLst>
+              <a:ext uri="{FF2B5EF4-FFF2-40B4-BE49-F238E27FC236}">
+                <a16:creationId xmlns:a16="http://schemas.microsoft.com/office/drawing/2014/main" id="{E6021C20-D7D5-98F6-F372-7549C03C7862}"/>
+              </a:ext>
+            </a:extLst>
+          </p:cNvPr>
+          <p:cNvSpPr>
+            <a:spLocks noGrp="1"/>
+          </p:cNvSpPr>
+          <p:nvPr>
+            <p:ph type="dt" sz="half" idx="10"/>
+          </p:nvPr>
+        </p:nvSpPr>
+        <p:spPr/>
+        <p:txBody>
+          <a:bodyPr/>
+          <a:lstStyle/>
+          <a:p>
+            <a:r>
+              <a:rPr lang="en-US"/>
+              <a:t>6/21/2023</a:t>
+            </a:r>
+          </a:p>
+        </p:txBody>
+      </p:sp>
+      <p:sp>
+        <p:nvSpPr>
+          <p:cNvPr id="7" name="Slide Number Placeholder 6">
+            <a:extLst>
+              <a:ext uri="{FF2B5EF4-FFF2-40B4-BE49-F238E27FC236}">
+                <a16:creationId xmlns:a16="http://schemas.microsoft.com/office/drawing/2014/main" id="{344477A1-06C8-D542-F94E-8F11E4CC9FA5}"/>
+              </a:ext>
+            </a:extLst>
+          </p:cNvPr>
+          <p:cNvSpPr>
+            <a:spLocks noGrp="1"/>
+          </p:cNvSpPr>
+          <p:nvPr>
+            <p:ph type="sldNum" sz="quarter" idx="12"/>
+          </p:nvPr>
+        </p:nvSpPr>
+        <p:spPr/>
+        <p:txBody>
+          <a:bodyPr/>
+          <a:lstStyle/>
+          <a:p>
+            <a:fld id="{A368AD35-EA55-254F-AD80-EFD99CF0F10B}" type="slidenum">
+              <a:rPr lang="en-US" smtClean="0"/>
+              <a:t>2</a:t>
+            </a:fld>
+            <a:endParaRPr lang="en-US"/>
+          </a:p>
+        </p:txBody>
+      </p:sp>
+    </p:spTree>
+    <p:extLst>
+      <p:ext uri="{BB962C8B-B14F-4D97-AF65-F5344CB8AC3E}">
+        <p14:creationId xmlns:p14="http://schemas.microsoft.com/office/powerpoint/2010/main" val="994315568"/>
+      </p:ext>
+    </p:extLst>
+  </p:cSld>
+  <p:clrMapOvr>
+    <a:masterClrMapping/>
+  </p:clrMapOvr>
+</p:sld>
+</file>
+
+<file path=ppt/slides/slide3.xml><?xml version="1.0" encoding="utf-8"?>
+<p:sld xmlns:a="http://schemas.openxmlformats.org/drawingml/2006/main" xmlns:r="http://schemas.openxmlformats.org/officeDocument/2006/relationships" xmlns:p="http://schemas.openxmlformats.org/presentationml/2006/main">
+  <p:cSld>
+    <p:spTree>
+      <p:nvGrpSpPr>
+        <p:cNvPr id="1" name=""/>
+        <p:cNvGrpSpPr/>
+        <p:nvPr/>
+      </p:nvGrpSpPr>
+      <p:grpSpPr>
+        <a:xfrm>
+          <a:off x="0" y="0"/>
+          <a:ext cx="0" cy="0"/>
+          <a:chOff x="0" y="0"/>
+          <a:chExt cx="0" cy="0"/>
+        </a:xfrm>
+      </p:grpSpPr>
+      <p:sp>
+        <p:nvSpPr>
+          <p:cNvPr id="2" name="Title 1">
+            <a:extLst>
+              <a:ext uri="{FF2B5EF4-FFF2-40B4-BE49-F238E27FC236}">
+                <a16:creationId xmlns:a16="http://schemas.microsoft.com/office/drawing/2014/main" id="{AB67D94C-30EB-86EB-FADB-84E1939B3A01}"/>
+              </a:ext>
+            </a:extLst>
+          </p:cNvPr>
+          <p:cNvSpPr>
+            <a:spLocks noGrp="1"/>
+          </p:cNvSpPr>
+          <p:nvPr>
+            <p:ph type="title"/>
+          </p:nvPr>
+        </p:nvSpPr>
+        <p:spPr/>
+        <p:txBody>
+          <a:bodyPr/>
+          <a:lstStyle/>
+          <a:p>
+            <a:r>
+              <a:rPr lang="en-US" dirty="0"/>
+              <a:t>Realities</a:t>
+            </a:r>
+          </a:p>
+        </p:txBody>
+      </p:sp>
+      <p:sp>
+        <p:nvSpPr>
+          <p:cNvPr id="5" name="Text Placeholder 4">
+            <a:extLst>
+              <a:ext uri="{FF2B5EF4-FFF2-40B4-BE49-F238E27FC236}">
+                <a16:creationId xmlns:a16="http://schemas.microsoft.com/office/drawing/2014/main" id="{768C83F4-AE8C-A03D-6E96-535E84AA12D2}"/>
+              </a:ext>
+            </a:extLst>
+          </p:cNvPr>
+          <p:cNvSpPr>
+            <a:spLocks noGrp="1"/>
+          </p:cNvSpPr>
+          <p:nvPr>
+            <p:ph type="body" idx="1"/>
+          </p:nvPr>
+        </p:nvSpPr>
+        <p:spPr/>
+        <p:txBody>
+          <a:bodyPr/>
+          <a:lstStyle/>
+          <a:p>
+            <a:r>
+              <a:rPr lang="en-US" dirty="0"/>
+              <a:t>The Real World</a:t>
+            </a:r>
+          </a:p>
+        </p:txBody>
+      </p:sp>
+      <p:sp>
+        <p:nvSpPr>
+          <p:cNvPr id="3" name="Content Placeholder 2">
+            <a:extLst>
+              <a:ext uri="{FF2B5EF4-FFF2-40B4-BE49-F238E27FC236}">
+                <a16:creationId xmlns:a16="http://schemas.microsoft.com/office/drawing/2014/main" id="{5BE81111-2624-6506-E346-C0614B2DE863}"/>
+              </a:ext>
+            </a:extLst>
+          </p:cNvPr>
+          <p:cNvSpPr>
+            <a:spLocks noGrp="1"/>
+          </p:cNvSpPr>
+          <p:nvPr>
+            <p:ph sz="half" idx="2"/>
+          </p:nvPr>
+        </p:nvSpPr>
+        <p:spPr/>
+        <p:txBody>
+          <a:bodyPr/>
+          <a:lstStyle/>
+          <a:p>
+            <a:r>
+              <a:rPr lang="en-US" dirty="0"/>
+              <a:t>Large </a:t>
+            </a:r>
+          </a:p>
+          <a:p>
+            <a:r>
+              <a:rPr lang="en-US" dirty="0"/>
+              <a:t>Growing</a:t>
+            </a:r>
+          </a:p>
+          <a:p>
+            <a:r>
+              <a:rPr lang="en-US" dirty="0"/>
+              <a:t>Dirty</a:t>
+            </a:r>
+          </a:p>
+          <a:p>
+            <a:pPr lvl="1"/>
+            <a:r>
+              <a:rPr lang="en-US" dirty="0"/>
+              <a:t>Missing Values</a:t>
+            </a:r>
+          </a:p>
+          <a:p>
+            <a:pPr lvl="1"/>
+            <a:r>
+              <a:rPr lang="en-US" dirty="0"/>
+              <a:t>Bad/misleading Values</a:t>
+            </a:r>
+          </a:p>
+          <a:p>
+            <a:endParaRPr lang="en-US" dirty="0"/>
+          </a:p>
+        </p:txBody>
+      </p:sp>
+      <p:sp>
+        <p:nvSpPr>
+          <p:cNvPr id="6" name="Text Placeholder 5">
+            <a:extLst>
+              <a:ext uri="{FF2B5EF4-FFF2-40B4-BE49-F238E27FC236}">
+                <a16:creationId xmlns:a16="http://schemas.microsoft.com/office/drawing/2014/main" id="{3C5481EC-9918-3472-94AD-822C57F93704}"/>
+              </a:ext>
+            </a:extLst>
+          </p:cNvPr>
+          <p:cNvSpPr>
+            <a:spLocks noGrp="1"/>
+          </p:cNvSpPr>
+          <p:nvPr>
+            <p:ph type="body" sz="quarter" idx="3"/>
+          </p:nvPr>
+        </p:nvSpPr>
+        <p:spPr/>
+        <p:txBody>
+          <a:bodyPr/>
+          <a:lstStyle/>
+          <a:p>
+            <a:r>
+              <a:rPr lang="en-US" dirty="0"/>
+              <a:t>Idealizations (Evaluation Benchmarks)</a:t>
+            </a:r>
+          </a:p>
+        </p:txBody>
+      </p:sp>
+      <p:sp>
+        <p:nvSpPr>
+          <p:cNvPr id="7" name="Content Placeholder 6">
+            <a:extLst>
+              <a:ext uri="{FF2B5EF4-FFF2-40B4-BE49-F238E27FC236}">
+                <a16:creationId xmlns:a16="http://schemas.microsoft.com/office/drawing/2014/main" id="{E758F134-5607-4419-2D48-285922219F37}"/>
+              </a:ext>
+            </a:extLst>
+          </p:cNvPr>
+          <p:cNvSpPr>
+            <a:spLocks noGrp="1"/>
+          </p:cNvSpPr>
+          <p:nvPr>
+            <p:ph sz="quarter" idx="4"/>
+          </p:nvPr>
+        </p:nvSpPr>
+        <p:spPr/>
+        <p:txBody>
+          <a:bodyPr/>
+          <a:lstStyle/>
+          <a:p>
+            <a:r>
+              <a:rPr lang="en-US" dirty="0"/>
+              <a:t>Small</a:t>
+            </a:r>
+          </a:p>
+          <a:p>
+            <a:r>
+              <a:rPr lang="en-US" dirty="0"/>
+              <a:t>Static</a:t>
+            </a:r>
+          </a:p>
+          <a:p>
+            <a:r>
+              <a:rPr lang="en-US" dirty="0"/>
+              <a:t>Clean</a:t>
+            </a:r>
+          </a:p>
+        </p:txBody>
+      </p:sp>
+      <p:sp>
+        <p:nvSpPr>
+          <p:cNvPr id="8" name="Date Placeholder 7">
+            <a:extLst>
+              <a:ext uri="{FF2B5EF4-FFF2-40B4-BE49-F238E27FC236}">
+                <a16:creationId xmlns:a16="http://schemas.microsoft.com/office/drawing/2014/main" id="{40BFA723-4A6F-0124-E60C-88ECEFA139FC}"/>
+              </a:ext>
+            </a:extLst>
+          </p:cNvPr>
+          <p:cNvSpPr>
+            <a:spLocks noGrp="1"/>
+          </p:cNvSpPr>
+          <p:nvPr>
+            <p:ph type="dt" sz="half" idx="10"/>
+          </p:nvPr>
+        </p:nvSpPr>
+        <p:spPr/>
+        <p:txBody>
+          <a:bodyPr/>
+          <a:lstStyle/>
+          <a:p>
+            <a:r>
+              <a:rPr lang="en-US"/>
+              <a:t>6/21/2023</a:t>
+            </a:r>
+          </a:p>
+        </p:txBody>
+      </p:sp>
+      <p:sp>
+        <p:nvSpPr>
+          <p:cNvPr id="9" name="Slide Number Placeholder 8">
+            <a:extLst>
+              <a:ext uri="{FF2B5EF4-FFF2-40B4-BE49-F238E27FC236}">
+                <a16:creationId xmlns:a16="http://schemas.microsoft.com/office/drawing/2014/main" id="{ED11E133-0A46-4F56-3AB4-2ECD85D141CF}"/>
+              </a:ext>
+            </a:extLst>
+          </p:cNvPr>
+          <p:cNvSpPr>
+            <a:spLocks noGrp="1"/>
+          </p:cNvSpPr>
+          <p:nvPr>
+            <p:ph type="sldNum" sz="quarter" idx="12"/>
+          </p:nvPr>
+        </p:nvSpPr>
+        <p:spPr/>
+        <p:txBody>
+          <a:bodyPr/>
+          <a:lstStyle/>
+          <a:p>
+            <a:fld id="{A368AD35-EA55-254F-AD80-EFD99CF0F10B}" type="slidenum">
+              <a:rPr lang="en-US" smtClean="0"/>
+              <a:t>3</a:t>
+            </a:fld>
+            <a:endParaRPr lang="en-US"/>
+          </a:p>
+        </p:txBody>
+      </p:sp>
+    </p:spTree>
+    <p:extLst>
+      <p:ext uri="{BB962C8B-B14F-4D97-AF65-F5344CB8AC3E}">
+        <p14:creationId xmlns:p14="http://schemas.microsoft.com/office/powerpoint/2010/main" val="1193525604"/>
+      </p:ext>
+    </p:extLst>
+  </p:cSld>
+  <p:clrMapOvr>
+    <a:masterClrMapping/>
+  </p:clrMapOvr>
+</p:sld>
+</file>
+
+<file path=ppt/slides/slide4.xml><?xml version="1.0" encoding="utf-8"?>
+<p:sld xmlns:a="http://schemas.openxmlformats.org/drawingml/2006/main" xmlns:r="http://schemas.openxmlformats.org/officeDocument/2006/relationships" xmlns:p="http://schemas.openxmlformats.org/presentationml/2006/main">
+  <p:cSld>
+    <p:spTree>
+      <p:nvGrpSpPr>
+        <p:cNvPr id="1" name=""/>
+        <p:cNvGrpSpPr/>
+        <p:nvPr/>
+      </p:nvGrpSpPr>
+      <p:grpSpPr>
+        <a:xfrm>
+          <a:off x="0" y="0"/>
+          <a:ext cx="0" cy="0"/>
+          <a:chOff x="0" y="0"/>
+          <a:chExt cx="0" cy="0"/>
+        </a:xfrm>
+      </p:grpSpPr>
+      <p:sp>
+        <p:nvSpPr>
+          <p:cNvPr id="7" name="Title 6">
+            <a:extLst>
+              <a:ext uri="{FF2B5EF4-FFF2-40B4-BE49-F238E27FC236}">
+                <a16:creationId xmlns:a16="http://schemas.microsoft.com/office/drawing/2014/main" id="{40251A88-E6E5-ED72-390D-89168AD0051D}"/>
+              </a:ext>
+            </a:extLst>
+          </p:cNvPr>
+          <p:cNvSpPr>
+            <a:spLocks noGrp="1"/>
+          </p:cNvSpPr>
+          <p:nvPr>
+            <p:ph type="title"/>
+          </p:nvPr>
+        </p:nvSpPr>
+        <p:spPr/>
+        <p:txBody>
+          <a:bodyPr/>
+          <a:lstStyle/>
+          <a:p>
+            <a:r>
+              <a:rPr lang="en-US" dirty="0"/>
+              <a:t>Global Scientific Output Doubles Every 9 Years</a:t>
+            </a:r>
+          </a:p>
+        </p:txBody>
+      </p:sp>
+      <p:sp>
+        <p:nvSpPr>
+          <p:cNvPr id="13" name="Content Placeholder 12">
+            <a:extLst>
+              <a:ext uri="{FF2B5EF4-FFF2-40B4-BE49-F238E27FC236}">
+                <a16:creationId xmlns:a16="http://schemas.microsoft.com/office/drawing/2014/main" id="{8DBAFCF8-EEA3-34FF-BD0B-76E6464360EA}"/>
+              </a:ext>
+            </a:extLst>
+          </p:cNvPr>
+          <p:cNvSpPr>
+            <a:spLocks noGrp="1"/>
+          </p:cNvSpPr>
+          <p:nvPr>
+            <p:ph sz="half" idx="1"/>
+          </p:nvPr>
+        </p:nvSpPr>
+        <p:spPr>
+          <a:xfrm>
+            <a:off x="838200" y="1825625"/>
+            <a:ext cx="6164766" cy="4351338"/>
+          </a:xfrm>
+        </p:spPr>
+        <p:txBody>
+          <a:bodyPr>
+            <a:normAutofit/>
+          </a:bodyPr>
+          <a:lstStyle/>
+          <a:p>
+            <a:r>
+              <a:rPr lang="en-US" sz="3200" dirty="0"/>
+              <a:t>Timeliness</a:t>
+            </a:r>
+          </a:p>
+          <a:p>
+            <a:pPr lvl="1"/>
+            <a:r>
+              <a:rPr lang="en-US" sz="2800" dirty="0"/>
+              <a:t>Web companies keep indexes up to date (web is a moving target)</a:t>
+            </a:r>
+          </a:p>
+          <a:p>
+            <a:pPr lvl="1"/>
+            <a:r>
+              <a:rPr lang="en-US" sz="2800" dirty="0"/>
+              <a:t>Ditto for Academic Search</a:t>
+            </a:r>
+          </a:p>
+        </p:txBody>
+      </p:sp>
+      <p:pic>
+        <p:nvPicPr>
+          <p:cNvPr id="14" name="Content Placeholder 10">
+            <a:extLst>
+              <a:ext uri="{FF2B5EF4-FFF2-40B4-BE49-F238E27FC236}">
+                <a16:creationId xmlns:a16="http://schemas.microsoft.com/office/drawing/2014/main" id="{EAF6FD8D-1A5C-F3B9-7282-7FF6C55FDE02}"/>
+              </a:ext>
+            </a:extLst>
+          </p:cNvPr>
+          <p:cNvPicPr>
+            <a:picLocks noGrp="1" noChangeAspect="1"/>
+          </p:cNvPicPr>
+          <p:nvPr>
+            <p:ph sz="half" idx="2"/>
+          </p:nvPr>
+        </p:nvPicPr>
+        <p:blipFill>
+          <a:blip r:embed="rId2"/>
+          <a:stretch>
+            <a:fillRect/>
+          </a:stretch>
+        </p:blipFill>
+        <p:spPr>
+          <a:xfrm>
+            <a:off x="7457126" y="1825625"/>
+            <a:ext cx="4351338" cy="4351338"/>
+          </a:xfrm>
+        </p:spPr>
+      </p:pic>
+      <p:sp>
+        <p:nvSpPr>
+          <p:cNvPr id="15" name="Date Placeholder 14">
+            <a:extLst>
+              <a:ext uri="{FF2B5EF4-FFF2-40B4-BE49-F238E27FC236}">
+                <a16:creationId xmlns:a16="http://schemas.microsoft.com/office/drawing/2014/main" id="{9D17EE13-4C0B-E254-2157-176FF52313EE}"/>
+              </a:ext>
+            </a:extLst>
+          </p:cNvPr>
+          <p:cNvSpPr>
+            <a:spLocks noGrp="1"/>
+          </p:cNvSpPr>
+          <p:nvPr>
+            <p:ph type="dt" sz="half" idx="10"/>
+          </p:nvPr>
+        </p:nvSpPr>
+        <p:spPr/>
+        <p:txBody>
+          <a:bodyPr/>
+          <a:lstStyle/>
+          <a:p>
+            <a:r>
+              <a:rPr lang="en-US"/>
+              <a:t>6/21/2023</a:t>
+            </a:r>
+          </a:p>
+        </p:txBody>
+      </p:sp>
+      <p:sp>
+        <p:nvSpPr>
+          <p:cNvPr id="16" name="Slide Number Placeholder 15">
+            <a:extLst>
+              <a:ext uri="{FF2B5EF4-FFF2-40B4-BE49-F238E27FC236}">
+                <a16:creationId xmlns:a16="http://schemas.microsoft.com/office/drawing/2014/main" id="{1636919F-0828-7BAA-1E20-CD589E9C7468}"/>
+              </a:ext>
+            </a:extLst>
+          </p:cNvPr>
+          <p:cNvSpPr>
+            <a:spLocks noGrp="1"/>
+          </p:cNvSpPr>
+          <p:nvPr>
+            <p:ph type="sldNum" sz="quarter" idx="12"/>
+          </p:nvPr>
+        </p:nvSpPr>
+        <p:spPr/>
+        <p:txBody>
+          <a:bodyPr/>
+          <a:lstStyle/>
+          <a:p>
+            <a:fld id="{A368AD35-EA55-254F-AD80-EFD99CF0F10B}" type="slidenum">
+              <a:rPr lang="en-US" smtClean="0"/>
+              <a:t>4</a:t>
+            </a:fld>
+            <a:endParaRPr lang="en-US"/>
+          </a:p>
+        </p:txBody>
+      </p:sp>
+    </p:spTree>
+    <p:extLst>
+      <p:ext uri="{BB962C8B-B14F-4D97-AF65-F5344CB8AC3E}">
+        <p14:creationId xmlns:p14="http://schemas.microsoft.com/office/powerpoint/2010/main" val="982248294"/>
+      </p:ext>
+    </p:extLst>
+  </p:cSld>
+  <p:clrMapOvr>
+    <a:masterClrMapping/>
+  </p:clrMapOvr>
+</p:sld>
+</file>
+
+<file path=ppt/slides/slide5.xml><?xml version="1.0" encoding="utf-8"?>
+<p:sld xmlns:a="http://schemas.openxmlformats.org/drawingml/2006/main" xmlns:r="http://schemas.openxmlformats.org/officeDocument/2006/relationships" xmlns:p="http://schemas.openxmlformats.org/presentationml/2006/main">
+  <p:cSld>
+    <p:spTree>
+      <p:nvGrpSpPr>
+        <p:cNvPr id="1" name=""/>
+        <p:cNvGrpSpPr/>
+        <p:nvPr/>
+      </p:nvGrpSpPr>
+      <p:grpSpPr>
+        <a:xfrm>
+          <a:off x="0" y="0"/>
+          <a:ext cx="0" cy="0"/>
+          <a:chOff x="0" y="0"/>
+          <a:chExt cx="0" cy="0"/>
+        </a:xfrm>
+      </p:grpSpPr>
+      <p:pic>
+        <p:nvPicPr>
+          <p:cNvPr id="1026" name="Picture 2" descr="Grace Under Pressure: 15th October Mine's bigger than yours">
+            <a:extLst>
+              <a:ext uri="{FF2B5EF4-FFF2-40B4-BE49-F238E27FC236}">
+                <a16:creationId xmlns:a16="http://schemas.microsoft.com/office/drawing/2014/main" id="{02FDFA5D-BFF5-FFEF-10B7-3746274B107D}"/>
+              </a:ext>
+            </a:extLst>
+          </p:cNvPr>
+          <p:cNvPicPr>
+            <a:picLocks noChangeAspect="1" noChangeArrowheads="1"/>
+          </p:cNvPicPr>
+          <p:nvPr/>
+        </p:nvPicPr>
+        <p:blipFill rotWithShape="1">
+          <a:blip r:embed="rId2">
+            <a:extLst>
+              <a:ext uri="{28A0092B-C50C-407E-A947-70E740481C1C}">
+                <a14:useLocalDpi xmlns:a14="http://schemas.microsoft.com/office/drawing/2010/main" val="0"/>
+              </a:ext>
+            </a:extLst>
+          </a:blip>
+          <a:srcRect t="11464" b="13111"/>
+          <a:stretch/>
+        </p:blipFill>
+        <p:spPr bwMode="auto">
+          <a:xfrm>
+            <a:off x="1088611" y="2842383"/>
+            <a:ext cx="2728015" cy="2057608"/>
+          </a:xfrm>
+          <a:prstGeom prst="rect">
+            <a:avLst/>
+          </a:prstGeom>
+          <a:noFill/>
+          <a:extLst>
+            <a:ext uri="{909E8E84-426E-40DD-AFC4-6F175D3DCCD1}">
+              <a14:hiddenFill xmlns:a14="http://schemas.microsoft.com/office/drawing/2010/main">
+                <a:solidFill>
+                  <a:srgbClr val="FFFFFF"/>
+                </a:solidFill>
+              </a14:hiddenFill>
+            </a:ext>
+          </a:extLst>
+        </p:spPr>
+      </p:pic>
+      <p:sp>
+        <p:nvSpPr>
+          <p:cNvPr id="2" name="Title 1">
+            <a:extLst>
+              <a:ext uri="{FF2B5EF4-FFF2-40B4-BE49-F238E27FC236}">
+                <a16:creationId xmlns:a16="http://schemas.microsoft.com/office/drawing/2014/main" id="{F098D8BE-D642-8617-6E73-DFA43618568D}"/>
+              </a:ext>
+            </a:extLst>
+          </p:cNvPr>
+          <p:cNvSpPr>
+            <a:spLocks noGrp="1"/>
+          </p:cNvSpPr>
+          <p:nvPr>
+            <p:ph type="title"/>
+          </p:nvPr>
+        </p:nvSpPr>
+        <p:spPr/>
+        <p:txBody>
+          <a:bodyPr/>
+          <a:lstStyle/>
+          <a:p>
+            <a:r>
+              <a:rPr lang="en-US" dirty="0"/>
+              <a:t>Opportunity for Evaluation:</a:t>
+            </a:r>
+            <a:br>
+              <a:rPr lang="en-US" dirty="0"/>
+            </a:br>
+            <a:r>
+              <a:rPr lang="en-US" dirty="0"/>
+              <a:t>Answer Important Questions</a:t>
+            </a:r>
+          </a:p>
+        </p:txBody>
+      </p:sp>
+      <p:sp>
+        <p:nvSpPr>
+          <p:cNvPr id="9" name="Text Placeholder 8">
+            <a:extLst>
+              <a:ext uri="{FF2B5EF4-FFF2-40B4-BE49-F238E27FC236}">
+                <a16:creationId xmlns:a16="http://schemas.microsoft.com/office/drawing/2014/main" id="{41F6BF79-1EEA-16F8-B4A8-2E0E3AC65BA9}"/>
+              </a:ext>
+            </a:extLst>
+          </p:cNvPr>
+          <p:cNvSpPr>
+            <a:spLocks noGrp="1"/>
+          </p:cNvSpPr>
+          <p:nvPr>
+            <p:ph type="body" idx="1"/>
+          </p:nvPr>
+        </p:nvSpPr>
+        <p:spPr/>
+        <p:txBody>
+          <a:bodyPr/>
+          <a:lstStyle/>
+          <a:p>
+            <a:r>
+              <a:rPr lang="en-US" dirty="0"/>
+              <a:t>Unimportant Questions (SOTA-Chasing)</a:t>
+            </a:r>
+          </a:p>
+        </p:txBody>
+      </p:sp>
+      <p:sp>
+        <p:nvSpPr>
+          <p:cNvPr id="10" name="Content Placeholder 9">
+            <a:extLst>
+              <a:ext uri="{FF2B5EF4-FFF2-40B4-BE49-F238E27FC236}">
+                <a16:creationId xmlns:a16="http://schemas.microsoft.com/office/drawing/2014/main" id="{016E9BF4-92C3-3640-35A5-73C18F47F7FB}"/>
+              </a:ext>
+            </a:extLst>
+          </p:cNvPr>
+          <p:cNvSpPr>
+            <a:spLocks noGrp="1"/>
+          </p:cNvSpPr>
+          <p:nvPr>
+            <p:ph sz="half" idx="2"/>
+          </p:nvPr>
+        </p:nvSpPr>
+        <p:spPr/>
+        <p:txBody>
+          <a:bodyPr>
+            <a:normAutofit fontScale="92500" lnSpcReduction="20000"/>
+          </a:bodyPr>
+          <a:lstStyle/>
+          <a:p>
+            <a:r>
+              <a:rPr lang="en-US" dirty="0"/>
+              <a:t>Mine is bigger than yours</a:t>
+            </a:r>
+          </a:p>
+        </p:txBody>
+      </p:sp>
+      <p:sp>
+        <p:nvSpPr>
+          <p:cNvPr id="11" name="Text Placeholder 10">
+            <a:extLst>
+              <a:ext uri="{FF2B5EF4-FFF2-40B4-BE49-F238E27FC236}">
+                <a16:creationId xmlns:a16="http://schemas.microsoft.com/office/drawing/2014/main" id="{486C72F0-4A95-5237-49D9-0C53736B0E1F}"/>
+              </a:ext>
+            </a:extLst>
+          </p:cNvPr>
+          <p:cNvSpPr>
+            <a:spLocks noGrp="1"/>
+          </p:cNvSpPr>
+          <p:nvPr>
+            <p:ph type="body" sz="quarter" idx="3"/>
+          </p:nvPr>
+        </p:nvSpPr>
+        <p:spPr/>
+        <p:txBody>
+          <a:bodyPr/>
+          <a:lstStyle/>
+          <a:p>
+            <a:r>
+              <a:rPr lang="en-US" dirty="0"/>
+              <a:t>Important Questions (Good)</a:t>
+            </a:r>
+          </a:p>
+        </p:txBody>
+      </p:sp>
+      <p:sp>
+        <p:nvSpPr>
+          <p:cNvPr id="5" name="Date Placeholder 4">
+            <a:extLst>
+              <a:ext uri="{FF2B5EF4-FFF2-40B4-BE49-F238E27FC236}">
+                <a16:creationId xmlns:a16="http://schemas.microsoft.com/office/drawing/2014/main" id="{0DF8CEF3-34FF-41CA-ADC7-259705CA1419}"/>
+              </a:ext>
+            </a:extLst>
+          </p:cNvPr>
+          <p:cNvSpPr>
+            <a:spLocks noGrp="1"/>
+          </p:cNvSpPr>
+          <p:nvPr>
+            <p:ph type="dt" sz="half" idx="10"/>
+          </p:nvPr>
+        </p:nvSpPr>
+        <p:spPr/>
+        <p:txBody>
+          <a:bodyPr/>
+          <a:lstStyle/>
+          <a:p>
+            <a:r>
+              <a:rPr lang="en-US"/>
+              <a:t>6/26/2023</a:t>
+            </a:r>
+          </a:p>
+        </p:txBody>
+      </p:sp>
+      <p:sp>
+        <p:nvSpPr>
+          <p:cNvPr id="6" name="Slide Number Placeholder 5">
+            <a:extLst>
+              <a:ext uri="{FF2B5EF4-FFF2-40B4-BE49-F238E27FC236}">
+                <a16:creationId xmlns:a16="http://schemas.microsoft.com/office/drawing/2014/main" id="{EEEB9BFE-3B8C-6E7D-51BD-FE0E92D80886}"/>
+              </a:ext>
+            </a:extLst>
+          </p:cNvPr>
+          <p:cNvSpPr>
+            <a:spLocks noGrp="1"/>
+          </p:cNvSpPr>
+          <p:nvPr>
+            <p:ph type="sldNum" sz="quarter" idx="12"/>
+          </p:nvPr>
+        </p:nvSpPr>
+        <p:spPr/>
+        <p:txBody>
+          <a:bodyPr/>
+          <a:lstStyle/>
+          <a:p>
+            <a:fld id="{A368AD35-EA55-254F-AD80-EFD99CF0F10B}" type="slidenum">
+              <a:rPr lang="en-US" smtClean="0"/>
+              <a:t>5</a:t>
+            </a:fld>
+            <a:endParaRPr lang="en-US"/>
+          </a:p>
+        </p:txBody>
+      </p:sp>
+      <p:sp>
+        <p:nvSpPr>
+          <p:cNvPr id="16" name="Content Placeholder 15">
+            <a:extLst>
+              <a:ext uri="{FF2B5EF4-FFF2-40B4-BE49-F238E27FC236}">
+                <a16:creationId xmlns:a16="http://schemas.microsoft.com/office/drawing/2014/main" id="{E9E596F4-4C1D-F2F2-5CB3-B5BD179864CF}"/>
+              </a:ext>
+            </a:extLst>
+          </p:cNvPr>
+          <p:cNvSpPr>
+            <a:spLocks noGrp="1"/>
+          </p:cNvSpPr>
+          <p:nvPr>
+            <p:ph sz="quarter" idx="4"/>
+          </p:nvPr>
+        </p:nvSpPr>
+        <p:spPr>
+          <a:xfrm>
+            <a:off x="6172200" y="2505074"/>
+            <a:ext cx="4546600" cy="3684587"/>
+          </a:xfrm>
+        </p:spPr>
+        <p:txBody>
+          <a:bodyPr>
+            <a:normAutofit fontScale="92500" lnSpcReduction="20000"/>
+          </a:bodyPr>
+          <a:lstStyle/>
+          <a:p>
+            <a:r>
+              <a:rPr lang="en-US" dirty="0"/>
+              <a:t>What should I read?  Cite?</a:t>
+            </a:r>
+          </a:p>
+          <a:p>
+            <a:r>
+              <a:rPr lang="en-US" dirty="0"/>
+              <a:t>What’s Hot &amp; What’s Not?</a:t>
+            </a:r>
+          </a:p>
+          <a:p>
+            <a:pPr lvl="1"/>
+            <a:r>
+              <a:rPr lang="en-US" dirty="0"/>
+              <a:t>Which papers are </a:t>
+            </a:r>
+          </a:p>
+          <a:p>
+            <a:pPr lvl="2"/>
+            <a:r>
+              <a:rPr lang="en-US" dirty="0"/>
+              <a:t>tearing up the charts?</a:t>
+            </a:r>
+          </a:p>
+          <a:p>
+            <a:pPr lvl="1"/>
+            <a:r>
+              <a:rPr lang="en-US" dirty="0"/>
+              <a:t>Which authors are</a:t>
+            </a:r>
+          </a:p>
+          <a:p>
+            <a:pPr lvl="2"/>
+            <a:r>
+              <a:rPr lang="en-US" dirty="0"/>
+              <a:t>rising stars</a:t>
+            </a:r>
+          </a:p>
+          <a:p>
+            <a:r>
+              <a:rPr lang="en-US" dirty="0"/>
+              <a:t>Timeliness (Update Story)</a:t>
+            </a:r>
+          </a:p>
+          <a:p>
+            <a:pPr lvl="1"/>
+            <a:r>
+              <a:rPr lang="en-US" dirty="0"/>
+              <a:t>Post </a:t>
+            </a:r>
+            <a:r>
+              <a:rPr lang="en-US" dirty="0" err="1"/>
+              <a:t>SciBERT</a:t>
+            </a:r>
+            <a:r>
+              <a:rPr lang="en-US" dirty="0"/>
+              <a:t> on </a:t>
+            </a:r>
+            <a:r>
+              <a:rPr lang="en-US" dirty="0" err="1"/>
+              <a:t>HuggingFace</a:t>
+            </a:r>
+            <a:endParaRPr lang="en-US" dirty="0"/>
+          </a:p>
+          <a:p>
+            <a:pPr lvl="1"/>
+            <a:r>
+              <a:rPr lang="en-US" dirty="0"/>
+              <a:t>COVID happens</a:t>
+            </a:r>
+          </a:p>
+          <a:p>
+            <a:pPr lvl="1"/>
+            <a:r>
+              <a:rPr lang="en-US" dirty="0"/>
+              <a:t>How long are models good for?</a:t>
+            </a:r>
+          </a:p>
+          <a:p>
+            <a:pPr lvl="2"/>
+            <a:r>
+              <a:rPr lang="en-US" dirty="0"/>
+              <a:t>Sell-by dates for models</a:t>
+            </a:r>
+          </a:p>
+          <a:p>
+            <a:pPr lvl="1"/>
+            <a:endParaRPr lang="en-US" dirty="0"/>
+          </a:p>
+        </p:txBody>
+      </p:sp>
+      <p:pic>
+        <p:nvPicPr>
+          <p:cNvPr id="17" name="Content Placeholder 13" descr="A screenshot of a computer&#10;&#10;Description automatically generated with low confidence">
+            <a:extLst>
+              <a:ext uri="{FF2B5EF4-FFF2-40B4-BE49-F238E27FC236}">
+                <a16:creationId xmlns:a16="http://schemas.microsoft.com/office/drawing/2014/main" id="{A63112E3-79EF-E0BC-59C0-A34EA152ADB6}"/>
+              </a:ext>
+            </a:extLst>
+          </p:cNvPr>
+          <p:cNvPicPr>
+            <a:picLocks noChangeAspect="1"/>
+          </p:cNvPicPr>
+          <p:nvPr/>
+        </p:nvPicPr>
+        <p:blipFill>
+          <a:blip r:embed="rId3"/>
+          <a:stretch>
+            <a:fillRect/>
+          </a:stretch>
+        </p:blipFill>
+        <p:spPr>
+          <a:xfrm>
+            <a:off x="1016517" y="4957606"/>
+            <a:ext cx="3678651" cy="1600771"/>
+          </a:xfrm>
+          <a:prstGeom prst="rect">
+            <a:avLst/>
+          </a:prstGeom>
+        </p:spPr>
+      </p:pic>
+    </p:spTree>
+    <p:extLst>
+      <p:ext uri="{BB962C8B-B14F-4D97-AF65-F5344CB8AC3E}">
+        <p14:creationId xmlns:p14="http://schemas.microsoft.com/office/powerpoint/2010/main" val="1391482860"/>
+      </p:ext>
+    </p:extLst>
+  </p:cSld>
+  <p:clrMapOvr>
+    <a:masterClrMapping/>
+  </p:clrMapOvr>
+  <p:timing>
+    <p:tnLst>
+      <p:par>
+        <p:cTn id="1" dur="indefinite" restart="never" nodeType="tmRoot">
+          <p:childTnLst>
+            <p:seq concurrent="1" nextAc="seek">
+              <p:cTn id="2" dur="indefinite" nodeType="mainSeq">
+                <p:childTnLst>
+                  <p:par>
+                    <p:cTn id="3" fill="hold">
+                      <p:stCondLst>
+                        <p:cond delay="indefinite"/>
+                      </p:stCondLst>
+                      <p:childTnLst>
+                        <p:par>
+                          <p:cTn id="4" fill="hold">
+                            <p:stCondLst>
+                              <p:cond delay="0"/>
+                            </p:stCondLst>
+                            <p:childTnLst>
+                              <p:par>
+                                <p:cTn id="5" presetID="1" presetClass="entr" presetSubtype="0" fill="hold" nodeType="clickEffect">
+                                  <p:stCondLst>
+                                    <p:cond delay="0"/>
+                                  </p:stCondLst>
+                                  <p:childTnLst>
+                                    <p:set>
+                                      <p:cBhvr>
+                                        <p:cTn id="6" dur="1" fill="hold">
+                                          <p:stCondLst>
+                                            <p:cond delay="0"/>
+                                          </p:stCondLst>
+                                        </p:cTn>
+                                        <p:tgtEl>
+                                          <p:spTgt spid="16">
+                                            <p:txEl>
+                                              <p:pRg st="0" end="0"/>
+                                            </p:txEl>
+                                          </p:spTgt>
+                                        </p:tgtEl>
+                                        <p:attrNameLst>
+                                          <p:attrName>style.visibility</p:attrName>
+                                        </p:attrNameLst>
+                                      </p:cBhvr>
+                                      <p:to>
+                                        <p:strVal val="visible"/>
+                                      </p:to>
+                                    </p:set>
+                                  </p:childTnLst>
+                                </p:cTn>
+                              </p:par>
+                            </p:childTnLst>
+                          </p:cTn>
+                        </p:par>
+                      </p:childTnLst>
+                    </p:cTn>
+                  </p:par>
+                  <p:par>
+                    <p:cTn id="7" fill="hold">
+                      <p:stCondLst>
+                        <p:cond delay="indefinite"/>
+                      </p:stCondLst>
+                      <p:childTnLst>
+                        <p:par>
+                          <p:cTn id="8" fill="hold">
+                            <p:stCondLst>
+                              <p:cond delay="0"/>
+                            </p:stCondLst>
+                            <p:childTnLst>
+                              <p:par>
+                                <p:cTn id="9" presetID="1" presetClass="entr" presetSubtype="0" fill="hold" nodeType="clickEffect">
+                                  <p:stCondLst>
+                                    <p:cond delay="0"/>
+                                  </p:stCondLst>
+                                  <p:childTnLst>
+                                    <p:set>
+                                      <p:cBhvr>
+                                        <p:cTn id="10" dur="1" fill="hold">
+                                          <p:stCondLst>
+                                            <p:cond delay="0"/>
+                                          </p:stCondLst>
+                                        </p:cTn>
+                                        <p:tgtEl>
+                                          <p:spTgt spid="16">
+                                            <p:txEl>
+                                              <p:pRg st="1" end="1"/>
+                                            </p:txEl>
+                                          </p:spTgt>
+                                        </p:tgtEl>
+                                        <p:attrNameLst>
+                                          <p:attrName>style.visibility</p:attrName>
+                                        </p:attrNameLst>
+                                      </p:cBhvr>
+                                      <p:to>
+                                        <p:strVal val="visible"/>
+                                      </p:to>
+                                    </p:set>
+                                  </p:childTnLst>
+                                </p:cTn>
+                              </p:par>
+                              <p:par>
+                                <p:cTn id="11" presetID="1" presetClass="entr" presetSubtype="0" fill="hold" nodeType="withEffect">
+                                  <p:stCondLst>
+                                    <p:cond delay="0"/>
+                                  </p:stCondLst>
+                                  <p:childTnLst>
+                                    <p:set>
+                                      <p:cBhvr>
+                                        <p:cTn id="12" dur="1" fill="hold">
+                                          <p:stCondLst>
+                                            <p:cond delay="0"/>
+                                          </p:stCondLst>
+                                        </p:cTn>
+                                        <p:tgtEl>
+                                          <p:spTgt spid="16">
+                                            <p:txEl>
+                                              <p:pRg st="2" end="2"/>
+                                            </p:txEl>
+                                          </p:spTgt>
+                                        </p:tgtEl>
+                                        <p:attrNameLst>
+                                          <p:attrName>style.visibility</p:attrName>
+                                        </p:attrNameLst>
+                                      </p:cBhvr>
+                                      <p:to>
+                                        <p:strVal val="visible"/>
+                                      </p:to>
+                                    </p:set>
+                                  </p:childTnLst>
+                                </p:cTn>
+                              </p:par>
+                              <p:par>
+                                <p:cTn id="13" presetID="1" presetClass="entr" presetSubtype="0" fill="hold" nodeType="withEffect">
+                                  <p:stCondLst>
+                                    <p:cond delay="0"/>
+                                  </p:stCondLst>
+                                  <p:childTnLst>
+                                    <p:set>
+                                      <p:cBhvr>
+                                        <p:cTn id="14" dur="1" fill="hold">
+                                          <p:stCondLst>
+                                            <p:cond delay="0"/>
+                                          </p:stCondLst>
+                                        </p:cTn>
+                                        <p:tgtEl>
+                                          <p:spTgt spid="16">
+                                            <p:txEl>
+                                              <p:pRg st="3" end="3"/>
+                                            </p:txEl>
+                                          </p:spTgt>
+                                        </p:tgtEl>
+                                        <p:attrNameLst>
+                                          <p:attrName>style.visibility</p:attrName>
+                                        </p:attrNameLst>
+                                      </p:cBhvr>
+                                      <p:to>
+                                        <p:strVal val="visible"/>
+                                      </p:to>
+                                    </p:set>
+                                  </p:childTnLst>
+                                </p:cTn>
+                              </p:par>
+                              <p:par>
+                                <p:cTn id="15" presetID="1" presetClass="entr" presetSubtype="0" fill="hold" nodeType="withEffect">
+                                  <p:stCondLst>
+                                    <p:cond delay="0"/>
+                                  </p:stCondLst>
+                                  <p:childTnLst>
+                                    <p:set>
+                                      <p:cBhvr>
+                                        <p:cTn id="16" dur="1" fill="hold">
+                                          <p:stCondLst>
+                                            <p:cond delay="0"/>
+                                          </p:stCondLst>
+                                        </p:cTn>
+                                        <p:tgtEl>
+                                          <p:spTgt spid="16">
+                                            <p:txEl>
+                                              <p:pRg st="4" end="4"/>
+                                            </p:txEl>
+                                          </p:spTgt>
+                                        </p:tgtEl>
+                                        <p:attrNameLst>
+                                          <p:attrName>style.visibility</p:attrName>
+                                        </p:attrNameLst>
+                                      </p:cBhvr>
+                                      <p:to>
+                                        <p:strVal val="visible"/>
+                                      </p:to>
+                                    </p:set>
+                                  </p:childTnLst>
+                                </p:cTn>
+                              </p:par>
+                              <p:par>
+                                <p:cTn id="17" presetID="1" presetClass="entr" presetSubtype="0" fill="hold" nodeType="withEffect">
+                                  <p:stCondLst>
+                                    <p:cond delay="0"/>
+                                  </p:stCondLst>
+                                  <p:childTnLst>
+                                    <p:set>
+                                      <p:cBhvr>
+                                        <p:cTn id="18" dur="1" fill="hold">
+                                          <p:stCondLst>
+                                            <p:cond delay="0"/>
+                                          </p:stCondLst>
+                                        </p:cTn>
+                                        <p:tgtEl>
+                                          <p:spTgt spid="16">
+                                            <p:txEl>
+                                              <p:pRg st="5" end="5"/>
+                                            </p:txEl>
+                                          </p:spTgt>
+                                        </p:tgtEl>
+                                        <p:attrNameLst>
+                                          <p:attrName>style.visibility</p:attrName>
+                                        </p:attrNameLst>
+                                      </p:cBhvr>
+                                      <p:to>
+                                        <p:strVal val="visible"/>
+                                      </p:to>
+                                    </p:set>
+                                  </p:childTnLst>
+                                </p:cTn>
+                              </p:par>
+                            </p:childTnLst>
+                          </p:cTn>
+                        </p:par>
+                      </p:childTnLst>
+                    </p:cTn>
+                  </p:par>
+                  <p:par>
+                    <p:cTn id="19" fill="hold">
+                      <p:stCondLst>
+                        <p:cond delay="indefinite"/>
+                      </p:stCondLst>
+                      <p:childTnLst>
+                        <p:par>
+                          <p:cTn id="20" fill="hold">
+                            <p:stCondLst>
+                              <p:cond delay="0"/>
+                            </p:stCondLst>
+                            <p:childTnLst>
+                              <p:par>
+                                <p:cTn id="21" presetID="1" presetClass="entr" presetSubtype="0" fill="hold" nodeType="clickEffect">
+                                  <p:stCondLst>
+                                    <p:cond delay="0"/>
+                                  </p:stCondLst>
+                                  <p:childTnLst>
+                                    <p:set>
+                                      <p:cBhvr>
+                                        <p:cTn id="22" dur="1" fill="hold">
+                                          <p:stCondLst>
+                                            <p:cond delay="0"/>
+                                          </p:stCondLst>
+                                        </p:cTn>
+                                        <p:tgtEl>
+                                          <p:spTgt spid="16">
+                                            <p:txEl>
+                                              <p:pRg st="6" end="6"/>
+                                            </p:txEl>
+                                          </p:spTgt>
+                                        </p:tgtEl>
+                                        <p:attrNameLst>
+                                          <p:attrName>style.visibility</p:attrName>
+                                        </p:attrNameLst>
+                                      </p:cBhvr>
+                                      <p:to>
+                                        <p:strVal val="visible"/>
+                                      </p:to>
+                                    </p:set>
+                                  </p:childTnLst>
+                                </p:cTn>
+                              </p:par>
+                              <p:par>
+                                <p:cTn id="23" presetID="1" presetClass="entr" presetSubtype="0" fill="hold" nodeType="withEffect">
+                                  <p:stCondLst>
+                                    <p:cond delay="0"/>
+                                  </p:stCondLst>
+                                  <p:childTnLst>
+                                    <p:set>
+                                      <p:cBhvr>
+                                        <p:cTn id="24" dur="1" fill="hold">
+                                          <p:stCondLst>
+                                            <p:cond delay="0"/>
+                                          </p:stCondLst>
+                                        </p:cTn>
+                                        <p:tgtEl>
+                                          <p:spTgt spid="16">
+                                            <p:txEl>
+                                              <p:pRg st="7" end="7"/>
+                                            </p:txEl>
+                                          </p:spTgt>
+                                        </p:tgtEl>
+                                        <p:attrNameLst>
+                                          <p:attrName>style.visibility</p:attrName>
+                                        </p:attrNameLst>
+                                      </p:cBhvr>
+                                      <p:to>
+                                        <p:strVal val="visible"/>
+                                      </p:to>
+                                    </p:set>
+                                  </p:childTnLst>
+                                </p:cTn>
+                              </p:par>
+                              <p:par>
+                                <p:cTn id="25" presetID="1" presetClass="entr" presetSubtype="0" fill="hold" nodeType="withEffect">
+                                  <p:stCondLst>
+                                    <p:cond delay="0"/>
+                                  </p:stCondLst>
+                                  <p:childTnLst>
+                                    <p:set>
+                                      <p:cBhvr>
+                                        <p:cTn id="26" dur="1" fill="hold">
+                                          <p:stCondLst>
+                                            <p:cond delay="0"/>
+                                          </p:stCondLst>
+                                        </p:cTn>
+                                        <p:tgtEl>
+                                          <p:spTgt spid="16">
+                                            <p:txEl>
+                                              <p:pRg st="8" end="8"/>
+                                            </p:txEl>
+                                          </p:spTgt>
+                                        </p:tgtEl>
+                                        <p:attrNameLst>
+                                          <p:attrName>style.visibility</p:attrName>
+                                        </p:attrNameLst>
+                                      </p:cBhvr>
+                                      <p:to>
+                                        <p:strVal val="visible"/>
+                                      </p:to>
+                                    </p:set>
+                                  </p:childTnLst>
+                                </p:cTn>
+                              </p:par>
+                              <p:par>
+                                <p:cTn id="27" presetID="1" presetClass="entr" presetSubtype="0" fill="hold" nodeType="withEffect">
+                                  <p:stCondLst>
+                                    <p:cond delay="0"/>
+                                  </p:stCondLst>
+                                  <p:childTnLst>
+                                    <p:set>
+                                      <p:cBhvr>
+                                        <p:cTn id="28" dur="1" fill="hold">
+                                          <p:stCondLst>
+                                            <p:cond delay="0"/>
+                                          </p:stCondLst>
+                                        </p:cTn>
+                                        <p:tgtEl>
+                                          <p:spTgt spid="16">
+                                            <p:txEl>
+                                              <p:pRg st="9" end="9"/>
+                                            </p:txEl>
+                                          </p:spTgt>
+                                        </p:tgtEl>
+                                        <p:attrNameLst>
+                                          <p:attrName>style.visibility</p:attrName>
+                                        </p:attrNameLst>
+                                      </p:cBhvr>
+                                      <p:to>
+                                        <p:strVal val="visible"/>
+                                      </p:to>
+                                    </p:set>
+                                  </p:childTnLst>
+                                </p:cTn>
+                              </p:par>
+                              <p:par>
+                                <p:cTn id="29" presetID="1" presetClass="entr" presetSubtype="0" fill="hold" nodeType="withEffect">
+                                  <p:stCondLst>
+                                    <p:cond delay="0"/>
+                                  </p:stCondLst>
+                                  <p:childTnLst>
+                                    <p:set>
+                                      <p:cBhvr>
+                                        <p:cTn id="30" dur="1" fill="hold">
+                                          <p:stCondLst>
+                                            <p:cond delay="0"/>
+                                          </p:stCondLst>
+                                        </p:cTn>
+                                        <p:tgtEl>
+                                          <p:spTgt spid="16">
+                                            <p:txEl>
+                                              <p:pRg st="10" end="10"/>
+                                            </p:txEl>
+                                          </p:spTgt>
+                                        </p:tgtEl>
+                                        <p:attrNameLst>
+                                          <p:attrName>style.visibility</p:attrName>
+                                        </p:attrNameLst>
+                                      </p:cBhvr>
+                                      <p:to>
+                                        <p:strVal val="visible"/>
+                                      </p:to>
+                                    </p:set>
+                                  </p:childTnLst>
+                                </p:cTn>
+                              </p:par>
+                            </p:childTnLst>
+                          </p:cTn>
+                        </p:par>
+                      </p:childTnLst>
+                    </p:cTn>
+                  </p:par>
+                </p:childTnLst>
+              </p:cTn>
+              <p:prevCondLst>
+                <p:cond evt="onPrev" delay="0">
+                  <p:tgtEl>
+                    <p:sldTgt/>
+                  </p:tgtEl>
+                </p:cond>
+              </p:prevCondLst>
+              <p:nextCondLst>
+                <p:cond evt="onNext" delay="0">
+                  <p:tgtEl>
+                    <p:sldTgt/>
+                  </p:tgtEl>
+                </p:cond>
+              </p:nextCondLst>
+            </p:seq>
+          </p:childTnLst>
+        </p:cTn>
+      </p:par>
+    </p:tnLst>
+  </p:timing>
+</p:sld>
+</file>
+
+<file path=ppt/slides/slide6.xml><?xml version="1.0" encoding="utf-8"?>
+<p:sld xmlns:a="http://schemas.openxmlformats.org/drawingml/2006/main" xmlns:r="http://schemas.openxmlformats.org/officeDocument/2006/relationships" xmlns:p="http://schemas.openxmlformats.org/presentationml/2006/main">
+  <p:cSld>
+    <p:spTree>
+      <p:nvGrpSpPr>
+        <p:cNvPr id="1" name=""/>
+        <p:cNvGrpSpPr/>
+        <p:nvPr/>
+      </p:nvGrpSpPr>
+      <p:grpSpPr>
+        <a:xfrm>
+          <a:off x="0" y="0"/>
+          <a:ext cx="0" cy="0"/>
+          <a:chOff x="0" y="0"/>
+          <a:chExt cx="0" cy="0"/>
+        </a:xfrm>
+      </p:grpSpPr>
+      <p:sp>
+        <p:nvSpPr>
+          <p:cNvPr id="2" name="Title 1">
+            <a:extLst>
+              <a:ext uri="{FF2B5EF4-FFF2-40B4-BE49-F238E27FC236}">
+                <a16:creationId xmlns:a16="http://schemas.microsoft.com/office/drawing/2014/main" id="{7586C873-DFE4-FE78-B581-8BA7C12D9F91}"/>
+              </a:ext>
+            </a:extLst>
+          </p:cNvPr>
+          <p:cNvSpPr>
+            <a:spLocks noGrp="1"/>
+          </p:cNvSpPr>
+          <p:nvPr>
+            <p:ph type="title"/>
+          </p:nvPr>
+        </p:nvSpPr>
+        <p:spPr/>
+        <p:txBody>
+          <a:bodyPr>
+            <a:normAutofit fontScale="90000"/>
+          </a:bodyPr>
+          <a:lstStyle/>
+          <a:p>
+            <a:r>
+              <a:rPr lang="en-US" sz="4000" dirty="0"/>
+              <a:t>Value: Author Contributions + Audience Appreciation</a:t>
+            </a:r>
+            <a:br>
+              <a:rPr lang="en-US" sz="4000" dirty="0"/>
+            </a:br>
+            <a:r>
+              <a:rPr lang="en-US" sz="4000" dirty="0"/>
+              <a:t>(Literature is a conversation, like social media)</a:t>
+            </a:r>
+          </a:p>
+        </p:txBody>
+      </p:sp>
+      <p:sp>
+        <p:nvSpPr>
+          <p:cNvPr id="11" name="Content Placeholder 10">
+            <a:extLst>
+              <a:ext uri="{FF2B5EF4-FFF2-40B4-BE49-F238E27FC236}">
+                <a16:creationId xmlns:a16="http://schemas.microsoft.com/office/drawing/2014/main" id="{C27F6A21-D064-D9B1-FBBF-786A8F0D5AB3}"/>
+              </a:ext>
+            </a:extLst>
+          </p:cNvPr>
+          <p:cNvSpPr>
+            <a:spLocks noGrp="1"/>
+          </p:cNvSpPr>
+          <p:nvPr>
+            <p:ph sz="half" idx="1"/>
+          </p:nvPr>
+        </p:nvSpPr>
+        <p:spPr/>
+        <p:txBody>
+          <a:bodyPr/>
+          <a:lstStyle/>
+          <a:p>
+            <a:r>
+              <a:rPr lang="en-US" dirty="0"/>
+              <a:t>Author Contributions</a:t>
+            </a:r>
+          </a:p>
+          <a:p>
+            <a:pPr lvl="1"/>
+            <a:r>
+              <a:rPr lang="en-US" dirty="0"/>
+              <a:t>Time Invariant</a:t>
+            </a:r>
+          </a:p>
+          <a:p>
+            <a:pPr lvl="1"/>
+            <a:r>
+              <a:rPr lang="en-US" dirty="0"/>
+              <a:t>Does not change after publication</a:t>
+            </a:r>
+          </a:p>
+          <a:p>
+            <a:r>
+              <a:rPr lang="en-US" dirty="0"/>
+              <a:t>Audience Appreciation</a:t>
+            </a:r>
+          </a:p>
+          <a:p>
+            <a:pPr lvl="1"/>
+            <a:r>
+              <a:rPr lang="en-US" dirty="0"/>
+              <a:t>Evolves over time</a:t>
+            </a:r>
+          </a:p>
+          <a:p>
+            <a:pPr lvl="1"/>
+            <a:r>
+              <a:rPr lang="en-US" dirty="0"/>
+              <a:t>Behavioral Signals</a:t>
+            </a:r>
+          </a:p>
+          <a:p>
+            <a:pPr lvl="2"/>
+            <a:r>
+              <a:rPr lang="en-US" dirty="0"/>
+              <a:t>Views</a:t>
+            </a:r>
+          </a:p>
+          <a:p>
+            <a:pPr lvl="2"/>
+            <a:r>
+              <a:rPr lang="en-US" dirty="0"/>
+              <a:t>Citations</a:t>
+            </a:r>
+          </a:p>
+        </p:txBody>
+      </p:sp>
+      <p:pic>
+        <p:nvPicPr>
+          <p:cNvPr id="14" name="Content Placeholder 13" descr="A picture containing line, plot, slope, screenshot&#10;&#10;Description automatically generated">
+            <a:extLst>
+              <a:ext uri="{FF2B5EF4-FFF2-40B4-BE49-F238E27FC236}">
+                <a16:creationId xmlns:a16="http://schemas.microsoft.com/office/drawing/2014/main" id="{29FD0CD3-55A8-DCDB-13B3-DD2570C90488}"/>
+              </a:ext>
+            </a:extLst>
+          </p:cNvPr>
+          <p:cNvPicPr>
+            <a:picLocks noGrp="1" noChangeAspect="1"/>
+          </p:cNvPicPr>
+          <p:nvPr>
+            <p:ph sz="half" idx="2"/>
+          </p:nvPr>
+        </p:nvPicPr>
+        <p:blipFill>
+          <a:blip r:embed="rId2"/>
+          <a:stretch>
+            <a:fillRect/>
+          </a:stretch>
+        </p:blipFill>
+        <p:spPr>
+          <a:xfrm>
+            <a:off x="4607759" y="3429000"/>
+            <a:ext cx="7509092" cy="3063875"/>
+          </a:xfrm>
+        </p:spPr>
+      </p:pic>
+      <p:sp>
+        <p:nvSpPr>
+          <p:cNvPr id="5" name="Date Placeholder 4">
+            <a:extLst>
+              <a:ext uri="{FF2B5EF4-FFF2-40B4-BE49-F238E27FC236}">
+                <a16:creationId xmlns:a16="http://schemas.microsoft.com/office/drawing/2014/main" id="{0EF05CAE-F0AE-C05F-9F48-4DE2DD3D87B6}"/>
+              </a:ext>
+            </a:extLst>
+          </p:cNvPr>
+          <p:cNvSpPr>
+            <a:spLocks noGrp="1"/>
+          </p:cNvSpPr>
+          <p:nvPr>
+            <p:ph type="dt" sz="half" idx="10"/>
+          </p:nvPr>
+        </p:nvSpPr>
+        <p:spPr/>
+        <p:txBody>
+          <a:bodyPr/>
+          <a:lstStyle/>
+          <a:p>
+            <a:r>
+              <a:rPr lang="en-US"/>
+              <a:t>6/21/2023</a:t>
+            </a:r>
+          </a:p>
+        </p:txBody>
+      </p:sp>
+      <p:sp>
+        <p:nvSpPr>
+          <p:cNvPr id="6" name="Slide Number Placeholder 5">
+            <a:extLst>
+              <a:ext uri="{FF2B5EF4-FFF2-40B4-BE49-F238E27FC236}">
+                <a16:creationId xmlns:a16="http://schemas.microsoft.com/office/drawing/2014/main" id="{7F30A684-EEDF-7FA0-EB87-A19DCCCDD12D}"/>
+              </a:ext>
+            </a:extLst>
+          </p:cNvPr>
+          <p:cNvSpPr>
+            <a:spLocks noGrp="1"/>
+          </p:cNvSpPr>
+          <p:nvPr>
+            <p:ph type="sldNum" sz="quarter" idx="12"/>
+          </p:nvPr>
+        </p:nvSpPr>
+        <p:spPr/>
+        <p:txBody>
+          <a:bodyPr/>
+          <a:lstStyle/>
+          <a:p>
+            <a:fld id="{A368AD35-EA55-254F-AD80-EFD99CF0F10B}" type="slidenum">
+              <a:rPr lang="en-US" smtClean="0"/>
+              <a:t>6</a:t>
+            </a:fld>
+            <a:endParaRPr lang="en-US"/>
+          </a:p>
+        </p:txBody>
+      </p:sp>
+      <p:pic>
+        <p:nvPicPr>
+          <p:cNvPr id="16" name="Picture 15" descr="A screenshot of a website&#10;&#10;Description automatically generated with low confidence">
+            <a:extLst>
+              <a:ext uri="{FF2B5EF4-FFF2-40B4-BE49-F238E27FC236}">
+                <a16:creationId xmlns:a16="http://schemas.microsoft.com/office/drawing/2014/main" id="{B6526378-7E19-E707-3412-320D41D30606}"/>
+              </a:ext>
+            </a:extLst>
+          </p:cNvPr>
+          <p:cNvPicPr>
+            <a:picLocks noChangeAspect="1"/>
+          </p:cNvPicPr>
+          <p:nvPr/>
+        </p:nvPicPr>
+        <p:blipFill>
+          <a:blip r:embed="rId3"/>
+          <a:stretch>
+            <a:fillRect/>
+          </a:stretch>
+        </p:blipFill>
+        <p:spPr>
+          <a:xfrm>
+            <a:off x="5965102" y="1783720"/>
+            <a:ext cx="6073446" cy="1583793"/>
+          </a:xfrm>
+          <a:prstGeom prst="rect">
+            <a:avLst/>
+          </a:prstGeom>
+        </p:spPr>
+      </p:pic>
+      <p:sp>
+        <p:nvSpPr>
+          <p:cNvPr id="17" name="Down Arrow 16">
+            <a:extLst>
+              <a:ext uri="{FF2B5EF4-FFF2-40B4-BE49-F238E27FC236}">
+                <a16:creationId xmlns:a16="http://schemas.microsoft.com/office/drawing/2014/main" id="{CBD77A7D-C7AA-16B1-27ED-EABE17720358}"/>
+              </a:ext>
+            </a:extLst>
+          </p:cNvPr>
+          <p:cNvSpPr/>
+          <p:nvPr/>
+        </p:nvSpPr>
+        <p:spPr>
+          <a:xfrm rot="10800000">
+            <a:off x="7649429" y="4527857"/>
+            <a:ext cx="484632" cy="978408"/>
+          </a:xfrm>
+          <a:prstGeom prst="downArrow">
+            <a:avLst/>
+          </a:prstGeom>
+        </p:spPr>
+        <p:style>
+          <a:lnRef idx="2">
+            <a:schemeClr val="accent1">
+              <a:shade val="50000"/>
+            </a:schemeClr>
+          </a:lnRef>
+          <a:fillRef idx="1">
+            <a:schemeClr val="accent1"/>
+          </a:fillRef>
+          <a:effectRef idx="0">
+            <a:schemeClr val="accent1"/>
+          </a:effectRef>
+          <a:fontRef idx="minor">
+            <a:schemeClr val="lt1"/>
+          </a:fontRef>
+        </p:style>
+        <p:txBody>
+          <a:bodyPr rtlCol="0" anchor="ctr"/>
+          <a:lstStyle/>
+          <a:p>
+            <a:pPr algn="ctr"/>
+            <a:endParaRPr lang="en-US"/>
+          </a:p>
+        </p:txBody>
+      </p:sp>
+      <p:sp>
+        <p:nvSpPr>
+          <p:cNvPr id="3" name="TextBox 2">
+            <a:extLst>
+              <a:ext uri="{FF2B5EF4-FFF2-40B4-BE49-F238E27FC236}">
+                <a16:creationId xmlns:a16="http://schemas.microsoft.com/office/drawing/2014/main" id="{017EED86-4DBD-EEE3-0F7F-B2C1C34043C9}"/>
+              </a:ext>
+            </a:extLst>
+          </p:cNvPr>
+          <p:cNvSpPr txBox="1"/>
+          <p:nvPr/>
+        </p:nvSpPr>
+        <p:spPr>
+          <a:xfrm>
+            <a:off x="189677" y="5156021"/>
+            <a:ext cx="4429958" cy="1200329"/>
+          </a:xfrm>
+          <a:prstGeom prst="rect">
+            <a:avLst/>
+          </a:prstGeom>
+          <a:solidFill>
+            <a:srgbClr val="FFFF00"/>
+          </a:solidFill>
+        </p:spPr>
+        <p:txBody>
+          <a:bodyPr wrap="square" rtlCol="0" anchor="ctr">
+            <a:spAutoFit/>
+          </a:bodyPr>
+          <a:lstStyle/>
+          <a:p>
+            <a:r>
+              <a:rPr lang="en-US" sz="2400" b="0" i="1" dirty="0">
+                <a:solidFill>
+                  <a:srgbClr val="212121"/>
+                </a:solidFill>
+                <a:effectLst/>
+                <a:latin typeface="system-ui"/>
+              </a:rPr>
+              <a:t>It is difficult to make predictions, especially about the future.</a:t>
+            </a:r>
+          </a:p>
+          <a:p>
+            <a:r>
+              <a:rPr lang="en-US" sz="2400" i="1" dirty="0">
+                <a:solidFill>
+                  <a:srgbClr val="212121"/>
+                </a:solidFill>
+                <a:latin typeface="system-ui"/>
+              </a:rPr>
+              <a:t>	-- </a:t>
+            </a:r>
+            <a:r>
+              <a:rPr lang="en-US" sz="2400" b="0" i="0" dirty="0">
+                <a:solidFill>
+                  <a:srgbClr val="212121"/>
+                </a:solidFill>
+                <a:effectLst/>
+                <a:latin typeface="system-ui"/>
+              </a:rPr>
+              <a:t>Yogi Berra</a:t>
+            </a:r>
+            <a:endParaRPr lang="en-US" sz="2400" b="0" i="1" dirty="0">
+              <a:solidFill>
+                <a:srgbClr val="212121"/>
+              </a:solidFill>
+              <a:effectLst/>
+              <a:latin typeface="system-ui"/>
+            </a:endParaRPr>
+          </a:p>
+        </p:txBody>
+      </p:sp>
+    </p:spTree>
+    <p:extLst>
+      <p:ext uri="{BB962C8B-B14F-4D97-AF65-F5344CB8AC3E}">
+        <p14:creationId xmlns:p14="http://schemas.microsoft.com/office/powerpoint/2010/main" val="2200169268"/>
+      </p:ext>
+    </p:extLst>
+  </p:cSld>
+  <p:clrMapOvr>
+    <a:masterClrMapping/>
+  </p:clrMapOvr>
+</p:sld>
+</file>
+
+<file path=ppt/slides/slide7.xml><?xml version="1.0" encoding="utf-8"?>
+<p:sld xmlns:a="http://schemas.openxmlformats.org/drawingml/2006/main" xmlns:r="http://schemas.openxmlformats.org/officeDocument/2006/relationships" xmlns:p="http://schemas.openxmlformats.org/presentationml/2006/main">
+  <p:cSld>
+    <p:spTree>
+      <p:nvGrpSpPr>
+        <p:cNvPr id="1" name=""/>
+        <p:cNvGrpSpPr/>
+        <p:nvPr/>
+      </p:nvGrpSpPr>
+      <p:grpSpPr>
+        <a:xfrm>
+          <a:off x="0" y="0"/>
+          <a:ext cx="0" cy="0"/>
+          <a:chOff x="0" y="0"/>
+          <a:chExt cx="0" cy="0"/>
+        </a:xfrm>
+      </p:grpSpPr>
+      <p:sp>
+        <p:nvSpPr>
+          <p:cNvPr id="2" name="Title 1">
+            <a:extLst>
+              <a:ext uri="{FF2B5EF4-FFF2-40B4-BE49-F238E27FC236}">
+                <a16:creationId xmlns:a16="http://schemas.microsoft.com/office/drawing/2014/main" id="{4FF2886D-FA82-7B4F-3413-7A9981D2C24E}"/>
+              </a:ext>
+            </a:extLst>
+          </p:cNvPr>
+          <p:cNvSpPr>
+            <a:spLocks noGrp="1"/>
+          </p:cNvSpPr>
+          <p:nvPr>
+            <p:ph type="title"/>
+          </p:nvPr>
+        </p:nvSpPr>
+        <p:spPr/>
+        <p:txBody>
+          <a:bodyPr/>
+          <a:lstStyle/>
+          <a:p>
+            <a:r>
+              <a:rPr lang="en-US" dirty="0"/>
+              <a:t>Where are we? And where are we going?</a:t>
+            </a:r>
+          </a:p>
+        </p:txBody>
+      </p:sp>
+      <p:sp>
+        <p:nvSpPr>
+          <p:cNvPr id="3" name="Content Placeholder 2">
+            <a:extLst>
+              <a:ext uri="{FF2B5EF4-FFF2-40B4-BE49-F238E27FC236}">
+                <a16:creationId xmlns:a16="http://schemas.microsoft.com/office/drawing/2014/main" id="{9E41997A-5DD2-15AC-B7D5-D77B3FDFFA21}"/>
+              </a:ext>
+            </a:extLst>
+          </p:cNvPr>
+          <p:cNvSpPr>
+            <a:spLocks noGrp="1"/>
+          </p:cNvSpPr>
+          <p:nvPr>
+            <p:ph sz="half" idx="1"/>
+          </p:nvPr>
+        </p:nvSpPr>
+        <p:spPr/>
+        <p:txBody>
+          <a:bodyPr/>
+          <a:lstStyle/>
+          <a:p>
+            <a:r>
+              <a:rPr lang="en-US" dirty="0"/>
+              <a:t>What do we have already?</a:t>
+            </a:r>
+          </a:p>
+          <a:p>
+            <a:r>
+              <a:rPr lang="en-US" dirty="0"/>
+              <a:t>Teams</a:t>
+            </a:r>
+          </a:p>
+          <a:p>
+            <a:r>
+              <a:rPr lang="en-US" dirty="0"/>
+              <a:t>Future Plans</a:t>
+            </a:r>
+          </a:p>
+        </p:txBody>
+      </p:sp>
+      <p:sp>
+        <p:nvSpPr>
+          <p:cNvPr id="4" name="Content Placeholder 3">
+            <a:extLst>
+              <a:ext uri="{FF2B5EF4-FFF2-40B4-BE49-F238E27FC236}">
+                <a16:creationId xmlns:a16="http://schemas.microsoft.com/office/drawing/2014/main" id="{40D29A4F-7F16-F4D2-2E69-69B7320D4A08}"/>
+              </a:ext>
+            </a:extLst>
+          </p:cNvPr>
+          <p:cNvSpPr>
+            <a:spLocks noGrp="1"/>
+          </p:cNvSpPr>
+          <p:nvPr>
+            <p:ph sz="half" idx="2"/>
+          </p:nvPr>
+        </p:nvSpPr>
+        <p:spPr/>
+        <p:txBody>
+          <a:bodyPr/>
+          <a:lstStyle/>
+          <a:p>
+            <a:endParaRPr lang="en-US"/>
+          </a:p>
+        </p:txBody>
+      </p:sp>
+      <p:sp>
+        <p:nvSpPr>
+          <p:cNvPr id="5" name="Date Placeholder 4">
+            <a:extLst>
+              <a:ext uri="{FF2B5EF4-FFF2-40B4-BE49-F238E27FC236}">
+                <a16:creationId xmlns:a16="http://schemas.microsoft.com/office/drawing/2014/main" id="{4415CFF1-9B42-D5F6-5988-BE9D6F86C8FF}"/>
+              </a:ext>
+            </a:extLst>
+          </p:cNvPr>
+          <p:cNvSpPr>
+            <a:spLocks noGrp="1"/>
+          </p:cNvSpPr>
+          <p:nvPr>
+            <p:ph type="dt" sz="half" idx="10"/>
+          </p:nvPr>
+        </p:nvSpPr>
+        <p:spPr/>
+        <p:txBody>
+          <a:bodyPr/>
+          <a:lstStyle/>
+          <a:p>
+            <a:r>
+              <a:rPr lang="en-US"/>
+              <a:t>6/26/2023</a:t>
+            </a:r>
+          </a:p>
+        </p:txBody>
+      </p:sp>
+      <p:sp>
+        <p:nvSpPr>
+          <p:cNvPr id="6" name="Slide Number Placeholder 5">
+            <a:extLst>
+              <a:ext uri="{FF2B5EF4-FFF2-40B4-BE49-F238E27FC236}">
+                <a16:creationId xmlns:a16="http://schemas.microsoft.com/office/drawing/2014/main" id="{80675C34-F34E-F5FB-4001-B90C391525F6}"/>
+              </a:ext>
+            </a:extLst>
+          </p:cNvPr>
+          <p:cNvSpPr>
+            <a:spLocks noGrp="1"/>
+          </p:cNvSpPr>
+          <p:nvPr>
+            <p:ph type="sldNum" sz="quarter" idx="12"/>
+          </p:nvPr>
+        </p:nvSpPr>
+        <p:spPr/>
+        <p:txBody>
+          <a:bodyPr/>
+          <a:lstStyle/>
+          <a:p>
+            <a:fld id="{A368AD35-EA55-254F-AD80-EFD99CF0F10B}" type="slidenum">
+              <a:rPr lang="en-US" smtClean="0"/>
+              <a:t>7</a:t>
+            </a:fld>
+            <a:endParaRPr lang="en-US"/>
+          </a:p>
+        </p:txBody>
+      </p:sp>
+    </p:spTree>
+    <p:extLst>
+      <p:ext uri="{BB962C8B-B14F-4D97-AF65-F5344CB8AC3E}">
+        <p14:creationId xmlns:p14="http://schemas.microsoft.com/office/powerpoint/2010/main" val="250643216"/>
+      </p:ext>
+    </p:extLst>
+  </p:cSld>
+  <p:clrMapOvr>
+    <a:masterClrMapping/>
+  </p:clrMapOvr>
+</p:sld>
+</file>
+
+<file path=ppt/slides/slide8.xml><?xml version="1.0" encoding="utf-8"?>
+<p:sld xmlns:a="http://schemas.openxmlformats.org/drawingml/2006/main" xmlns:r="http://schemas.openxmlformats.org/officeDocument/2006/relationships" xmlns:p="http://schemas.openxmlformats.org/presentationml/2006/main">
+  <p:cSld>
+    <p:spTree>
+      <p:nvGrpSpPr>
+        <p:cNvPr id="1" name=""/>
+        <p:cNvGrpSpPr/>
+        <p:nvPr/>
+      </p:nvGrpSpPr>
+      <p:grpSpPr>
+        <a:xfrm>
+          <a:off x="0" y="0"/>
+          <a:ext cx="0" cy="0"/>
+          <a:chOff x="0" y="0"/>
+          <a:chExt cx="0" cy="0"/>
+        </a:xfrm>
+      </p:grpSpPr>
+      <p:sp>
+        <p:nvSpPr>
+          <p:cNvPr id="2" name="Title 1">
+            <a:extLst>
+              <a:ext uri="{FF2B5EF4-FFF2-40B4-BE49-F238E27FC236}">
+                <a16:creationId xmlns:a16="http://schemas.microsoft.com/office/drawing/2014/main" id="{C067A7AC-BABE-A68A-97EF-0AE691C41E37}"/>
+              </a:ext>
+            </a:extLst>
+          </p:cNvPr>
+          <p:cNvSpPr>
+            <a:spLocks noGrp="1"/>
+          </p:cNvSpPr>
+          <p:nvPr>
+            <p:ph type="title"/>
+          </p:nvPr>
+        </p:nvSpPr>
+        <p:spPr/>
+        <p:txBody>
+          <a:bodyPr/>
+          <a:lstStyle/>
+          <a:p>
+            <a:endParaRPr lang="en-US" dirty="0"/>
+          </a:p>
+        </p:txBody>
+      </p:sp>
+      <p:sp>
+        <p:nvSpPr>
+          <p:cNvPr id="3" name="Content Placeholder 2">
+            <a:extLst>
+              <a:ext uri="{FF2B5EF4-FFF2-40B4-BE49-F238E27FC236}">
+                <a16:creationId xmlns:a16="http://schemas.microsoft.com/office/drawing/2014/main" id="{6F23F4CD-8B7F-22D6-B83E-6300A8EF3A58}"/>
+              </a:ext>
+            </a:extLst>
+          </p:cNvPr>
+          <p:cNvSpPr>
+            <a:spLocks noGrp="1"/>
+          </p:cNvSpPr>
+          <p:nvPr>
+            <p:ph idx="1"/>
+          </p:nvPr>
+        </p:nvSpPr>
+        <p:spPr/>
+        <p:txBody>
+          <a:bodyPr/>
+          <a:lstStyle/>
+          <a:p>
+            <a:endParaRPr lang="en-US"/>
+          </a:p>
+        </p:txBody>
+      </p:sp>
+      <p:sp>
+        <p:nvSpPr>
+          <p:cNvPr id="4" name="Date Placeholder 3">
+            <a:extLst>
+              <a:ext uri="{FF2B5EF4-FFF2-40B4-BE49-F238E27FC236}">
+                <a16:creationId xmlns:a16="http://schemas.microsoft.com/office/drawing/2014/main" id="{96A94D69-EAA4-81AD-14C2-08FAB81524B1}"/>
+              </a:ext>
+            </a:extLst>
+          </p:cNvPr>
+          <p:cNvSpPr>
+            <a:spLocks noGrp="1"/>
+          </p:cNvSpPr>
+          <p:nvPr>
+            <p:ph type="dt" sz="half" idx="10"/>
+          </p:nvPr>
+        </p:nvSpPr>
+        <p:spPr/>
+        <p:txBody>
+          <a:bodyPr/>
+          <a:lstStyle/>
+          <a:p>
+            <a:r>
+              <a:rPr lang="en-US"/>
+              <a:t>6/26/2023</a:t>
+            </a:r>
+          </a:p>
+        </p:txBody>
+      </p:sp>
+      <p:sp>
+        <p:nvSpPr>
+          <p:cNvPr id="5" name="Slide Number Placeholder 4">
+            <a:extLst>
+              <a:ext uri="{FF2B5EF4-FFF2-40B4-BE49-F238E27FC236}">
+                <a16:creationId xmlns:a16="http://schemas.microsoft.com/office/drawing/2014/main" id="{7A35467A-8B80-504E-482E-86CEE221ADAD}"/>
+              </a:ext>
+            </a:extLst>
+          </p:cNvPr>
+          <p:cNvSpPr>
+            <a:spLocks noGrp="1"/>
+          </p:cNvSpPr>
+          <p:nvPr>
+            <p:ph type="sldNum" sz="quarter" idx="12"/>
+          </p:nvPr>
+        </p:nvSpPr>
+        <p:spPr/>
+        <p:txBody>
+          <a:bodyPr/>
+          <a:lstStyle/>
+          <a:p>
+            <a:fld id="{A368AD35-EA55-254F-AD80-EFD99CF0F10B}" type="slidenum">
+              <a:rPr lang="en-US" smtClean="0"/>
+              <a:t>8</a:t>
+            </a:fld>
+            <a:endParaRPr lang="en-US"/>
+          </a:p>
+        </p:txBody>
+      </p:sp>
+    </p:spTree>
+    <p:extLst>
+      <p:ext uri="{BB962C8B-B14F-4D97-AF65-F5344CB8AC3E}">
+        <p14:creationId xmlns:p14="http://schemas.microsoft.com/office/powerpoint/2010/main" val="1813806034"/>
+      </p:ext>
+    </p:extLst>
+  </p:cSld>
+  <p:clrMapOvr>
+    <a:masterClrMapping/>
+  </p:clrMapOvr>
+</p:sld>
+</file>
+
+<file path=ppt/slides/slide9.xml><?xml version="1.0" encoding="utf-8"?>
+<p:sld xmlns:a="http://schemas.openxmlformats.org/drawingml/2006/main" xmlns:r="http://schemas.openxmlformats.org/officeDocument/2006/relationships" xmlns:p="http://schemas.openxmlformats.org/presentationml/2006/main">
+  <p:cSld>
+    <p:spTree>
+      <p:nvGrpSpPr>
+        <p:cNvPr id="1" name=""/>
+        <p:cNvGrpSpPr/>
+        <p:nvPr/>
+      </p:nvGrpSpPr>
+      <p:grpSpPr>
+        <a:xfrm>
+          <a:off x="0" y="0"/>
+          <a:ext cx="0" cy="0"/>
+          <a:chOff x="0" y="0"/>
+          <a:chExt cx="0" cy="0"/>
+        </a:xfrm>
+      </p:grpSpPr>
+      <p:sp>
+        <p:nvSpPr>
+          <p:cNvPr id="2" name="Title 1">
+            <a:extLst>
+              <a:ext uri="{FF2B5EF4-FFF2-40B4-BE49-F238E27FC236}">
                 <a16:creationId xmlns:a16="http://schemas.microsoft.com/office/drawing/2014/main" id="{83C1AC2D-87A4-136B-0222-302D07E6B63B}"/>
               </a:ext>
             </a:extLst>
@@ -3843,8 +6513,8 @@
           </a:p>
         </p:txBody>
       </p:sp>
-      <mc:AlternateContent xmlns:mc="http://schemas.openxmlformats.org/markup-compatibility/2006">
-        <mc:Choice xmlns:a14="http://schemas.microsoft.com/office/drawing/2010/main" Requires="a14">
+      <mc:AlternateContent xmlns:mc="http://schemas.openxmlformats.org/markup-compatibility/2006" xmlns:a14="http://schemas.microsoft.com/office/drawing/2010/main">
+        <mc:Choice Requires="a14">
           <p:sp>
             <p:nvSpPr>
               <p:cNvPr id="3" name="Content Placeholder 2">
@@ -3988,7 +6658,7 @@
             </p:txBody>
           </p:sp>
         </mc:Choice>
-        <mc:Fallback>
+        <mc:Fallback xmlns="">
           <p:sp>
             <p:nvSpPr>
               <p:cNvPr id="3" name="Content Placeholder 2">
@@ -4079,7 +6749,7 @@
           <a:p>
             <a:fld id="{A368AD35-EA55-254F-AD80-EFD99CF0F10B}" type="slidenum">
               <a:rPr lang="en-US" smtClean="0"/>
-              <a:t>2</a:t>
+              <a:t>9</a:t>
             </a:fld>
             <a:endParaRPr lang="en-US"/>
           </a:p>
@@ -4089,534 +6759,6 @@
     <p:extLst>
       <p:ext uri="{BB962C8B-B14F-4D97-AF65-F5344CB8AC3E}">
         <p14:creationId xmlns:p14="http://schemas.microsoft.com/office/powerpoint/2010/main" val="1697429127"/>
-      </p:ext>
-    </p:extLst>
-  </p:cSld>
-  <p:clrMapOvr>
-    <a:masterClrMapping/>
-  </p:clrMapOvr>
-</p:sld>
-</file>
-
-<file path=ppt/slides/slide3.xml><?xml version="1.0" encoding="utf-8"?>
-<p:sld xmlns:a="http://schemas.openxmlformats.org/drawingml/2006/main" xmlns:r="http://schemas.openxmlformats.org/officeDocument/2006/relationships" xmlns:p="http://schemas.openxmlformats.org/presentationml/2006/main">
-  <p:cSld>
-    <p:spTree>
-      <p:nvGrpSpPr>
-        <p:cNvPr id="1" name=""/>
-        <p:cNvGrpSpPr/>
-        <p:nvPr/>
-      </p:nvGrpSpPr>
-      <p:grpSpPr>
-        <a:xfrm>
-          <a:off x="0" y="0"/>
-          <a:ext cx="0" cy="0"/>
-          <a:chOff x="0" y="0"/>
-          <a:chExt cx="0" cy="0"/>
-        </a:xfrm>
-      </p:grpSpPr>
-      <p:sp>
-        <p:nvSpPr>
-          <p:cNvPr id="2" name="Title 1">
-            <a:extLst>
-              <a:ext uri="{FF2B5EF4-FFF2-40B4-BE49-F238E27FC236}">
-                <a16:creationId xmlns:a16="http://schemas.microsoft.com/office/drawing/2014/main" id="{2A8C7D69-4742-AB8F-A19B-DBF0D3C4FF8B}"/>
-              </a:ext>
-            </a:extLst>
-          </p:cNvPr>
-          <p:cNvSpPr>
-            <a:spLocks noGrp="1"/>
-          </p:cNvSpPr>
-          <p:nvPr>
-            <p:ph type="title"/>
-          </p:nvPr>
-        </p:nvSpPr>
-        <p:spPr/>
-        <p:txBody>
-          <a:bodyPr>
-            <a:normAutofit/>
-          </a:bodyPr>
-          <a:lstStyle/>
-          <a:p>
-            <a:r>
-              <a:rPr lang="en-US" dirty="0"/>
-              <a:t>Deliverables</a:t>
-            </a:r>
-            <a:br>
-              <a:rPr lang="en-US" dirty="0"/>
-            </a:br>
-            <a:r>
-              <a:rPr lang="en-US" sz="2200" dirty="0">
-                <a:hlinkClick r:id="rId2"/>
-              </a:rPr>
-              <a:t>https://github.com/kwchurch/JSALT_Better_Together/blob/main/doc/deliverables.md</a:t>
-            </a:r>
-            <a:r>
-              <a:rPr lang="en-US" sz="2200" dirty="0"/>
-              <a:t> </a:t>
-            </a:r>
-            <a:endParaRPr lang="en-US" dirty="0"/>
-          </a:p>
-        </p:txBody>
-      </p:sp>
-      <p:sp>
-        <p:nvSpPr>
-          <p:cNvPr id="6" name="Content Placeholder 5">
-            <a:extLst>
-              <a:ext uri="{FF2B5EF4-FFF2-40B4-BE49-F238E27FC236}">
-                <a16:creationId xmlns:a16="http://schemas.microsoft.com/office/drawing/2014/main" id="{12E2CFC0-B621-8964-A1C4-CFD071270CF2}"/>
-              </a:ext>
-            </a:extLst>
-          </p:cNvPr>
-          <p:cNvSpPr>
-            <a:spLocks noGrp="1"/>
-          </p:cNvSpPr>
-          <p:nvPr>
-            <p:ph sz="half" idx="1"/>
-          </p:nvPr>
-        </p:nvSpPr>
-        <p:spPr/>
-        <p:txBody>
-          <a:bodyPr>
-            <a:normAutofit fontScale="77500" lnSpcReduction="20000"/>
-          </a:bodyPr>
-          <a:lstStyle/>
-          <a:p>
-            <a:pPr algn="l">
-              <a:buFont typeface="+mj-lt"/>
-              <a:buAutoNum type="arabicPeriod"/>
-            </a:pPr>
-            <a:r>
-              <a:rPr lang="en-US" b="0" i="0" dirty="0">
-                <a:solidFill>
-                  <a:srgbClr val="1F2328"/>
-                </a:solidFill>
-                <a:effectLst/>
-                <a:latin typeface="-apple-system"/>
-              </a:rPr>
-              <a:t>Better access to literature</a:t>
-            </a:r>
-          </a:p>
-          <a:p>
-            <a:pPr algn="l">
-              <a:buFont typeface="+mj-lt"/>
-              <a:buAutoNum type="arabicPeriod"/>
-            </a:pPr>
-            <a:r>
-              <a:rPr lang="en-US" b="0" i="0" dirty="0">
-                <a:solidFill>
-                  <a:srgbClr val="1F2328"/>
-                </a:solidFill>
-                <a:effectLst/>
-                <a:latin typeface="-apple-system"/>
-              </a:rPr>
-              <a:t>Resources:</a:t>
-            </a:r>
-          </a:p>
-          <a:p>
-            <a:pPr marL="742950" lvl="1" indent="-285750" algn="l">
-              <a:buFont typeface="+mj-lt"/>
-              <a:buAutoNum type="arabicPeriod"/>
-            </a:pPr>
-            <a:r>
-              <a:rPr lang="en-US" b="0" i="0" dirty="0">
-                <a:solidFill>
-                  <a:srgbClr val="1F2328"/>
-                </a:solidFill>
-                <a:effectLst/>
-                <a:latin typeface="-apple-system"/>
-              </a:rPr>
-              <a:t>Many embeddings for many papers</a:t>
-            </a:r>
-          </a:p>
-          <a:p>
-            <a:pPr marL="742950" lvl="1" indent="-285750" algn="l">
-              <a:buFont typeface="+mj-lt"/>
-              <a:buAutoNum type="arabicPeriod"/>
-            </a:pPr>
-            <a:r>
-              <a:rPr lang="en-US" dirty="0">
-                <a:solidFill>
-                  <a:srgbClr val="1F2328"/>
-                </a:solidFill>
-                <a:latin typeface="-apple-system"/>
-              </a:rPr>
-              <a:t>P</a:t>
-            </a:r>
-            <a:r>
-              <a:rPr lang="en-US" b="0" i="0" dirty="0">
-                <a:solidFill>
-                  <a:srgbClr val="1F2328"/>
-                </a:solidFill>
-                <a:effectLst/>
-                <a:latin typeface="-apple-system"/>
-              </a:rPr>
-              <a:t>osted models on </a:t>
-            </a:r>
-            <a:r>
-              <a:rPr lang="en-US" b="0" i="0" dirty="0" err="1">
-                <a:solidFill>
-                  <a:srgbClr val="1F2328"/>
-                </a:solidFill>
-                <a:effectLst/>
-                <a:latin typeface="-apple-system"/>
-              </a:rPr>
-              <a:t>HuggingFace</a:t>
-            </a:r>
-            <a:endParaRPr lang="en-US" b="0" i="0" dirty="0">
-              <a:solidFill>
-                <a:srgbClr val="1F2328"/>
-              </a:solidFill>
-              <a:effectLst/>
-              <a:latin typeface="-apple-system"/>
-            </a:endParaRPr>
-          </a:p>
-          <a:p>
-            <a:pPr marL="742950" lvl="1" indent="-285750" algn="l">
-              <a:buFont typeface="+mj-lt"/>
-              <a:buAutoNum type="arabicPeriod"/>
-            </a:pPr>
-            <a:r>
-              <a:rPr lang="en-US" b="0" i="0" dirty="0">
-                <a:solidFill>
-                  <a:srgbClr val="1F2328"/>
-                </a:solidFill>
-                <a:effectLst/>
-                <a:latin typeface="-apple-system"/>
-              </a:rPr>
-              <a:t>Post code on GitHub</a:t>
-            </a:r>
-          </a:p>
-          <a:p>
-            <a:pPr algn="l">
-              <a:buFont typeface="+mj-lt"/>
-              <a:buAutoNum type="arabicPeriod"/>
-            </a:pPr>
-            <a:r>
-              <a:rPr lang="en-US" b="0" i="0" dirty="0">
-                <a:solidFill>
-                  <a:srgbClr val="1F2328"/>
-                </a:solidFill>
-                <a:effectLst/>
-                <a:latin typeface="-apple-system"/>
-              </a:rPr>
-              <a:t>Summarization methods to compare and contrast across small (and large) collections of documents</a:t>
-            </a:r>
-          </a:p>
-          <a:p>
-            <a:pPr algn="l">
-              <a:buFont typeface="+mj-lt"/>
-              <a:buAutoNum type="arabicPeriod"/>
-            </a:pPr>
-            <a:r>
-              <a:rPr lang="en-US" b="0" i="0" dirty="0">
-                <a:solidFill>
-                  <a:srgbClr val="1F2328"/>
-                </a:solidFill>
-                <a:effectLst/>
-                <a:latin typeface="-apple-system"/>
-              </a:rPr>
-              <a:t>Support incremental updates to embeddings based on citation graphs</a:t>
-            </a:r>
-          </a:p>
-          <a:p>
-            <a:pPr algn="l">
-              <a:buFont typeface="+mj-lt"/>
-              <a:buAutoNum type="arabicPeriod"/>
-            </a:pPr>
-            <a:r>
-              <a:rPr lang="en-US" b="0" i="0" dirty="0">
-                <a:solidFill>
-                  <a:srgbClr val="1F2328"/>
-                </a:solidFill>
-                <a:effectLst/>
-                <a:latin typeface="-apple-system"/>
-              </a:rPr>
-              <a:t>Evaluation: </a:t>
-            </a:r>
-          </a:p>
-          <a:p>
-            <a:pPr lvl="1">
-              <a:buFont typeface="+mj-lt"/>
-              <a:buAutoNum type="arabicPeriod"/>
-            </a:pPr>
-            <a:r>
-              <a:rPr lang="en-US" b="0" i="0" dirty="0">
-                <a:solidFill>
-                  <a:srgbClr val="1F2328"/>
-                </a:solidFill>
-                <a:effectLst/>
-                <a:latin typeface="-apple-system"/>
-              </a:rPr>
-              <a:t>Better numbers, </a:t>
-            </a:r>
-          </a:p>
-          <a:p>
-            <a:pPr lvl="1">
-              <a:buFont typeface="+mj-lt"/>
-              <a:buAutoNum type="arabicPeriod"/>
-            </a:pPr>
-            <a:r>
-              <a:rPr lang="en-US" b="0" i="0" dirty="0">
-                <a:solidFill>
-                  <a:srgbClr val="1F2328"/>
-                </a:solidFill>
-                <a:effectLst/>
-                <a:latin typeface="-apple-system"/>
-              </a:rPr>
-              <a:t>as well as better benchmarks</a:t>
-            </a:r>
-          </a:p>
-          <a:p>
-            <a:endParaRPr lang="en-US" dirty="0"/>
-          </a:p>
-        </p:txBody>
-      </p:sp>
-      <p:sp>
-        <p:nvSpPr>
-          <p:cNvPr id="7" name="Content Placeholder 6">
-            <a:extLst>
-              <a:ext uri="{FF2B5EF4-FFF2-40B4-BE49-F238E27FC236}">
-                <a16:creationId xmlns:a16="http://schemas.microsoft.com/office/drawing/2014/main" id="{169674EB-CDD8-91B3-FA21-C142F7C72831}"/>
-              </a:ext>
-            </a:extLst>
-          </p:cNvPr>
-          <p:cNvSpPr>
-            <a:spLocks noGrp="1"/>
-          </p:cNvSpPr>
-          <p:nvPr>
-            <p:ph sz="half" idx="2"/>
-          </p:nvPr>
-        </p:nvSpPr>
-        <p:spPr/>
-        <p:txBody>
-          <a:bodyPr>
-            <a:normAutofit fontScale="77500" lnSpcReduction="20000"/>
-          </a:bodyPr>
-          <a:lstStyle/>
-          <a:p>
-            <a:pPr marL="514350" indent="-514350" algn="l">
-              <a:buFont typeface="+mj-lt"/>
-              <a:buAutoNum type="arabicPeriod" startAt="6"/>
-            </a:pPr>
-            <a:r>
-              <a:rPr lang="en-US" b="0" i="0" dirty="0">
-                <a:solidFill>
-                  <a:srgbClr val="1F2328"/>
-                </a:solidFill>
-                <a:effectLst/>
-                <a:latin typeface="-apple-system"/>
-              </a:rPr>
-              <a:t>Establish that combinations of text and links are better together (than either by itself)</a:t>
-            </a:r>
-          </a:p>
-          <a:p>
-            <a:pPr algn="l">
-              <a:buFont typeface="+mj-lt"/>
-              <a:buAutoNum type="arabicPeriod" startAt="6"/>
-            </a:pPr>
-            <a:r>
-              <a:rPr lang="en-US" b="0" i="0" dirty="0">
-                <a:solidFill>
-                  <a:srgbClr val="1F2328"/>
-                </a:solidFill>
-                <a:effectLst/>
-                <a:latin typeface="-apple-system"/>
-              </a:rPr>
-              <a:t>Establish that citing sentences are useful</a:t>
-            </a:r>
-          </a:p>
-          <a:p>
-            <a:pPr algn="l">
-              <a:buFont typeface="+mj-lt"/>
-              <a:buAutoNum type="arabicPeriod" startAt="6"/>
-            </a:pPr>
-            <a:r>
-              <a:rPr lang="en-US" b="0" i="0" dirty="0">
-                <a:solidFill>
-                  <a:srgbClr val="1F2328"/>
-                </a:solidFill>
-                <a:effectLst/>
-                <a:latin typeface="-apple-system"/>
-              </a:rPr>
-              <a:t>Improve methods for assigning papers to reviewers</a:t>
-            </a:r>
-          </a:p>
-          <a:p>
-            <a:pPr algn="l">
-              <a:buFont typeface="+mj-lt"/>
-              <a:buAutoNum type="arabicPeriod" startAt="6"/>
-            </a:pPr>
-            <a:r>
-              <a:rPr lang="en-US" b="0" i="0" dirty="0">
-                <a:solidFill>
-                  <a:srgbClr val="1F2328"/>
-                </a:solidFill>
-                <a:effectLst/>
-                <a:latin typeface="-apple-system"/>
-              </a:rPr>
-              <a:t>Theory: Unified framework of </a:t>
-            </a:r>
-          </a:p>
-          <a:p>
-            <a:pPr lvl="1">
-              <a:buFont typeface="+mj-lt"/>
-              <a:buAutoNum type="arabicPeriod"/>
-            </a:pPr>
-            <a:r>
-              <a:rPr lang="en-US" b="0" i="0" dirty="0">
-                <a:solidFill>
-                  <a:srgbClr val="1F2328"/>
-                </a:solidFill>
-                <a:effectLst/>
-                <a:latin typeface="-apple-system"/>
-              </a:rPr>
-              <a:t>Deep nets and </a:t>
-            </a:r>
-          </a:p>
-          <a:p>
-            <a:pPr lvl="1">
-              <a:buFont typeface="+mj-lt"/>
-              <a:buAutoNum type="arabicPeriod"/>
-            </a:pPr>
-            <a:r>
-              <a:rPr lang="en-US" b="0" i="0" dirty="0">
-                <a:solidFill>
-                  <a:srgbClr val="1F2328"/>
-                </a:solidFill>
-                <a:effectLst/>
-                <a:latin typeface="-apple-system"/>
-              </a:rPr>
-              <a:t>Linear Algebra</a:t>
-            </a:r>
-          </a:p>
-          <a:p>
-            <a:pPr algn="l">
-              <a:buFont typeface="+mj-lt"/>
-              <a:buAutoNum type="arabicPeriod" startAt="6"/>
-            </a:pPr>
-            <a:r>
-              <a:rPr lang="en-US" b="0" i="0" dirty="0">
-                <a:solidFill>
-                  <a:srgbClr val="1F2328"/>
-                </a:solidFill>
-                <a:effectLst/>
-                <a:latin typeface="-apple-system"/>
-              </a:rPr>
-              <a:t>Bibliometrics:</a:t>
-            </a:r>
-          </a:p>
-          <a:p>
-            <a:pPr marL="742950" lvl="1" indent="-285750" algn="l">
-              <a:buFont typeface="+mj-lt"/>
-              <a:buAutoNum type="arabicPeriod"/>
-            </a:pPr>
-            <a:r>
-              <a:rPr lang="en-US" b="0" i="0" dirty="0">
-                <a:solidFill>
-                  <a:srgbClr val="1F2328"/>
-                </a:solidFill>
-                <a:effectLst/>
-                <a:latin typeface="-apple-system"/>
-              </a:rPr>
-              <a:t>Predict citations of a paper over time.</a:t>
-            </a:r>
-          </a:p>
-          <a:p>
-            <a:pPr marL="742950" lvl="1" indent="-285750" algn="l">
-              <a:buFont typeface="+mj-lt"/>
-              <a:buAutoNum type="arabicPeriod"/>
-            </a:pPr>
-            <a:r>
-              <a:rPr lang="en-US" b="0" i="0" dirty="0">
-                <a:solidFill>
-                  <a:srgbClr val="1F2328"/>
-                </a:solidFill>
-                <a:effectLst/>
-                <a:latin typeface="-apple-system"/>
-              </a:rPr>
-              <a:t>Predict h-index of an author over time.</a:t>
-            </a:r>
-          </a:p>
-          <a:p>
-            <a:pPr marL="742950" lvl="1" indent="-285750" algn="l">
-              <a:buFont typeface="+mj-lt"/>
-              <a:buAutoNum type="arabicPeriod"/>
-            </a:pPr>
-            <a:r>
-              <a:rPr lang="en-US" b="0" i="0" dirty="0">
-                <a:solidFill>
-                  <a:srgbClr val="1F2328"/>
-                </a:solidFill>
-                <a:effectLst/>
-                <a:latin typeface="-apple-system"/>
-              </a:rPr>
-              <a:t>Find authors that publish too many papers</a:t>
-            </a:r>
-          </a:p>
-        </p:txBody>
-      </p:sp>
-      <p:sp>
-        <p:nvSpPr>
-          <p:cNvPr id="4" name="Date Placeholder 3">
-            <a:extLst>
-              <a:ext uri="{FF2B5EF4-FFF2-40B4-BE49-F238E27FC236}">
-                <a16:creationId xmlns:a16="http://schemas.microsoft.com/office/drawing/2014/main" id="{B036EE15-87F4-336A-286D-4D9807A0152C}"/>
-              </a:ext>
-            </a:extLst>
-          </p:cNvPr>
-          <p:cNvSpPr>
-            <a:spLocks noGrp="1"/>
-          </p:cNvSpPr>
-          <p:nvPr>
-            <p:ph type="dt" sz="half" idx="10"/>
-          </p:nvPr>
-        </p:nvSpPr>
-        <p:spPr/>
-        <p:txBody>
-          <a:bodyPr/>
-          <a:lstStyle/>
-          <a:p>
-            <a:r>
-              <a:rPr lang="en-US"/>
-              <a:t>6/26/2023</a:t>
-            </a:r>
-          </a:p>
-        </p:txBody>
-      </p:sp>
-      <p:sp>
-        <p:nvSpPr>
-          <p:cNvPr id="5" name="Slide Number Placeholder 4">
-            <a:extLst>
-              <a:ext uri="{FF2B5EF4-FFF2-40B4-BE49-F238E27FC236}">
-                <a16:creationId xmlns:a16="http://schemas.microsoft.com/office/drawing/2014/main" id="{DD7AF4E1-3A68-5733-A679-ECA81D0CE66B}"/>
-              </a:ext>
-            </a:extLst>
-          </p:cNvPr>
-          <p:cNvSpPr>
-            <a:spLocks noGrp="1"/>
-          </p:cNvSpPr>
-          <p:nvPr>
-            <p:ph type="sldNum" sz="quarter" idx="12"/>
-          </p:nvPr>
-        </p:nvSpPr>
-        <p:spPr/>
-        <p:txBody>
-          <a:bodyPr/>
-          <a:lstStyle/>
-          <a:p>
-            <a:fld id="{A368AD35-EA55-254F-AD80-EFD99CF0F10B}" type="slidenum">
-              <a:rPr lang="en-US" smtClean="0"/>
-              <a:t>3</a:t>
-            </a:fld>
-            <a:endParaRPr lang="en-US"/>
-          </a:p>
-        </p:txBody>
-      </p:sp>
-    </p:spTree>
-    <p:extLst>
-      <p:ext uri="{BB962C8B-B14F-4D97-AF65-F5344CB8AC3E}">
-        <p14:creationId xmlns:p14="http://schemas.microsoft.com/office/powerpoint/2010/main" val="595716764"/>
       </p:ext>
     </p:extLst>
   </p:cSld>

--- a/slides/July5/July5.pptx
+++ b/slides/July5/July5.pptx
@@ -5,19 +5,22 @@
     <p:sldMasterId id="2147483648" r:id="rId1"/>
   </p:sldMasterIdLst>
   <p:notesMasterIdLst>
-    <p:notesMasterId r:id="rId12"/>
+    <p:notesMasterId r:id="rId15"/>
   </p:notesMasterIdLst>
   <p:sldIdLst>
     <p:sldId id="256" r:id="rId2"/>
     <p:sldId id="260" r:id="rId3"/>
-    <p:sldId id="263" r:id="rId4"/>
-    <p:sldId id="264" r:id="rId5"/>
-    <p:sldId id="1137" r:id="rId6"/>
-    <p:sldId id="1102" r:id="rId7"/>
-    <p:sldId id="1138" r:id="rId8"/>
-    <p:sldId id="1136" r:id="rId9"/>
-    <p:sldId id="1135" r:id="rId10"/>
-    <p:sldId id="1134" r:id="rId11"/>
+    <p:sldId id="265" r:id="rId4"/>
+    <p:sldId id="1105" r:id="rId5"/>
+    <p:sldId id="263" r:id="rId6"/>
+    <p:sldId id="264" r:id="rId7"/>
+    <p:sldId id="1137" r:id="rId8"/>
+    <p:sldId id="1139" r:id="rId9"/>
+    <p:sldId id="1140" r:id="rId10"/>
+    <p:sldId id="1102" r:id="rId11"/>
+    <p:sldId id="1138" r:id="rId12"/>
+    <p:sldId id="1136" r:id="rId13"/>
+    <p:sldId id="1134" r:id="rId14"/>
   </p:sldIdLst>
   <p:sldSz cx="12192000" cy="6858000"/>
   <p:notesSz cx="6858000" cy="9144000"/>
@@ -3827,6 +3830,1353 @@
           <p:cNvPr id="2" name="Title 1">
             <a:extLst>
               <a:ext uri="{FF2B5EF4-FFF2-40B4-BE49-F238E27FC236}">
+                <a16:creationId xmlns:a16="http://schemas.microsoft.com/office/drawing/2014/main" id="{7586C873-DFE4-FE78-B581-8BA7C12D9F91}"/>
+              </a:ext>
+            </a:extLst>
+          </p:cNvPr>
+          <p:cNvSpPr>
+            <a:spLocks noGrp="1"/>
+          </p:cNvSpPr>
+          <p:nvPr>
+            <p:ph type="title"/>
+          </p:nvPr>
+        </p:nvSpPr>
+        <p:spPr/>
+        <p:txBody>
+          <a:bodyPr>
+            <a:normAutofit fontScale="90000"/>
+          </a:bodyPr>
+          <a:lstStyle/>
+          <a:p>
+            <a:r>
+              <a:rPr lang="en-US" sz="4000" dirty="0"/>
+              <a:t>Value: Author Contributions + Audience Appreciation</a:t>
+            </a:r>
+            <a:br>
+              <a:rPr lang="en-US" sz="4000" dirty="0"/>
+            </a:br>
+            <a:r>
+              <a:rPr lang="en-US" sz="4000" dirty="0"/>
+              <a:t>(Literature is a conversation, like social media)</a:t>
+            </a:r>
+          </a:p>
+        </p:txBody>
+      </p:sp>
+      <p:sp>
+        <p:nvSpPr>
+          <p:cNvPr id="11" name="Content Placeholder 10">
+            <a:extLst>
+              <a:ext uri="{FF2B5EF4-FFF2-40B4-BE49-F238E27FC236}">
+                <a16:creationId xmlns:a16="http://schemas.microsoft.com/office/drawing/2014/main" id="{C27F6A21-D064-D9B1-FBBF-786A8F0D5AB3}"/>
+              </a:ext>
+            </a:extLst>
+          </p:cNvPr>
+          <p:cNvSpPr>
+            <a:spLocks noGrp="1"/>
+          </p:cNvSpPr>
+          <p:nvPr>
+            <p:ph sz="half" idx="1"/>
+          </p:nvPr>
+        </p:nvSpPr>
+        <p:spPr/>
+        <p:txBody>
+          <a:bodyPr/>
+          <a:lstStyle/>
+          <a:p>
+            <a:r>
+              <a:rPr lang="en-US" dirty="0"/>
+              <a:t>Author Contributions</a:t>
+            </a:r>
+          </a:p>
+          <a:p>
+            <a:pPr lvl="1"/>
+            <a:r>
+              <a:rPr lang="en-US" dirty="0"/>
+              <a:t>Time Invariant</a:t>
+            </a:r>
+          </a:p>
+          <a:p>
+            <a:pPr lvl="1"/>
+            <a:r>
+              <a:rPr lang="en-US" dirty="0"/>
+              <a:t>Does not change after publication</a:t>
+            </a:r>
+          </a:p>
+          <a:p>
+            <a:r>
+              <a:rPr lang="en-US" dirty="0"/>
+              <a:t>Audience Appreciation</a:t>
+            </a:r>
+          </a:p>
+          <a:p>
+            <a:pPr lvl="1"/>
+            <a:r>
+              <a:rPr lang="en-US" dirty="0"/>
+              <a:t>Evolves over time</a:t>
+            </a:r>
+          </a:p>
+          <a:p>
+            <a:pPr lvl="1"/>
+            <a:r>
+              <a:rPr lang="en-US" dirty="0"/>
+              <a:t>Behavioral Signals</a:t>
+            </a:r>
+          </a:p>
+          <a:p>
+            <a:pPr lvl="2"/>
+            <a:r>
+              <a:rPr lang="en-US" dirty="0"/>
+              <a:t>Views</a:t>
+            </a:r>
+          </a:p>
+          <a:p>
+            <a:pPr lvl="2"/>
+            <a:r>
+              <a:rPr lang="en-US" dirty="0"/>
+              <a:t>Citations</a:t>
+            </a:r>
+          </a:p>
+        </p:txBody>
+      </p:sp>
+      <p:pic>
+        <p:nvPicPr>
+          <p:cNvPr id="14" name="Content Placeholder 13" descr="A picture containing line, plot, slope, screenshot&#10;&#10;Description automatically generated">
+            <a:extLst>
+              <a:ext uri="{FF2B5EF4-FFF2-40B4-BE49-F238E27FC236}">
+                <a16:creationId xmlns:a16="http://schemas.microsoft.com/office/drawing/2014/main" id="{29FD0CD3-55A8-DCDB-13B3-DD2570C90488}"/>
+              </a:ext>
+            </a:extLst>
+          </p:cNvPr>
+          <p:cNvPicPr>
+            <a:picLocks noGrp="1" noChangeAspect="1"/>
+          </p:cNvPicPr>
+          <p:nvPr>
+            <p:ph sz="half" idx="2"/>
+          </p:nvPr>
+        </p:nvPicPr>
+        <p:blipFill>
+          <a:blip r:embed="rId2"/>
+          <a:stretch>
+            <a:fillRect/>
+          </a:stretch>
+        </p:blipFill>
+        <p:spPr>
+          <a:xfrm>
+            <a:off x="4607759" y="3429000"/>
+            <a:ext cx="7509092" cy="3063875"/>
+          </a:xfrm>
+        </p:spPr>
+      </p:pic>
+      <p:sp>
+        <p:nvSpPr>
+          <p:cNvPr id="5" name="Date Placeholder 4">
+            <a:extLst>
+              <a:ext uri="{FF2B5EF4-FFF2-40B4-BE49-F238E27FC236}">
+                <a16:creationId xmlns:a16="http://schemas.microsoft.com/office/drawing/2014/main" id="{0EF05CAE-F0AE-C05F-9F48-4DE2DD3D87B6}"/>
+              </a:ext>
+            </a:extLst>
+          </p:cNvPr>
+          <p:cNvSpPr>
+            <a:spLocks noGrp="1"/>
+          </p:cNvSpPr>
+          <p:nvPr>
+            <p:ph type="dt" sz="half" idx="10"/>
+          </p:nvPr>
+        </p:nvSpPr>
+        <p:spPr/>
+        <p:txBody>
+          <a:bodyPr/>
+          <a:lstStyle/>
+          <a:p>
+            <a:r>
+              <a:rPr lang="en-US"/>
+              <a:t>6/21/2023</a:t>
+            </a:r>
+          </a:p>
+        </p:txBody>
+      </p:sp>
+      <p:sp>
+        <p:nvSpPr>
+          <p:cNvPr id="6" name="Slide Number Placeholder 5">
+            <a:extLst>
+              <a:ext uri="{FF2B5EF4-FFF2-40B4-BE49-F238E27FC236}">
+                <a16:creationId xmlns:a16="http://schemas.microsoft.com/office/drawing/2014/main" id="{7F30A684-EEDF-7FA0-EB87-A19DCCCDD12D}"/>
+              </a:ext>
+            </a:extLst>
+          </p:cNvPr>
+          <p:cNvSpPr>
+            <a:spLocks noGrp="1"/>
+          </p:cNvSpPr>
+          <p:nvPr>
+            <p:ph type="sldNum" sz="quarter" idx="12"/>
+          </p:nvPr>
+        </p:nvSpPr>
+        <p:spPr/>
+        <p:txBody>
+          <a:bodyPr/>
+          <a:lstStyle/>
+          <a:p>
+            <a:fld id="{A368AD35-EA55-254F-AD80-EFD99CF0F10B}" type="slidenum">
+              <a:rPr lang="en-US" smtClean="0"/>
+              <a:t>10</a:t>
+            </a:fld>
+            <a:endParaRPr lang="en-US"/>
+          </a:p>
+        </p:txBody>
+      </p:sp>
+      <p:pic>
+        <p:nvPicPr>
+          <p:cNvPr id="16" name="Picture 15" descr="A screenshot of a website&#10;&#10;Description automatically generated with low confidence">
+            <a:extLst>
+              <a:ext uri="{FF2B5EF4-FFF2-40B4-BE49-F238E27FC236}">
+                <a16:creationId xmlns:a16="http://schemas.microsoft.com/office/drawing/2014/main" id="{B6526378-7E19-E707-3412-320D41D30606}"/>
+              </a:ext>
+            </a:extLst>
+          </p:cNvPr>
+          <p:cNvPicPr>
+            <a:picLocks noChangeAspect="1"/>
+          </p:cNvPicPr>
+          <p:nvPr/>
+        </p:nvPicPr>
+        <p:blipFill>
+          <a:blip r:embed="rId3"/>
+          <a:stretch>
+            <a:fillRect/>
+          </a:stretch>
+        </p:blipFill>
+        <p:spPr>
+          <a:xfrm>
+            <a:off x="5965102" y="1783720"/>
+            <a:ext cx="6073446" cy="1583793"/>
+          </a:xfrm>
+          <a:prstGeom prst="rect">
+            <a:avLst/>
+          </a:prstGeom>
+        </p:spPr>
+      </p:pic>
+      <p:sp>
+        <p:nvSpPr>
+          <p:cNvPr id="17" name="Down Arrow 16">
+            <a:extLst>
+              <a:ext uri="{FF2B5EF4-FFF2-40B4-BE49-F238E27FC236}">
+                <a16:creationId xmlns:a16="http://schemas.microsoft.com/office/drawing/2014/main" id="{CBD77A7D-C7AA-16B1-27ED-EABE17720358}"/>
+              </a:ext>
+            </a:extLst>
+          </p:cNvPr>
+          <p:cNvSpPr/>
+          <p:nvPr/>
+        </p:nvSpPr>
+        <p:spPr>
+          <a:xfrm rot="10800000">
+            <a:off x="7649429" y="4527857"/>
+            <a:ext cx="484632" cy="978408"/>
+          </a:xfrm>
+          <a:prstGeom prst="downArrow">
+            <a:avLst/>
+          </a:prstGeom>
+        </p:spPr>
+        <p:style>
+          <a:lnRef idx="2">
+            <a:schemeClr val="accent1">
+              <a:shade val="50000"/>
+            </a:schemeClr>
+          </a:lnRef>
+          <a:fillRef idx="1">
+            <a:schemeClr val="accent1"/>
+          </a:fillRef>
+          <a:effectRef idx="0">
+            <a:schemeClr val="accent1"/>
+          </a:effectRef>
+          <a:fontRef idx="minor">
+            <a:schemeClr val="lt1"/>
+          </a:fontRef>
+        </p:style>
+        <p:txBody>
+          <a:bodyPr rtlCol="0" anchor="ctr"/>
+          <a:lstStyle/>
+          <a:p>
+            <a:pPr algn="ctr"/>
+            <a:endParaRPr lang="en-US"/>
+          </a:p>
+        </p:txBody>
+      </p:sp>
+      <p:sp>
+        <p:nvSpPr>
+          <p:cNvPr id="3" name="TextBox 2">
+            <a:extLst>
+              <a:ext uri="{FF2B5EF4-FFF2-40B4-BE49-F238E27FC236}">
+                <a16:creationId xmlns:a16="http://schemas.microsoft.com/office/drawing/2014/main" id="{017EED86-4DBD-EEE3-0F7F-B2C1C34043C9}"/>
+              </a:ext>
+            </a:extLst>
+          </p:cNvPr>
+          <p:cNvSpPr txBox="1"/>
+          <p:nvPr/>
+        </p:nvSpPr>
+        <p:spPr>
+          <a:xfrm>
+            <a:off x="189677" y="5156021"/>
+            <a:ext cx="4429958" cy="1200329"/>
+          </a:xfrm>
+          <a:prstGeom prst="rect">
+            <a:avLst/>
+          </a:prstGeom>
+          <a:solidFill>
+            <a:srgbClr val="FFFF00"/>
+          </a:solidFill>
+        </p:spPr>
+        <p:txBody>
+          <a:bodyPr wrap="square" rtlCol="0" anchor="ctr">
+            <a:spAutoFit/>
+          </a:bodyPr>
+          <a:lstStyle/>
+          <a:p>
+            <a:r>
+              <a:rPr lang="en-US" sz="2400" b="0" i="1" dirty="0">
+                <a:solidFill>
+                  <a:srgbClr val="212121"/>
+                </a:solidFill>
+                <a:effectLst/>
+                <a:latin typeface="system-ui"/>
+              </a:rPr>
+              <a:t>It is difficult to make predictions, especially about the future.</a:t>
+            </a:r>
+          </a:p>
+          <a:p>
+            <a:r>
+              <a:rPr lang="en-US" sz="2400" i="1" dirty="0">
+                <a:solidFill>
+                  <a:srgbClr val="212121"/>
+                </a:solidFill>
+                <a:latin typeface="system-ui"/>
+              </a:rPr>
+              <a:t>	-- </a:t>
+            </a:r>
+            <a:r>
+              <a:rPr lang="en-US" sz="2400" b="0" i="0" dirty="0">
+                <a:solidFill>
+                  <a:srgbClr val="212121"/>
+                </a:solidFill>
+                <a:effectLst/>
+                <a:latin typeface="system-ui"/>
+              </a:rPr>
+              <a:t>Yogi Berra</a:t>
+            </a:r>
+            <a:endParaRPr lang="en-US" sz="2400" b="0" i="1" dirty="0">
+              <a:solidFill>
+                <a:srgbClr val="212121"/>
+              </a:solidFill>
+              <a:effectLst/>
+              <a:latin typeface="system-ui"/>
+            </a:endParaRPr>
+          </a:p>
+        </p:txBody>
+      </p:sp>
+    </p:spTree>
+    <p:extLst>
+      <p:ext uri="{BB962C8B-B14F-4D97-AF65-F5344CB8AC3E}">
+        <p14:creationId xmlns:p14="http://schemas.microsoft.com/office/powerpoint/2010/main" val="2200169268"/>
+      </p:ext>
+    </p:extLst>
+  </p:cSld>
+  <p:clrMapOvr>
+    <a:masterClrMapping/>
+  </p:clrMapOvr>
+</p:sld>
+</file>
+
+<file path=ppt/slides/slide11.xml><?xml version="1.0" encoding="utf-8"?>
+<p:sld xmlns:a="http://schemas.openxmlformats.org/drawingml/2006/main" xmlns:r="http://schemas.openxmlformats.org/officeDocument/2006/relationships" xmlns:p="http://schemas.openxmlformats.org/presentationml/2006/main">
+  <p:cSld>
+    <p:spTree>
+      <p:nvGrpSpPr>
+        <p:cNvPr id="1" name=""/>
+        <p:cNvGrpSpPr/>
+        <p:nvPr/>
+      </p:nvGrpSpPr>
+      <p:grpSpPr>
+        <a:xfrm>
+          <a:off x="0" y="0"/>
+          <a:ext cx="0" cy="0"/>
+          <a:chOff x="0" y="0"/>
+          <a:chExt cx="0" cy="0"/>
+        </a:xfrm>
+      </p:grpSpPr>
+      <p:sp>
+        <p:nvSpPr>
+          <p:cNvPr id="2" name="Title 1">
+            <a:extLst>
+              <a:ext uri="{FF2B5EF4-FFF2-40B4-BE49-F238E27FC236}">
+                <a16:creationId xmlns:a16="http://schemas.microsoft.com/office/drawing/2014/main" id="{4FF2886D-FA82-7B4F-3413-7A9981D2C24E}"/>
+              </a:ext>
+            </a:extLst>
+          </p:cNvPr>
+          <p:cNvSpPr>
+            <a:spLocks noGrp="1"/>
+          </p:cNvSpPr>
+          <p:nvPr>
+            <p:ph type="title"/>
+          </p:nvPr>
+        </p:nvSpPr>
+        <p:spPr/>
+        <p:txBody>
+          <a:bodyPr/>
+          <a:lstStyle/>
+          <a:p>
+            <a:r>
+              <a:rPr lang="en-US" dirty="0"/>
+              <a:t>Where are we? And where are we going?</a:t>
+            </a:r>
+          </a:p>
+        </p:txBody>
+      </p:sp>
+      <mc:AlternateContent xmlns:mc="http://schemas.openxmlformats.org/markup-compatibility/2006">
+        <mc:Choice xmlns:a14="http://schemas.microsoft.com/office/drawing/2010/main" Requires="a14">
+          <p:sp>
+            <p:nvSpPr>
+              <p:cNvPr id="3" name="Content Placeholder 2">
+                <a:extLst>
+                  <a:ext uri="{FF2B5EF4-FFF2-40B4-BE49-F238E27FC236}">
+                    <a16:creationId xmlns:a16="http://schemas.microsoft.com/office/drawing/2014/main" id="{9E41997A-5DD2-15AC-B7D5-D77B3FDFFA21}"/>
+                  </a:ext>
+                </a:extLst>
+              </p:cNvPr>
+              <p:cNvSpPr>
+                <a:spLocks noGrp="1"/>
+              </p:cNvSpPr>
+              <p:nvPr>
+                <p:ph idx="1"/>
+              </p:nvPr>
+            </p:nvSpPr>
+            <p:spPr/>
+            <p:txBody>
+              <a:bodyPr>
+                <a:normAutofit fontScale="92500" lnSpcReduction="20000"/>
+              </a:bodyPr>
+              <a:lstStyle/>
+              <a:p>
+                <a:r>
+                  <a:rPr lang="en-US" dirty="0"/>
+                  <a:t>What do we have already?</a:t>
+                </a:r>
+              </a:p>
+              <a:p>
+                <a:pPr lvl="1"/>
+                <a:r>
+                  <a:rPr lang="en-US" dirty="0">
+                    <a:hlinkClick r:id="rId2"/>
+                  </a:rPr>
+                  <a:t>whatswhere</a:t>
+                </a:r>
+                <a:endParaRPr lang="en-US" dirty="0"/>
+              </a:p>
+              <a:p>
+                <a:pPr lvl="1"/>
+                <a:r>
+                  <a:rPr lang="en-US" dirty="0"/>
+                  <a:t>Big Files (Globus): Production runs: apply models to 200M papers</a:t>
+                </a:r>
+              </a:p>
+              <a:p>
+                <a:pPr lvl="1"/>
+                <a:r>
+                  <a:rPr lang="en-US" dirty="0"/>
+                  <a:t>Code (</a:t>
+                </a:r>
+                <a:r>
+                  <a:rPr lang="en-US" dirty="0" err="1"/>
+                  <a:t>Github</a:t>
+                </a:r>
+                <a:r>
+                  <a:rPr lang="en-US" dirty="0"/>
+                  <a:t>): Tools, slides, doc, etc.</a:t>
+                </a:r>
+              </a:p>
+              <a:p>
+                <a:r>
+                  <a:rPr lang="en-US" dirty="0"/>
+                  <a:t>Teams</a:t>
+                </a:r>
+              </a:p>
+              <a:p>
+                <a:pPr lvl="1"/>
+                <a:r>
+                  <a:rPr lang="en-US" dirty="0"/>
+                  <a:t>Evaluation Team: Proposing tasks, metrics, etc.</a:t>
+                </a:r>
+              </a:p>
+              <a:p>
+                <a:pPr lvl="1"/>
+                <a:r>
+                  <a:rPr lang="en-US" dirty="0"/>
+                  <a:t>Resources Team: Making splits, Running models on splits, etc.</a:t>
+                </a:r>
+              </a:p>
+              <a:p>
+                <a:pPr lvl="2"/>
+                <a:r>
+                  <a:rPr lang="en-US" dirty="0"/>
+                  <a:t>Systems Challenges: Make it easier to do production runs</a:t>
+                </a:r>
+              </a:p>
+              <a:p>
+                <a:r>
+                  <a:rPr lang="en-US" dirty="0"/>
+                  <a:t>Future Plans: </a:t>
+                </a:r>
+              </a:p>
+              <a:p>
+                <a:pPr lvl="1"/>
+                <a:r>
+                  <a:rPr lang="en-US" dirty="0"/>
+                  <a:t>Establish better together: Text (abstracts) + Context (citations) </a:t>
+                </a:r>
+              </a:p>
+              <a:p>
+                <a:pPr lvl="1"/>
+                <a:r>
+                  <a:rPr lang="en-US" dirty="0"/>
+                  <a:t>Time is asymmetric (</a:t>
+                </a:r>
+                <a:r>
+                  <a:rPr lang="en-US" sz="2400" b="0" i="0" dirty="0">
+                    <a:solidFill>
+                      <a:srgbClr val="212121"/>
+                    </a:solidFill>
+                    <a:effectLst/>
+                    <a:latin typeface="system-ui"/>
+                  </a:rPr>
+                  <a:t>Yogi Berra)</a:t>
+                </a:r>
+                <a:endParaRPr lang="en-US" dirty="0"/>
+              </a:p>
+              <a:p>
+                <a:pPr lvl="1"/>
+                <a:r>
+                  <a:rPr lang="en-US" dirty="0"/>
+                  <a:t>Scaling Laws: How do time, space and loss scale with </a:t>
+                </a:r>
+                <a14:m>
+                  <m:oMath xmlns:m="http://schemas.openxmlformats.org/officeDocument/2006/math">
+                    <m:r>
+                      <a:rPr lang="en-US" i="1" dirty="0" smtClean="0">
+                        <a:latin typeface="Cambria Math" panose="02040503050406030204" pitchFamily="18" charset="0"/>
+                      </a:rPr>
+                      <m:t>𝑁</m:t>
+                    </m:r>
+                    <m:r>
+                      <a:rPr lang="en-US" i="1" dirty="0" smtClean="0">
+                        <a:latin typeface="Cambria Math" panose="02040503050406030204" pitchFamily="18" charset="0"/>
+                      </a:rPr>
+                      <m:t> </m:t>
+                    </m:r>
+                  </m:oMath>
+                </a14:m>
+                <a:r>
+                  <a:rPr lang="en-US" dirty="0"/>
+                  <a:t>(papers), </a:t>
+                </a:r>
+                <a14:m>
+                  <m:oMath xmlns:m="http://schemas.openxmlformats.org/officeDocument/2006/math">
+                    <m:r>
+                      <a:rPr lang="en-US" i="1" dirty="0" smtClean="0">
+                        <a:latin typeface="Cambria Math" panose="02040503050406030204" pitchFamily="18" charset="0"/>
+                      </a:rPr>
+                      <m:t>𝐸</m:t>
+                    </m:r>
+                  </m:oMath>
+                </a14:m>
+                <a:r>
+                  <a:rPr lang="en-US" dirty="0"/>
+                  <a:t> (cites), </a:t>
+                </a:r>
+                <a14:m>
+                  <m:oMath xmlns:m="http://schemas.openxmlformats.org/officeDocument/2006/math">
+                    <m:r>
+                      <a:rPr lang="en-US" i="1" dirty="0" smtClean="0">
+                        <a:latin typeface="Cambria Math" panose="02040503050406030204" pitchFamily="18" charset="0"/>
+                      </a:rPr>
+                      <m:t>𝑡</m:t>
+                    </m:r>
+                  </m:oMath>
+                </a14:m>
+                <a:r>
+                  <a:rPr lang="en-US" dirty="0"/>
+                  <a:t> (time)?</a:t>
+                </a:r>
+              </a:p>
+              <a:p>
+                <a:pPr lvl="2"/>
+                <a:r>
+                  <a:rPr lang="en-US" dirty="0"/>
+                  <a:t>Deep nets: standard training recipe assumes linear scaling (unrealistic?)</a:t>
+                </a:r>
+              </a:p>
+            </p:txBody>
+          </p:sp>
+        </mc:Choice>
+        <mc:Fallback>
+          <p:sp>
+            <p:nvSpPr>
+              <p:cNvPr id="3" name="Content Placeholder 2">
+                <a:extLst>
+                  <a:ext uri="{FF2B5EF4-FFF2-40B4-BE49-F238E27FC236}">
+                    <a16:creationId xmlns:a16="http://schemas.microsoft.com/office/drawing/2014/main" id="{9E41997A-5DD2-15AC-B7D5-D77B3FDFFA21}"/>
+                  </a:ext>
+                </a:extLst>
+              </p:cNvPr>
+              <p:cNvSpPr>
+                <a:spLocks noGrp="1" noRot="1" noChangeAspect="1" noMove="1" noResize="1" noEditPoints="1" noAdjustHandles="1" noChangeArrowheads="1" noChangeShapeType="1" noTextEdit="1"/>
+              </p:cNvSpPr>
+              <p:nvPr>
+                <p:ph idx="1"/>
+              </p:nvPr>
+            </p:nvSpPr>
+            <p:spPr>
+              <a:blipFill>
+                <a:blip r:embed="rId3"/>
+                <a:stretch>
+                  <a:fillRect l="-965" t="-3488"/>
+                </a:stretch>
+              </a:blipFill>
+            </p:spPr>
+            <p:txBody>
+              <a:bodyPr/>
+              <a:lstStyle/>
+              <a:p>
+                <a:r>
+                  <a:rPr lang="en-US">
+                    <a:noFill/>
+                  </a:rPr>
+                  <a:t> </a:t>
+                </a:r>
+              </a:p>
+            </p:txBody>
+          </p:sp>
+        </mc:Fallback>
+      </mc:AlternateContent>
+      <p:sp>
+        <p:nvSpPr>
+          <p:cNvPr id="5" name="Date Placeholder 4">
+            <a:extLst>
+              <a:ext uri="{FF2B5EF4-FFF2-40B4-BE49-F238E27FC236}">
+                <a16:creationId xmlns:a16="http://schemas.microsoft.com/office/drawing/2014/main" id="{4415CFF1-9B42-D5F6-5988-BE9D6F86C8FF}"/>
+              </a:ext>
+            </a:extLst>
+          </p:cNvPr>
+          <p:cNvSpPr>
+            <a:spLocks noGrp="1"/>
+          </p:cNvSpPr>
+          <p:nvPr>
+            <p:ph type="dt" sz="half" idx="10"/>
+          </p:nvPr>
+        </p:nvSpPr>
+        <p:spPr/>
+        <p:txBody>
+          <a:bodyPr/>
+          <a:lstStyle/>
+          <a:p>
+            <a:r>
+              <a:rPr lang="en-US"/>
+              <a:t>6/26/2023</a:t>
+            </a:r>
+          </a:p>
+        </p:txBody>
+      </p:sp>
+      <p:sp>
+        <p:nvSpPr>
+          <p:cNvPr id="6" name="Slide Number Placeholder 5">
+            <a:extLst>
+              <a:ext uri="{FF2B5EF4-FFF2-40B4-BE49-F238E27FC236}">
+                <a16:creationId xmlns:a16="http://schemas.microsoft.com/office/drawing/2014/main" id="{80675C34-F34E-F5FB-4001-B90C391525F6}"/>
+              </a:ext>
+            </a:extLst>
+          </p:cNvPr>
+          <p:cNvSpPr>
+            <a:spLocks noGrp="1"/>
+          </p:cNvSpPr>
+          <p:nvPr>
+            <p:ph type="sldNum" sz="quarter" idx="12"/>
+          </p:nvPr>
+        </p:nvSpPr>
+        <p:spPr/>
+        <p:txBody>
+          <a:bodyPr/>
+          <a:lstStyle/>
+          <a:p>
+            <a:fld id="{A368AD35-EA55-254F-AD80-EFD99CF0F10B}" type="slidenum">
+              <a:rPr lang="en-US" smtClean="0"/>
+              <a:t>11</a:t>
+            </a:fld>
+            <a:endParaRPr lang="en-US"/>
+          </a:p>
+        </p:txBody>
+      </p:sp>
+    </p:spTree>
+    <p:extLst>
+      <p:ext uri="{BB962C8B-B14F-4D97-AF65-F5344CB8AC3E}">
+        <p14:creationId xmlns:p14="http://schemas.microsoft.com/office/powerpoint/2010/main" val="250643216"/>
+      </p:ext>
+    </p:extLst>
+  </p:cSld>
+  <p:clrMapOvr>
+    <a:masterClrMapping/>
+  </p:clrMapOvr>
+</p:sld>
+</file>
+
+<file path=ppt/slides/slide12.xml><?xml version="1.0" encoding="utf-8"?>
+<p:sld xmlns:a="http://schemas.openxmlformats.org/drawingml/2006/main" xmlns:r="http://schemas.openxmlformats.org/officeDocument/2006/relationships" xmlns:p="http://schemas.openxmlformats.org/presentationml/2006/main">
+  <p:cSld>
+    <p:spTree>
+      <p:nvGrpSpPr>
+        <p:cNvPr id="1" name=""/>
+        <p:cNvGrpSpPr/>
+        <p:nvPr/>
+      </p:nvGrpSpPr>
+      <p:grpSpPr>
+        <a:xfrm>
+          <a:off x="0" y="0"/>
+          <a:ext cx="0" cy="0"/>
+          <a:chOff x="0" y="0"/>
+          <a:chExt cx="0" cy="0"/>
+        </a:xfrm>
+      </p:grpSpPr>
+      <p:sp>
+        <p:nvSpPr>
+          <p:cNvPr id="2" name="Title 1">
+            <a:extLst>
+              <a:ext uri="{FF2B5EF4-FFF2-40B4-BE49-F238E27FC236}">
+                <a16:creationId xmlns:a16="http://schemas.microsoft.com/office/drawing/2014/main" id="{C067A7AC-BABE-A68A-97EF-0AE691C41E37}"/>
+              </a:ext>
+            </a:extLst>
+          </p:cNvPr>
+          <p:cNvSpPr>
+            <a:spLocks noGrp="1"/>
+          </p:cNvSpPr>
+          <p:nvPr>
+            <p:ph type="title"/>
+          </p:nvPr>
+        </p:nvSpPr>
+        <p:spPr/>
+        <p:txBody>
+          <a:bodyPr/>
+          <a:lstStyle/>
+          <a:p>
+            <a:r>
+              <a:rPr lang="en-US" dirty="0"/>
+              <a:t>What do we have?  Big Files on Globus</a:t>
+            </a:r>
+          </a:p>
+        </p:txBody>
+      </p:sp>
+      <mc:AlternateContent xmlns:mc="http://schemas.openxmlformats.org/markup-compatibility/2006">
+        <mc:Choice xmlns:a14="http://schemas.microsoft.com/office/drawing/2010/main" Requires="a14">
+          <p:sp>
+            <p:nvSpPr>
+              <p:cNvPr id="3" name="Content Placeholder 2">
+                <a:extLst>
+                  <a:ext uri="{FF2B5EF4-FFF2-40B4-BE49-F238E27FC236}">
+                    <a16:creationId xmlns:a16="http://schemas.microsoft.com/office/drawing/2014/main" id="{6F23F4CD-8B7F-22D6-B83E-6300A8EF3A58}"/>
+                  </a:ext>
+                </a:extLst>
+              </p:cNvPr>
+              <p:cNvSpPr>
+                <a:spLocks noGrp="1"/>
+              </p:cNvSpPr>
+              <p:nvPr>
+                <p:ph idx="1"/>
+              </p:nvPr>
+            </p:nvSpPr>
+            <p:spPr/>
+            <p:txBody>
+              <a:bodyPr/>
+              <a:lstStyle/>
+              <a:p>
+                <a:r>
+                  <a:rPr lang="en-US" b="0" i="0" u="none" strike="noStrike" dirty="0">
+                    <a:solidFill>
+                      <a:srgbClr val="1F2328"/>
+                    </a:solidFill>
+                    <a:effectLst/>
+                    <a:latin typeface="-apple-system"/>
+                    <a:hlinkClick r:id="rId2"/>
+                  </a:rPr>
+                  <a:t>Embeddings</a:t>
+                </a:r>
+                <a:r>
+                  <a:rPr lang="en-US" b="0" i="0" u="none" strike="noStrike" dirty="0">
+                    <a:solidFill>
+                      <a:srgbClr val="1F2328"/>
+                    </a:solidFill>
+                    <a:effectLst/>
+                    <a:latin typeface="-apple-system"/>
+                  </a:rPr>
+                  <a:t>: </a:t>
+                </a:r>
+                <a14:m>
+                  <m:oMath xmlns:m="http://schemas.openxmlformats.org/officeDocument/2006/math">
+                    <m:r>
+                      <a:rPr lang="en-US" b="0" i="1" smtClean="0">
+                        <a:latin typeface="Cambria Math" panose="02040503050406030204" pitchFamily="18" charset="0"/>
+                      </a:rPr>
+                      <m:t>𝑀</m:t>
+                    </m:r>
+                    <m:r>
+                      <a:rPr lang="en-US" b="0" i="1" smtClean="0">
+                        <a:latin typeface="Cambria Math" panose="02040503050406030204" pitchFamily="18" charset="0"/>
+                        <a:ea typeface="Cambria Math" panose="02040503050406030204" pitchFamily="18" charset="0"/>
+                      </a:rPr>
+                      <m:t>∈</m:t>
+                    </m:r>
+                    <m:sSup>
+                      <m:sSupPr>
+                        <m:ctrlPr>
+                          <a:rPr lang="en-US" b="0" i="1" smtClean="0">
+                            <a:latin typeface="Cambria Math" panose="02040503050406030204" pitchFamily="18" charset="0"/>
+                            <a:ea typeface="Cambria Math" panose="02040503050406030204" pitchFamily="18" charset="0"/>
+                          </a:rPr>
+                        </m:ctrlPr>
+                      </m:sSupPr>
+                      <m:e>
+                        <m:r>
+                          <a:rPr lang="en-US" b="0" i="1" smtClean="0">
+                            <a:latin typeface="Cambria Math" panose="02040503050406030204" pitchFamily="18" charset="0"/>
+                            <a:ea typeface="Cambria Math" panose="02040503050406030204" pitchFamily="18" charset="0"/>
+                          </a:rPr>
+                          <m:t>ℛ</m:t>
+                        </m:r>
+                      </m:e>
+                      <m:sup>
+                        <m:r>
+                          <a:rPr lang="en-US" b="0" i="1" smtClean="0">
+                            <a:latin typeface="Cambria Math" panose="02040503050406030204" pitchFamily="18" charset="0"/>
+                            <a:ea typeface="Cambria Math" panose="02040503050406030204" pitchFamily="18" charset="0"/>
+                          </a:rPr>
+                          <m:t>𝑁</m:t>
+                        </m:r>
+                        <m:r>
+                          <a:rPr lang="en-US" b="0" i="1" smtClean="0">
+                            <a:latin typeface="Cambria Math" panose="02040503050406030204" pitchFamily="18" charset="0"/>
+                            <a:ea typeface="Cambria Math" panose="02040503050406030204" pitchFamily="18" charset="0"/>
+                          </a:rPr>
+                          <m:t>×</m:t>
+                        </m:r>
+                        <m:r>
+                          <a:rPr lang="en-US" b="0" i="1" smtClean="0">
+                            <a:latin typeface="Cambria Math" panose="02040503050406030204" pitchFamily="18" charset="0"/>
+                            <a:ea typeface="Cambria Math" panose="02040503050406030204" pitchFamily="18" charset="0"/>
+                          </a:rPr>
+                          <m:t>𝐾</m:t>
+                        </m:r>
+                      </m:sup>
+                    </m:sSup>
+                  </m:oMath>
+                </a14:m>
+                <a:r>
+                  <a:rPr lang="en-US" b="0" i="0" u="none" strike="noStrike" dirty="0">
+                    <a:solidFill>
+                      <a:srgbClr val="1F2328"/>
+                    </a:solidFill>
+                    <a:effectLst/>
+                    <a:latin typeface="-apple-system"/>
+                  </a:rPr>
+                  <a:t> where </a:t>
+                </a:r>
+                <a14:m>
+                  <m:oMath xmlns:m="http://schemas.openxmlformats.org/officeDocument/2006/math">
+                    <m:r>
+                      <a:rPr lang="en-US" b="0" i="1" u="none" strike="noStrike" smtClean="0">
+                        <a:solidFill>
+                          <a:srgbClr val="1F2328"/>
+                        </a:solidFill>
+                        <a:effectLst/>
+                        <a:latin typeface="Cambria Math" panose="02040503050406030204" pitchFamily="18" charset="0"/>
+                      </a:rPr>
+                      <m:t>𝑁</m:t>
+                    </m:r>
+                    <m:r>
+                      <a:rPr lang="en-US" b="0" i="1" u="none" strike="noStrike" smtClean="0">
+                        <a:solidFill>
+                          <a:srgbClr val="1F2328"/>
+                        </a:solidFill>
+                        <a:effectLst/>
+                        <a:latin typeface="Cambria Math" panose="02040503050406030204" pitchFamily="18" charset="0"/>
+                        <a:ea typeface="Cambria Math" panose="02040503050406030204" pitchFamily="18" charset="0"/>
+                      </a:rPr>
+                      <m:t>≈200</m:t>
+                    </m:r>
+                    <m:r>
+                      <m:rPr>
+                        <m:sty m:val="p"/>
+                      </m:rPr>
+                      <a:rPr lang="en-US" b="0" i="0" u="none" strike="noStrike" smtClean="0">
+                        <a:solidFill>
+                          <a:srgbClr val="1F2328"/>
+                        </a:solidFill>
+                        <a:effectLst/>
+                        <a:latin typeface="Cambria Math" panose="02040503050406030204" pitchFamily="18" charset="0"/>
+                        <a:ea typeface="Cambria Math" panose="02040503050406030204" pitchFamily="18" charset="0"/>
+                      </a:rPr>
+                      <m:t>M</m:t>
+                    </m:r>
+                    <m:r>
+                      <a:rPr lang="en-US" b="0" i="0" u="none" strike="noStrike" smtClean="0">
+                        <a:solidFill>
+                          <a:srgbClr val="1F2328"/>
+                        </a:solidFill>
+                        <a:effectLst/>
+                        <a:latin typeface="Cambria Math" panose="02040503050406030204" pitchFamily="18" charset="0"/>
+                        <a:ea typeface="Cambria Math" panose="02040503050406030204" pitchFamily="18" charset="0"/>
+                      </a:rPr>
+                      <m:t> </m:t>
+                    </m:r>
+                    <m:r>
+                      <m:rPr>
+                        <m:sty m:val="p"/>
+                      </m:rPr>
+                      <a:rPr lang="en-US" b="0" i="0" u="none" strike="noStrike" smtClean="0">
+                        <a:solidFill>
+                          <a:srgbClr val="1F2328"/>
+                        </a:solidFill>
+                        <a:effectLst/>
+                        <a:latin typeface="Cambria Math" panose="02040503050406030204" pitchFamily="18" charset="0"/>
+                        <a:ea typeface="Cambria Math" panose="02040503050406030204" pitchFamily="18" charset="0"/>
+                      </a:rPr>
+                      <m:t>papers</m:t>
+                    </m:r>
+                  </m:oMath>
+                </a14:m>
+                <a:r>
+                  <a:rPr lang="en-US" b="0" i="0" u="none" strike="noStrike" dirty="0">
+                    <a:solidFill>
+                      <a:srgbClr val="1F2328"/>
+                    </a:solidFill>
+                    <a:effectLst/>
+                    <a:latin typeface="-apple-system"/>
+                  </a:rPr>
+                  <a:t> and </a:t>
+                </a:r>
+                <a14:m>
+                  <m:oMath xmlns:m="http://schemas.openxmlformats.org/officeDocument/2006/math">
+                    <m:r>
+                      <a:rPr lang="en-US" b="0" i="1" u="none" strike="noStrike" smtClean="0">
+                        <a:solidFill>
+                          <a:srgbClr val="1F2328"/>
+                        </a:solidFill>
+                        <a:effectLst/>
+                        <a:latin typeface="Cambria Math" panose="02040503050406030204" pitchFamily="18" charset="0"/>
+                      </a:rPr>
+                      <m:t>𝐾</m:t>
+                    </m:r>
+                    <m:r>
+                      <a:rPr lang="en-US" b="0" i="1" u="none" strike="noStrike" smtClean="0">
+                        <a:solidFill>
+                          <a:srgbClr val="1F2328"/>
+                        </a:solidFill>
+                        <a:effectLst/>
+                        <a:latin typeface="Cambria Math" panose="02040503050406030204" pitchFamily="18" charset="0"/>
+                        <a:ea typeface="Cambria Math" panose="02040503050406030204" pitchFamily="18" charset="0"/>
+                      </a:rPr>
+                      <m:t>≈</m:t>
+                    </m:r>
+                  </m:oMath>
+                </a14:m>
+                <a:r>
+                  <a:rPr lang="en-US" b="0" i="0" u="none" strike="noStrike" dirty="0">
+                    <a:solidFill>
+                      <a:srgbClr val="1F2328"/>
+                    </a:solidFill>
+                    <a:effectLst/>
+                    <a:latin typeface="-apple-system"/>
+                  </a:rPr>
+                  <a:t> 768</a:t>
+                </a:r>
+              </a:p>
+              <a:p>
+                <a:pPr lvl="1"/>
+                <a:r>
+                  <a:rPr lang="en-US" b="0" i="0" dirty="0">
+                    <a:solidFill>
+                      <a:srgbClr val="1F2328"/>
+                    </a:solidFill>
+                    <a:effectLst/>
+                    <a:latin typeface="-apple-system"/>
+                  </a:rPr>
+                  <a:t>Abstract-based: Specter, Specter2, </a:t>
+                </a:r>
+                <a:r>
+                  <a:rPr lang="en-US" b="0" i="0" dirty="0" err="1">
+                    <a:solidFill>
+                      <a:srgbClr val="1F2328"/>
+                    </a:solidFill>
+                    <a:effectLst/>
+                    <a:latin typeface="-apple-system"/>
+                  </a:rPr>
+                  <a:t>SciNCL</a:t>
+                </a:r>
+                <a:endParaRPr lang="en-US" dirty="0">
+                  <a:solidFill>
+                    <a:srgbClr val="1F2328"/>
+                  </a:solidFill>
+                  <a:latin typeface="-apple-system"/>
+                </a:endParaRPr>
+              </a:p>
+              <a:p>
+                <a:pPr lvl="1"/>
+                <a:r>
+                  <a:rPr lang="en-US" b="0" i="0" dirty="0">
+                    <a:solidFill>
+                      <a:srgbClr val="1F2328"/>
+                    </a:solidFill>
+                    <a:effectLst/>
+                    <a:latin typeface="-apple-system"/>
+                  </a:rPr>
+                  <a:t>Citation-based: </a:t>
+                </a:r>
+                <a:r>
+                  <a:rPr lang="en-US" b="0" i="0" dirty="0" err="1">
+                    <a:solidFill>
+                      <a:srgbClr val="1F2328"/>
+                    </a:solidFill>
+                    <a:effectLst/>
+                    <a:latin typeface="-apple-system"/>
+                  </a:rPr>
+                  <a:t>ProNE</a:t>
+                </a:r>
+                <a:endParaRPr lang="en-US" b="0" i="0" dirty="0">
+                  <a:solidFill>
+                    <a:srgbClr val="1F2328"/>
+                  </a:solidFill>
+                  <a:effectLst/>
+                  <a:latin typeface="-apple-system"/>
+                </a:endParaRPr>
+              </a:p>
+              <a:p>
+                <a:pPr lvl="1"/>
+                <a:r>
+                  <a:rPr lang="en-US" dirty="0">
+                    <a:solidFill>
+                      <a:srgbClr val="1F2328"/>
+                    </a:solidFill>
+                    <a:latin typeface="-apple-system"/>
+                  </a:rPr>
+                  <a:t>Invariant: Cosines in embeddings </a:t>
+                </a:r>
+                <a14:m>
+                  <m:oMath xmlns:m="http://schemas.openxmlformats.org/officeDocument/2006/math">
+                    <m:r>
+                      <a:rPr lang="en-US" i="1" dirty="0" smtClean="0">
+                        <a:solidFill>
+                          <a:srgbClr val="1F2328"/>
+                        </a:solidFill>
+                        <a:latin typeface="Cambria Math" panose="02040503050406030204" pitchFamily="18" charset="0"/>
+                      </a:rPr>
+                      <m:t>~</m:t>
+                    </m:r>
+                  </m:oMath>
+                </a14:m>
+                <a:r>
+                  <a:rPr lang="en-US" dirty="0">
+                    <a:solidFill>
+                      <a:srgbClr val="1F2328"/>
+                    </a:solidFill>
+                    <a:latin typeface="-apple-system"/>
+                  </a:rPr>
+                  <a:t> Distances in Citation Graph</a:t>
+                </a:r>
+                <a:endParaRPr lang="en-US" b="0" i="0" dirty="0">
+                  <a:solidFill>
+                    <a:srgbClr val="1F2328"/>
+                  </a:solidFill>
+                  <a:effectLst/>
+                  <a:latin typeface="-apple-system"/>
+                </a:endParaRPr>
+              </a:p>
+              <a:p>
+                <a:r>
+                  <a:rPr lang="en-US" b="0" i="0" u="none" strike="noStrike" dirty="0">
+                    <a:solidFill>
+                      <a:srgbClr val="1F2328"/>
+                    </a:solidFill>
+                    <a:effectLst/>
+                    <a:latin typeface="-apple-system"/>
+                    <a:hlinkClick r:id="rId3"/>
+                  </a:rPr>
+                  <a:t>Bigrams (pairs of corpusIds with large cosines)</a:t>
+                </a:r>
+                <a:endParaRPr lang="en-US" b="0" i="0" u="none" strike="noStrike" dirty="0">
+                  <a:solidFill>
+                    <a:srgbClr val="1F2328"/>
+                  </a:solidFill>
+                  <a:effectLst/>
+                  <a:latin typeface="-apple-system"/>
+                </a:endParaRPr>
+              </a:p>
+              <a:p>
+                <a:pPr lvl="1"/>
+                <a:r>
+                  <a:rPr lang="en-US" dirty="0">
+                    <a:solidFill>
+                      <a:srgbClr val="1F2328"/>
+                    </a:solidFill>
+                    <a:latin typeface="-apple-system"/>
+                  </a:rPr>
+                  <a:t>Cannot materialize </a:t>
+                </a:r>
+                <a14:m>
+                  <m:oMath xmlns:m="http://schemas.openxmlformats.org/officeDocument/2006/math">
+                    <m:r>
+                      <a:rPr lang="en-US" b="0" i="1" smtClean="0">
+                        <a:solidFill>
+                          <a:srgbClr val="1F2328"/>
+                        </a:solidFill>
+                        <a:latin typeface="Cambria Math" panose="02040503050406030204" pitchFamily="18" charset="0"/>
+                      </a:rPr>
+                      <m:t>𝑀</m:t>
+                    </m:r>
+                    <m:sSup>
+                      <m:sSupPr>
+                        <m:ctrlPr>
+                          <a:rPr lang="en-US" b="0" i="1" smtClean="0">
+                            <a:solidFill>
+                              <a:srgbClr val="1F2328"/>
+                            </a:solidFill>
+                            <a:latin typeface="Cambria Math" panose="02040503050406030204" pitchFamily="18" charset="0"/>
+                          </a:rPr>
+                        </m:ctrlPr>
+                      </m:sSupPr>
+                      <m:e>
+                        <m:r>
+                          <a:rPr lang="en-US" b="0" i="1" smtClean="0">
+                            <a:solidFill>
+                              <a:srgbClr val="1F2328"/>
+                            </a:solidFill>
+                            <a:latin typeface="Cambria Math" panose="02040503050406030204" pitchFamily="18" charset="0"/>
+                          </a:rPr>
+                          <m:t>𝑀</m:t>
+                        </m:r>
+                      </m:e>
+                      <m:sup>
+                        <m:r>
+                          <a:rPr lang="en-US" b="0" i="1" smtClean="0">
+                            <a:solidFill>
+                              <a:srgbClr val="1F2328"/>
+                            </a:solidFill>
+                            <a:latin typeface="Cambria Math" panose="02040503050406030204" pitchFamily="18" charset="0"/>
+                          </a:rPr>
+                          <m:t>𝑇</m:t>
+                        </m:r>
+                      </m:sup>
+                    </m:sSup>
+                  </m:oMath>
+                </a14:m>
+                <a:r>
+                  <a:rPr lang="en-US" b="0" i="0" dirty="0">
+                    <a:solidFill>
+                      <a:srgbClr val="1F2328"/>
+                    </a:solidFill>
+                    <a:effectLst/>
+                    <a:latin typeface="-apple-system"/>
+                  </a:rPr>
+                  <a:t> but can use ANN to find large values</a:t>
+                </a:r>
+              </a:p>
+              <a:p>
+                <a:r>
+                  <a:rPr lang="en-US" b="0" i="0" u="none" strike="noStrike" dirty="0">
+                    <a:solidFill>
+                      <a:srgbClr val="1F2328"/>
+                    </a:solidFill>
+                    <a:effectLst/>
+                    <a:latin typeface="-apple-system"/>
+                    <a:hlinkClick r:id="rId4"/>
+                  </a:rPr>
+                  <a:t>Releases (Bulk Downloads from Semantic Scholar)</a:t>
+                </a:r>
+                <a:endParaRPr lang="en-US" b="0" i="0" dirty="0">
+                  <a:solidFill>
+                    <a:srgbClr val="1F2328"/>
+                  </a:solidFill>
+                  <a:effectLst/>
+                  <a:latin typeface="-apple-system"/>
+                </a:endParaRPr>
+              </a:p>
+              <a:p>
+                <a:r>
+                  <a:rPr lang="en-US" b="0" i="0" u="none" strike="noStrike" dirty="0">
+                    <a:solidFill>
+                      <a:srgbClr val="1F2328"/>
+                    </a:solidFill>
+                    <a:effectLst/>
+                    <a:latin typeface="-apple-system"/>
+                    <a:hlinkClick r:id="rId5"/>
+                  </a:rPr>
+                  <a:t>Citation Graphs</a:t>
+                </a:r>
+                <a:r>
+                  <a:rPr lang="en-US" b="0" i="0" u="none" strike="noStrike" dirty="0">
+                    <a:solidFill>
+                      <a:srgbClr val="1F2328"/>
+                    </a:solidFill>
+                    <a:effectLst/>
+                    <a:latin typeface="-apple-system"/>
+                  </a:rPr>
+                  <a:t> and </a:t>
+                </a:r>
+                <a:r>
+                  <a:rPr lang="en-US" b="0" i="0" u="none" strike="noStrike" dirty="0">
+                    <a:solidFill>
+                      <a:srgbClr val="1F2328"/>
+                    </a:solidFill>
+                    <a:effectLst/>
+                    <a:latin typeface="-apple-system"/>
+                    <a:hlinkClick r:id="rId6"/>
+                  </a:rPr>
+                  <a:t>Citing Sentences</a:t>
+                </a:r>
+                <a:endParaRPr lang="en-US" b="0" i="0" dirty="0">
+                  <a:solidFill>
+                    <a:srgbClr val="1F2328"/>
+                  </a:solidFill>
+                  <a:effectLst/>
+                  <a:latin typeface="-apple-system"/>
+                </a:endParaRPr>
+              </a:p>
+            </p:txBody>
+          </p:sp>
+        </mc:Choice>
+        <mc:Fallback>
+          <p:sp>
+            <p:nvSpPr>
+              <p:cNvPr id="3" name="Content Placeholder 2">
+                <a:extLst>
+                  <a:ext uri="{FF2B5EF4-FFF2-40B4-BE49-F238E27FC236}">
+                    <a16:creationId xmlns:a16="http://schemas.microsoft.com/office/drawing/2014/main" id="{6F23F4CD-8B7F-22D6-B83E-6300A8EF3A58}"/>
+                  </a:ext>
+                </a:extLst>
+              </p:cNvPr>
+              <p:cNvSpPr>
+                <a:spLocks noGrp="1" noRot="1" noChangeAspect="1" noMove="1" noResize="1" noEditPoints="1" noAdjustHandles="1" noChangeArrowheads="1" noChangeShapeType="1" noTextEdit="1"/>
+              </p:cNvSpPr>
+              <p:nvPr>
+                <p:ph idx="1"/>
+              </p:nvPr>
+            </p:nvSpPr>
+            <p:spPr>
+              <a:blipFill>
+                <a:blip r:embed="rId7"/>
+                <a:stretch>
+                  <a:fillRect l="-1086" t="-2326"/>
+                </a:stretch>
+              </a:blipFill>
+            </p:spPr>
+            <p:txBody>
+              <a:bodyPr/>
+              <a:lstStyle/>
+              <a:p>
+                <a:r>
+                  <a:rPr lang="en-US">
+                    <a:noFill/>
+                  </a:rPr>
+                  <a:t> </a:t>
+                </a:r>
+              </a:p>
+            </p:txBody>
+          </p:sp>
+        </mc:Fallback>
+      </mc:AlternateContent>
+      <p:sp>
+        <p:nvSpPr>
+          <p:cNvPr id="4" name="Date Placeholder 3">
+            <a:extLst>
+              <a:ext uri="{FF2B5EF4-FFF2-40B4-BE49-F238E27FC236}">
+                <a16:creationId xmlns:a16="http://schemas.microsoft.com/office/drawing/2014/main" id="{96A94D69-EAA4-81AD-14C2-08FAB81524B1}"/>
+              </a:ext>
+            </a:extLst>
+          </p:cNvPr>
+          <p:cNvSpPr>
+            <a:spLocks noGrp="1"/>
+          </p:cNvSpPr>
+          <p:nvPr>
+            <p:ph type="dt" sz="half" idx="10"/>
+          </p:nvPr>
+        </p:nvSpPr>
+        <p:spPr/>
+        <p:txBody>
+          <a:bodyPr/>
+          <a:lstStyle/>
+          <a:p>
+            <a:r>
+              <a:rPr lang="en-US"/>
+              <a:t>6/26/2023</a:t>
+            </a:r>
+          </a:p>
+        </p:txBody>
+      </p:sp>
+      <p:sp>
+        <p:nvSpPr>
+          <p:cNvPr id="5" name="Slide Number Placeholder 4">
+            <a:extLst>
+              <a:ext uri="{FF2B5EF4-FFF2-40B4-BE49-F238E27FC236}">
+                <a16:creationId xmlns:a16="http://schemas.microsoft.com/office/drawing/2014/main" id="{7A35467A-8B80-504E-482E-86CEE221ADAD}"/>
+              </a:ext>
+            </a:extLst>
+          </p:cNvPr>
+          <p:cNvSpPr>
+            <a:spLocks noGrp="1"/>
+          </p:cNvSpPr>
+          <p:nvPr>
+            <p:ph type="sldNum" sz="quarter" idx="12"/>
+          </p:nvPr>
+        </p:nvSpPr>
+        <p:spPr/>
+        <p:txBody>
+          <a:bodyPr/>
+          <a:lstStyle/>
+          <a:p>
+            <a:fld id="{A368AD35-EA55-254F-AD80-EFD99CF0F10B}" type="slidenum">
+              <a:rPr lang="en-US" smtClean="0"/>
+              <a:t>12</a:t>
+            </a:fld>
+            <a:endParaRPr lang="en-US"/>
+          </a:p>
+        </p:txBody>
+      </p:sp>
+    </p:spTree>
+    <p:extLst>
+      <p:ext uri="{BB962C8B-B14F-4D97-AF65-F5344CB8AC3E}">
+        <p14:creationId xmlns:p14="http://schemas.microsoft.com/office/powerpoint/2010/main" val="1813806034"/>
+      </p:ext>
+    </p:extLst>
+  </p:cSld>
+  <p:clrMapOvr>
+    <a:masterClrMapping/>
+  </p:clrMapOvr>
+</p:sld>
+</file>
+
+<file path=ppt/slides/slide13.xml><?xml version="1.0" encoding="utf-8"?>
+<p:sld xmlns:a="http://schemas.openxmlformats.org/drawingml/2006/main" xmlns:r="http://schemas.openxmlformats.org/officeDocument/2006/relationships" xmlns:p="http://schemas.openxmlformats.org/presentationml/2006/main">
+  <p:cSld>
+    <p:spTree>
+      <p:nvGrpSpPr>
+        <p:cNvPr id="1" name=""/>
+        <p:cNvGrpSpPr/>
+        <p:nvPr/>
+      </p:nvGrpSpPr>
+      <p:grpSpPr>
+        <a:xfrm>
+          <a:off x="0" y="0"/>
+          <a:ext cx="0" cy="0"/>
+          <a:chOff x="0" y="0"/>
+          <a:chExt cx="0" cy="0"/>
+        </a:xfrm>
+      </p:grpSpPr>
+      <p:sp>
+        <p:nvSpPr>
+          <p:cNvPr id="2" name="Title 1">
+            <a:extLst>
+              <a:ext uri="{FF2B5EF4-FFF2-40B4-BE49-F238E27FC236}">
                 <a16:creationId xmlns:a16="http://schemas.microsoft.com/office/drawing/2014/main" id="{2A8C7D69-4742-AB8F-A19B-DBF0D3C4FF8B}"/>
               </a:ext>
             </a:extLst>
@@ -4314,7 +5664,7 @@
           <a:p>
             <a:fld id="{A368AD35-EA55-254F-AD80-EFD99CF0F10B}" type="slidenum">
               <a:rPr lang="en-US" smtClean="0"/>
-              <a:t>10</a:t>
+              <a:t>13</a:t>
             </a:fld>
             <a:endParaRPr lang="en-US"/>
           </a:p>
@@ -4508,7 +5858,7 @@
           <p:cNvPr id="2" name="Title 1">
             <a:extLst>
               <a:ext uri="{FF2B5EF4-FFF2-40B4-BE49-F238E27FC236}">
-                <a16:creationId xmlns:a16="http://schemas.microsoft.com/office/drawing/2014/main" id="{AB67D94C-30EB-86EB-FADB-84E1939B3A01}"/>
+                <a16:creationId xmlns:a16="http://schemas.microsoft.com/office/drawing/2014/main" id="{92523DF0-074E-6A99-65D6-A4396D792C27}"/>
               </a:ext>
             </a:extLst>
           </p:cNvPr>
@@ -4526,25 +5876,62 @@
           <a:p>
             <a:r>
               <a:rPr lang="en-US" dirty="0"/>
-              <a:t>Realities</a:t>
-            </a:r>
-          </a:p>
-        </p:txBody>
-      </p:sp>
-      <p:sp>
-        <p:nvSpPr>
-          <p:cNvPr id="5" name="Text Placeholder 4">
-            <a:extLst>
-              <a:ext uri="{FF2B5EF4-FFF2-40B4-BE49-F238E27FC236}">
-                <a16:creationId xmlns:a16="http://schemas.microsoft.com/office/drawing/2014/main" id="{768C83F4-AE8C-A03D-6E96-535E84AA12D2}"/>
-              </a:ext>
-            </a:extLst>
-          </p:cNvPr>
-          <p:cNvSpPr>
-            <a:spLocks noGrp="1"/>
-          </p:cNvSpPr>
-          <p:nvPr>
-            <p:ph type="body" idx="1"/>
+              <a:t>Query: ``</a:t>
+            </a:r>
+            <a:r>
+              <a:rPr lang="en-US" dirty="0" err="1"/>
+              <a:t>DeepWalk</a:t>
+            </a:r>
+            <a:r>
+              <a:rPr lang="en-US" dirty="0"/>
+              <a:t>: Online Learning of…’’</a:t>
+            </a:r>
+          </a:p>
+        </p:txBody>
+      </p:sp>
+      <p:pic>
+        <p:nvPicPr>
+          <p:cNvPr id="5" name="Content Placeholder 4" descr="A picture containing text, font, screenshot, receipt&#10;&#10;Description automatically generated">
+            <a:extLst>
+              <a:ext uri="{FF2B5EF4-FFF2-40B4-BE49-F238E27FC236}">
+                <a16:creationId xmlns:a16="http://schemas.microsoft.com/office/drawing/2014/main" id="{32092D30-70E5-ECD6-8505-B555CE5C3C0E}"/>
+              </a:ext>
+            </a:extLst>
+          </p:cNvPr>
+          <p:cNvPicPr>
+            <a:picLocks noGrp="1" noChangeAspect="1"/>
+          </p:cNvPicPr>
+          <p:nvPr>
+            <p:ph idx="1"/>
+          </p:nvPr>
+        </p:nvPicPr>
+        <p:blipFill>
+          <a:blip r:embed="rId2"/>
+          <a:stretch>
+            <a:fillRect/>
+          </a:stretch>
+        </p:blipFill>
+        <p:spPr>
+          <a:xfrm>
+            <a:off x="639727" y="1368425"/>
+            <a:ext cx="11027780" cy="5331368"/>
+          </a:xfrm>
+        </p:spPr>
+      </p:pic>
+      <p:sp>
+        <p:nvSpPr>
+          <p:cNvPr id="6" name="Date Placeholder 5">
+            <a:extLst>
+              <a:ext uri="{FF2B5EF4-FFF2-40B4-BE49-F238E27FC236}">
+                <a16:creationId xmlns:a16="http://schemas.microsoft.com/office/drawing/2014/main" id="{4A4F0344-4289-DBD5-DAA7-8D839B8D2DE1}"/>
+              </a:ext>
+            </a:extLst>
+          </p:cNvPr>
+          <p:cNvSpPr>
+            <a:spLocks noGrp="1"/>
+          </p:cNvSpPr>
+          <p:nvPr>
+            <p:ph type="dt" sz="half" idx="10"/>
           </p:nvPr>
         </p:nvSpPr>
         <p:spPr/>
@@ -4553,159 +5940,6 @@
           <a:lstStyle/>
           <a:p>
             <a:r>
-              <a:rPr lang="en-US" dirty="0"/>
-              <a:t>The Real World</a:t>
-            </a:r>
-          </a:p>
-        </p:txBody>
-      </p:sp>
-      <p:sp>
-        <p:nvSpPr>
-          <p:cNvPr id="3" name="Content Placeholder 2">
-            <a:extLst>
-              <a:ext uri="{FF2B5EF4-FFF2-40B4-BE49-F238E27FC236}">
-                <a16:creationId xmlns:a16="http://schemas.microsoft.com/office/drawing/2014/main" id="{5BE81111-2624-6506-E346-C0614B2DE863}"/>
-              </a:ext>
-            </a:extLst>
-          </p:cNvPr>
-          <p:cNvSpPr>
-            <a:spLocks noGrp="1"/>
-          </p:cNvSpPr>
-          <p:nvPr>
-            <p:ph sz="half" idx="2"/>
-          </p:nvPr>
-        </p:nvSpPr>
-        <p:spPr/>
-        <p:txBody>
-          <a:bodyPr/>
-          <a:lstStyle/>
-          <a:p>
-            <a:r>
-              <a:rPr lang="en-US" dirty="0"/>
-              <a:t>Large </a:t>
-            </a:r>
-          </a:p>
-          <a:p>
-            <a:r>
-              <a:rPr lang="en-US" dirty="0"/>
-              <a:t>Growing</a:t>
-            </a:r>
-          </a:p>
-          <a:p>
-            <a:r>
-              <a:rPr lang="en-US" dirty="0"/>
-              <a:t>Dirty</a:t>
-            </a:r>
-          </a:p>
-          <a:p>
-            <a:pPr lvl="1"/>
-            <a:r>
-              <a:rPr lang="en-US" dirty="0"/>
-              <a:t>Missing Values</a:t>
-            </a:r>
-          </a:p>
-          <a:p>
-            <a:pPr lvl="1"/>
-            <a:r>
-              <a:rPr lang="en-US" dirty="0"/>
-              <a:t>Bad/misleading Values</a:t>
-            </a:r>
-          </a:p>
-          <a:p>
-            <a:endParaRPr lang="en-US" dirty="0"/>
-          </a:p>
-        </p:txBody>
-      </p:sp>
-      <p:sp>
-        <p:nvSpPr>
-          <p:cNvPr id="6" name="Text Placeholder 5">
-            <a:extLst>
-              <a:ext uri="{FF2B5EF4-FFF2-40B4-BE49-F238E27FC236}">
-                <a16:creationId xmlns:a16="http://schemas.microsoft.com/office/drawing/2014/main" id="{3C5481EC-9918-3472-94AD-822C57F93704}"/>
-              </a:ext>
-            </a:extLst>
-          </p:cNvPr>
-          <p:cNvSpPr>
-            <a:spLocks noGrp="1"/>
-          </p:cNvSpPr>
-          <p:nvPr>
-            <p:ph type="body" sz="quarter" idx="3"/>
-          </p:nvPr>
-        </p:nvSpPr>
-        <p:spPr/>
-        <p:txBody>
-          <a:bodyPr/>
-          <a:lstStyle/>
-          <a:p>
-            <a:r>
-              <a:rPr lang="en-US" dirty="0"/>
-              <a:t>Idealizations (Evaluation Benchmarks)</a:t>
-            </a:r>
-          </a:p>
-        </p:txBody>
-      </p:sp>
-      <p:sp>
-        <p:nvSpPr>
-          <p:cNvPr id="7" name="Content Placeholder 6">
-            <a:extLst>
-              <a:ext uri="{FF2B5EF4-FFF2-40B4-BE49-F238E27FC236}">
-                <a16:creationId xmlns:a16="http://schemas.microsoft.com/office/drawing/2014/main" id="{E758F134-5607-4419-2D48-285922219F37}"/>
-              </a:ext>
-            </a:extLst>
-          </p:cNvPr>
-          <p:cNvSpPr>
-            <a:spLocks noGrp="1"/>
-          </p:cNvSpPr>
-          <p:nvPr>
-            <p:ph sz="quarter" idx="4"/>
-          </p:nvPr>
-        </p:nvSpPr>
-        <p:spPr/>
-        <p:txBody>
-          <a:bodyPr/>
-          <a:lstStyle/>
-          <a:p>
-            <a:r>
-              <a:rPr lang="en-US" dirty="0"/>
-              <a:t>Small</a:t>
-            </a:r>
-          </a:p>
-          <a:p>
-            <a:r>
-              <a:rPr lang="en-US" dirty="0"/>
-              <a:t>Static</a:t>
-            </a:r>
-          </a:p>
-          <a:p>
-            <a:r>
-              <a:rPr lang="en-US" dirty="0"/>
-              <a:t>Clean</a:t>
-            </a:r>
-          </a:p>
-        </p:txBody>
-      </p:sp>
-      <p:sp>
-        <p:nvSpPr>
-          <p:cNvPr id="8" name="Date Placeholder 7">
-            <a:extLst>
-              <a:ext uri="{FF2B5EF4-FFF2-40B4-BE49-F238E27FC236}">
-                <a16:creationId xmlns:a16="http://schemas.microsoft.com/office/drawing/2014/main" id="{40BFA723-4A6F-0124-E60C-88ECEFA139FC}"/>
-              </a:ext>
-            </a:extLst>
-          </p:cNvPr>
-          <p:cNvSpPr>
-            <a:spLocks noGrp="1"/>
-          </p:cNvSpPr>
-          <p:nvPr>
-            <p:ph type="dt" sz="half" idx="10"/>
-          </p:nvPr>
-        </p:nvSpPr>
-        <p:spPr/>
-        <p:txBody>
-          <a:bodyPr/>
-          <a:lstStyle/>
-          <a:p>
-            <a:r>
               <a:rPr lang="en-US"/>
               <a:t>6/21/2023</a:t>
             </a:r>
@@ -4714,10 +5948,10 @@
       </p:sp>
       <p:sp>
         <p:nvSpPr>
-          <p:cNvPr id="9" name="Slide Number Placeholder 8">
-            <a:extLst>
-              <a:ext uri="{FF2B5EF4-FFF2-40B4-BE49-F238E27FC236}">
-                <a16:creationId xmlns:a16="http://schemas.microsoft.com/office/drawing/2014/main" id="{ED11E133-0A46-4F56-3AB4-2ECD85D141CF}"/>
+          <p:cNvPr id="7" name="Slide Number Placeholder 6">
+            <a:extLst>
+              <a:ext uri="{FF2B5EF4-FFF2-40B4-BE49-F238E27FC236}">
+                <a16:creationId xmlns:a16="http://schemas.microsoft.com/office/drawing/2014/main" id="{2845A6FC-9A37-69D9-9171-D5D4512A8308}"/>
               </a:ext>
             </a:extLst>
           </p:cNvPr>
@@ -4741,16 +5975,323 @@
           </a:p>
         </p:txBody>
       </p:sp>
+      <p:sp>
+        <p:nvSpPr>
+          <p:cNvPr id="3" name="Rounded Rectangle 2">
+            <a:extLst>
+              <a:ext uri="{FF2B5EF4-FFF2-40B4-BE49-F238E27FC236}">
+                <a16:creationId xmlns:a16="http://schemas.microsoft.com/office/drawing/2014/main" id="{D08548AA-00B3-4DC7-7172-1A3E14823276}"/>
+              </a:ext>
+            </a:extLst>
+          </p:cNvPr>
+          <p:cNvSpPr/>
+          <p:nvPr/>
+        </p:nvSpPr>
+        <p:spPr>
+          <a:xfrm>
+            <a:off x="4047893" y="3745856"/>
+            <a:ext cx="769434" cy="1651333"/>
+          </a:xfrm>
+          <a:prstGeom prst="roundRect">
+            <a:avLst/>
+          </a:prstGeom>
+          <a:noFill/>
+          <a:ln w="38100">
+            <a:solidFill>
+              <a:srgbClr val="FF0000"/>
+            </a:solidFill>
+          </a:ln>
+        </p:spPr>
+        <p:style>
+          <a:lnRef idx="2">
+            <a:schemeClr val="accent1">
+              <a:shade val="50000"/>
+            </a:schemeClr>
+          </a:lnRef>
+          <a:fillRef idx="1">
+            <a:schemeClr val="accent1"/>
+          </a:fillRef>
+          <a:effectRef idx="0">
+            <a:schemeClr val="accent1"/>
+          </a:effectRef>
+          <a:fontRef idx="minor">
+            <a:schemeClr val="lt1"/>
+          </a:fontRef>
+        </p:style>
+        <p:txBody>
+          <a:bodyPr rtlCol="0" anchor="ctr"/>
+          <a:lstStyle/>
+          <a:p>
+            <a:pPr algn="ctr"/>
+            <a:endParaRPr lang="en-US"/>
+          </a:p>
+        </p:txBody>
+      </p:sp>
+      <p:pic>
+        <p:nvPicPr>
+          <p:cNvPr id="8" name="Picture 7" descr="A screenshot of a web page&#10;&#10;Description automatically generated with low confidence">
+            <a:extLst>
+              <a:ext uri="{FF2B5EF4-FFF2-40B4-BE49-F238E27FC236}">
+                <a16:creationId xmlns:a16="http://schemas.microsoft.com/office/drawing/2014/main" id="{583CDE9A-68A1-280B-FC69-8BEC34B95927}"/>
+              </a:ext>
+            </a:extLst>
+          </p:cNvPr>
+          <p:cNvPicPr>
+            <a:picLocks noChangeAspect="1"/>
+          </p:cNvPicPr>
+          <p:nvPr/>
+        </p:nvPicPr>
+        <p:blipFill>
+          <a:blip r:embed="rId3"/>
+          <a:stretch>
+            <a:fillRect/>
+          </a:stretch>
+        </p:blipFill>
+        <p:spPr>
+          <a:xfrm>
+            <a:off x="2755901" y="2332453"/>
+            <a:ext cx="7772400" cy="4478137"/>
+          </a:xfrm>
+          <a:prstGeom prst="rect">
+            <a:avLst/>
+          </a:prstGeom>
+          <a:solidFill>
+            <a:srgbClr val="FFFF00"/>
+          </a:solidFill>
+          <a:ln w="38100">
+            <a:solidFill>
+              <a:schemeClr val="accent1">
+                <a:shade val="50000"/>
+              </a:schemeClr>
+            </a:solidFill>
+          </a:ln>
+        </p:spPr>
+      </p:pic>
     </p:spTree>
     <p:extLst>
       <p:ext uri="{BB962C8B-B14F-4D97-AF65-F5344CB8AC3E}">
-        <p14:creationId xmlns:p14="http://schemas.microsoft.com/office/powerpoint/2010/main" val="1193525604"/>
+        <p14:creationId xmlns:p14="http://schemas.microsoft.com/office/powerpoint/2010/main" val="2665903763"/>
       </p:ext>
     </p:extLst>
   </p:cSld>
   <p:clrMapOvr>
     <a:masterClrMapping/>
   </p:clrMapOvr>
+  <p:timing>
+    <p:tnLst>
+      <p:par>
+        <p:cTn id="1" dur="indefinite" restart="never" nodeType="tmRoot">
+          <p:childTnLst>
+            <p:seq concurrent="1" nextAc="seek">
+              <p:cTn id="2" dur="indefinite" nodeType="mainSeq">
+                <p:childTnLst>
+                  <p:par>
+                    <p:cTn id="3" fill="hold">
+                      <p:stCondLst>
+                        <p:cond delay="indefinite"/>
+                      </p:stCondLst>
+                      <p:childTnLst>
+                        <p:par>
+                          <p:cTn id="4" fill="hold">
+                            <p:stCondLst>
+                              <p:cond delay="0"/>
+                            </p:stCondLst>
+                            <p:childTnLst>
+                              <p:par>
+                                <p:cTn id="5" presetID="2" presetClass="entr" presetSubtype="4" fill="hold" grpId="0" nodeType="clickEffect">
+                                  <p:stCondLst>
+                                    <p:cond delay="0"/>
+                                  </p:stCondLst>
+                                  <p:childTnLst>
+                                    <p:set>
+                                      <p:cBhvr>
+                                        <p:cTn id="6" dur="1" fill="hold">
+                                          <p:stCondLst>
+                                            <p:cond delay="0"/>
+                                          </p:stCondLst>
+                                        </p:cTn>
+                                        <p:tgtEl>
+                                          <p:spTgt spid="3"/>
+                                        </p:tgtEl>
+                                        <p:attrNameLst>
+                                          <p:attrName>style.visibility</p:attrName>
+                                        </p:attrNameLst>
+                                      </p:cBhvr>
+                                      <p:to>
+                                        <p:strVal val="visible"/>
+                                      </p:to>
+                                    </p:set>
+                                    <p:anim calcmode="lin" valueType="num">
+                                      <p:cBhvr additive="base">
+                                        <p:cTn id="7" dur="500" fill="hold"/>
+                                        <p:tgtEl>
+                                          <p:spTgt spid="3"/>
+                                        </p:tgtEl>
+                                        <p:attrNameLst>
+                                          <p:attrName>ppt_x</p:attrName>
+                                        </p:attrNameLst>
+                                      </p:cBhvr>
+                                      <p:tavLst>
+                                        <p:tav tm="0">
+                                          <p:val>
+                                            <p:strVal val="#ppt_x"/>
+                                          </p:val>
+                                        </p:tav>
+                                        <p:tav tm="100000">
+                                          <p:val>
+                                            <p:strVal val="#ppt_x"/>
+                                          </p:val>
+                                        </p:tav>
+                                      </p:tavLst>
+                                    </p:anim>
+                                    <p:anim calcmode="lin" valueType="num">
+                                      <p:cBhvr additive="base">
+                                        <p:cTn id="8" dur="500" fill="hold"/>
+                                        <p:tgtEl>
+                                          <p:spTgt spid="3"/>
+                                        </p:tgtEl>
+                                        <p:attrNameLst>
+                                          <p:attrName>ppt_y</p:attrName>
+                                        </p:attrNameLst>
+                                      </p:cBhvr>
+                                      <p:tavLst>
+                                        <p:tav tm="0">
+                                          <p:val>
+                                            <p:strVal val="1+#ppt_h/2"/>
+                                          </p:val>
+                                        </p:tav>
+                                        <p:tav tm="100000">
+                                          <p:val>
+                                            <p:strVal val="#ppt_y"/>
+                                          </p:val>
+                                        </p:tav>
+                                      </p:tavLst>
+                                    </p:anim>
+                                  </p:childTnLst>
+                                </p:cTn>
+                              </p:par>
+                            </p:childTnLst>
+                          </p:cTn>
+                        </p:par>
+                      </p:childTnLst>
+                    </p:cTn>
+                  </p:par>
+                  <p:par>
+                    <p:cTn id="9" fill="hold">
+                      <p:stCondLst>
+                        <p:cond delay="indefinite"/>
+                      </p:stCondLst>
+                      <p:childTnLst>
+                        <p:par>
+                          <p:cTn id="10" fill="hold">
+                            <p:stCondLst>
+                              <p:cond delay="0"/>
+                            </p:stCondLst>
+                            <p:childTnLst>
+                              <p:par>
+                                <p:cTn id="11" presetID="2" presetClass="entr" presetSubtype="4" fill="hold" nodeType="clickEffect">
+                                  <p:stCondLst>
+                                    <p:cond delay="0"/>
+                                  </p:stCondLst>
+                                  <p:childTnLst>
+                                    <p:set>
+                                      <p:cBhvr>
+                                        <p:cTn id="12" dur="1" fill="hold">
+                                          <p:stCondLst>
+                                            <p:cond delay="0"/>
+                                          </p:stCondLst>
+                                        </p:cTn>
+                                        <p:tgtEl>
+                                          <p:spTgt spid="8"/>
+                                        </p:tgtEl>
+                                        <p:attrNameLst>
+                                          <p:attrName>style.visibility</p:attrName>
+                                        </p:attrNameLst>
+                                      </p:cBhvr>
+                                      <p:to>
+                                        <p:strVal val="visible"/>
+                                      </p:to>
+                                    </p:set>
+                                    <p:anim calcmode="lin" valueType="num">
+                                      <p:cBhvr additive="base">
+                                        <p:cTn id="13" dur="500" fill="hold"/>
+                                        <p:tgtEl>
+                                          <p:spTgt spid="8"/>
+                                        </p:tgtEl>
+                                        <p:attrNameLst>
+                                          <p:attrName>ppt_x</p:attrName>
+                                        </p:attrNameLst>
+                                      </p:cBhvr>
+                                      <p:tavLst>
+                                        <p:tav tm="0">
+                                          <p:val>
+                                            <p:strVal val="#ppt_x"/>
+                                          </p:val>
+                                        </p:tav>
+                                        <p:tav tm="100000">
+                                          <p:val>
+                                            <p:strVal val="#ppt_x"/>
+                                          </p:val>
+                                        </p:tav>
+                                      </p:tavLst>
+                                    </p:anim>
+                                    <p:anim calcmode="lin" valueType="num">
+                                      <p:cBhvr additive="base">
+                                        <p:cTn id="14" dur="500" fill="hold"/>
+                                        <p:tgtEl>
+                                          <p:spTgt spid="8"/>
+                                        </p:tgtEl>
+                                        <p:attrNameLst>
+                                          <p:attrName>ppt_y</p:attrName>
+                                        </p:attrNameLst>
+                                      </p:cBhvr>
+                                      <p:tavLst>
+                                        <p:tav tm="0">
+                                          <p:val>
+                                            <p:strVal val="1+#ppt_h/2"/>
+                                          </p:val>
+                                        </p:tav>
+                                        <p:tav tm="100000">
+                                          <p:val>
+                                            <p:strVal val="#ppt_y"/>
+                                          </p:val>
+                                        </p:tav>
+                                      </p:tavLst>
+                                    </p:anim>
+                                  </p:childTnLst>
+                                </p:cTn>
+                              </p:par>
+                            </p:childTnLst>
+                          </p:cTn>
+                        </p:par>
+                      </p:childTnLst>
+                    </p:cTn>
+                  </p:par>
+                </p:childTnLst>
+              </p:cTn>
+              <p:prevCondLst>
+                <p:cond evt="onPrev" delay="0">
+                  <p:tgtEl>
+                    <p:sldTgt/>
+                  </p:tgtEl>
+                </p:cond>
+              </p:prevCondLst>
+              <p:nextCondLst>
+                <p:cond evt="onNext" delay="0">
+                  <p:tgtEl>
+                    <p:sldTgt/>
+                  </p:tgtEl>
+                </p:cond>
+              </p:nextCondLst>
+            </p:seq>
+          </p:childTnLst>
+        </p:cTn>
+      </p:par>
+    </p:tnLst>
+    <p:bldLst>
+      <p:bldP spid="3" grpId="0" animBg="1"/>
+    </p:bldLst>
+  </p:timing>
 </p:sld>
 </file>
 
@@ -4773,6 +6314,864 @@
       </p:grpSpPr>
       <p:sp>
         <p:nvSpPr>
+          <p:cNvPr id="2" name="Title 1">
+            <a:extLst>
+              <a:ext uri="{FF2B5EF4-FFF2-40B4-BE49-F238E27FC236}">
+                <a16:creationId xmlns:a16="http://schemas.microsoft.com/office/drawing/2014/main" id="{72C3B02E-447B-439D-BA1A-68A91F7CC0DC}"/>
+              </a:ext>
+            </a:extLst>
+          </p:cNvPr>
+          <p:cNvSpPr>
+            <a:spLocks noGrp="1"/>
+          </p:cNvSpPr>
+          <p:nvPr>
+            <p:ph type="title"/>
+          </p:nvPr>
+        </p:nvSpPr>
+        <p:spPr/>
+        <p:txBody>
+          <a:bodyPr/>
+          <a:lstStyle/>
+          <a:p>
+            <a:r>
+              <a:rPr lang="en-US" dirty="0"/>
+              <a:t>Document Similarities:</a:t>
+            </a:r>
+            <a:br>
+              <a:rPr lang="en-US" dirty="0"/>
+            </a:br>
+            <a:r>
+              <a:rPr lang="en-US" dirty="0"/>
+              <a:t>Use Cases</a:t>
+            </a:r>
+          </a:p>
+        </p:txBody>
+      </p:sp>
+      <p:sp>
+        <p:nvSpPr>
+          <p:cNvPr id="5" name="Content Placeholder 4">
+            <a:extLst>
+              <a:ext uri="{FF2B5EF4-FFF2-40B4-BE49-F238E27FC236}">
+                <a16:creationId xmlns:a16="http://schemas.microsoft.com/office/drawing/2014/main" id="{42D62BB0-4E2F-16CB-2C58-8500AE3F6813}"/>
+              </a:ext>
+            </a:extLst>
+          </p:cNvPr>
+          <p:cNvSpPr>
+            <a:spLocks noGrp="1"/>
+          </p:cNvSpPr>
+          <p:nvPr>
+            <p:ph idx="1"/>
+          </p:nvPr>
+        </p:nvSpPr>
+        <p:spPr/>
+        <p:txBody>
+          <a:bodyPr>
+            <a:normAutofit/>
+          </a:bodyPr>
+          <a:lstStyle/>
+          <a:p>
+            <a:r>
+              <a:rPr lang="en-US" dirty="0"/>
+              <a:t>Recommendations</a:t>
+            </a:r>
+          </a:p>
+          <a:p>
+            <a:pPr lvl="1"/>
+            <a:r>
+              <a:rPr lang="en-US" dirty="0"/>
+              <a:t>What should I read?</a:t>
+            </a:r>
+          </a:p>
+          <a:p>
+            <a:pPr lvl="1"/>
+            <a:r>
+              <a:rPr lang="en-US" dirty="0"/>
+              <a:t>What should I cite?</a:t>
+            </a:r>
+          </a:p>
+          <a:p>
+            <a:r>
+              <a:rPr lang="en-US" dirty="0"/>
+              <a:t>Many systems focus on ``relevance’’ (word overlap)</a:t>
+            </a:r>
+          </a:p>
+          <a:p>
+            <a:pPr lvl="1"/>
+            <a:r>
+              <a:rPr lang="en-US" dirty="0"/>
+              <a:t>But don’t recommend dups</a:t>
+            </a:r>
+          </a:p>
+          <a:p>
+            <a:pPr lvl="1"/>
+            <a:r>
+              <a:rPr lang="en-US" dirty="0"/>
+              <a:t>Moreover, credibility is super-important</a:t>
+            </a:r>
+          </a:p>
+          <a:p>
+            <a:pPr lvl="1"/>
+            <a:r>
+              <a:rPr lang="en-US" dirty="0"/>
+              <a:t>Don’t recommend papers that are buzz-word compliant</a:t>
+            </a:r>
+          </a:p>
+          <a:p>
+            <a:pPr lvl="2"/>
+            <a:r>
+              <a:rPr lang="en-US" dirty="0"/>
+              <a:t>But not worth reading</a:t>
+            </a:r>
+          </a:p>
+          <a:p>
+            <a:pPr lvl="2"/>
+            <a:r>
+              <a:rPr lang="en-US" dirty="0"/>
+              <a:t>(Most papers are never cited)</a:t>
+            </a:r>
+          </a:p>
+        </p:txBody>
+      </p:sp>
+      <p:sp>
+        <p:nvSpPr>
+          <p:cNvPr id="11" name="Date Placeholder 10">
+            <a:extLst>
+              <a:ext uri="{FF2B5EF4-FFF2-40B4-BE49-F238E27FC236}">
+                <a16:creationId xmlns:a16="http://schemas.microsoft.com/office/drawing/2014/main" id="{9721B977-8BB2-26AA-8CB5-444FA51AD58E}"/>
+              </a:ext>
+            </a:extLst>
+          </p:cNvPr>
+          <p:cNvSpPr>
+            <a:spLocks noGrp="1"/>
+          </p:cNvSpPr>
+          <p:nvPr>
+            <p:ph type="dt" sz="half" idx="10"/>
+          </p:nvPr>
+        </p:nvSpPr>
+        <p:spPr/>
+        <p:txBody>
+          <a:bodyPr/>
+          <a:lstStyle/>
+          <a:p>
+            <a:r>
+              <a:rPr lang="en-US"/>
+              <a:t>6/21/2023</a:t>
+            </a:r>
+          </a:p>
+        </p:txBody>
+      </p:sp>
+      <p:sp>
+        <p:nvSpPr>
+          <p:cNvPr id="12" name="Slide Number Placeholder 11">
+            <a:extLst>
+              <a:ext uri="{FF2B5EF4-FFF2-40B4-BE49-F238E27FC236}">
+                <a16:creationId xmlns:a16="http://schemas.microsoft.com/office/drawing/2014/main" id="{863A1897-4D5B-E6A1-D0A5-7112CC82A9C9}"/>
+              </a:ext>
+            </a:extLst>
+          </p:cNvPr>
+          <p:cNvSpPr>
+            <a:spLocks noGrp="1"/>
+          </p:cNvSpPr>
+          <p:nvPr>
+            <p:ph type="sldNum" sz="quarter" idx="12"/>
+          </p:nvPr>
+        </p:nvSpPr>
+        <p:spPr/>
+        <p:txBody>
+          <a:bodyPr/>
+          <a:lstStyle/>
+          <a:p>
+            <a:fld id="{A368AD35-EA55-254F-AD80-EFD99CF0F10B}" type="slidenum">
+              <a:rPr lang="en-US" smtClean="0"/>
+              <a:t>4</a:t>
+            </a:fld>
+            <a:endParaRPr lang="en-US"/>
+          </a:p>
+        </p:txBody>
+      </p:sp>
+      <p:pic>
+        <p:nvPicPr>
+          <p:cNvPr id="3" name="Picture 2" descr="A screenshot of a web page&#10;&#10;Description automatically generated with low confidence">
+            <a:extLst>
+              <a:ext uri="{FF2B5EF4-FFF2-40B4-BE49-F238E27FC236}">
+                <a16:creationId xmlns:a16="http://schemas.microsoft.com/office/drawing/2014/main" id="{48CD35AC-DC5B-2B9D-5B2B-9180AEF4C32D}"/>
+              </a:ext>
+            </a:extLst>
+          </p:cNvPr>
+          <p:cNvPicPr>
+            <a:picLocks noChangeAspect="1"/>
+          </p:cNvPicPr>
+          <p:nvPr/>
+        </p:nvPicPr>
+        <p:blipFill>
+          <a:blip r:embed="rId2"/>
+          <a:stretch>
+            <a:fillRect/>
+          </a:stretch>
+        </p:blipFill>
+        <p:spPr>
+          <a:xfrm>
+            <a:off x="6938907" y="136525"/>
+            <a:ext cx="5075294" cy="2924175"/>
+          </a:xfrm>
+          <a:prstGeom prst="rect">
+            <a:avLst/>
+          </a:prstGeom>
+          <a:solidFill>
+            <a:srgbClr val="FFFF00"/>
+          </a:solidFill>
+          <a:ln w="38100">
+            <a:solidFill>
+              <a:schemeClr val="accent1">
+                <a:shade val="50000"/>
+              </a:schemeClr>
+            </a:solidFill>
+          </a:ln>
+        </p:spPr>
+      </p:pic>
+    </p:spTree>
+    <p:extLst>
+      <p:ext uri="{BB962C8B-B14F-4D97-AF65-F5344CB8AC3E}">
+        <p14:creationId xmlns:p14="http://schemas.microsoft.com/office/powerpoint/2010/main" val="634411253"/>
+      </p:ext>
+    </p:extLst>
+  </p:cSld>
+  <p:clrMapOvr>
+    <a:masterClrMapping/>
+  </p:clrMapOvr>
+  <p:timing>
+    <p:tnLst>
+      <p:par>
+        <p:cTn id="1" dur="indefinite" restart="never" nodeType="tmRoot">
+          <p:childTnLst>
+            <p:seq concurrent="1" nextAc="seek">
+              <p:cTn id="2" dur="indefinite" nodeType="mainSeq">
+                <p:childTnLst>
+                  <p:par>
+                    <p:cTn id="3" fill="hold">
+                      <p:stCondLst>
+                        <p:cond delay="indefinite"/>
+                      </p:stCondLst>
+                      <p:childTnLst>
+                        <p:par>
+                          <p:cTn id="4" fill="hold">
+                            <p:stCondLst>
+                              <p:cond delay="0"/>
+                            </p:stCondLst>
+                            <p:childTnLst>
+                              <p:par>
+                                <p:cTn id="5" presetID="1" presetClass="entr" presetSubtype="0" fill="hold" nodeType="clickEffect">
+                                  <p:stCondLst>
+                                    <p:cond delay="0"/>
+                                  </p:stCondLst>
+                                  <p:childTnLst>
+                                    <p:set>
+                                      <p:cBhvr>
+                                        <p:cTn id="6" dur="1" fill="hold">
+                                          <p:stCondLst>
+                                            <p:cond delay="0"/>
+                                          </p:stCondLst>
+                                        </p:cTn>
+                                        <p:tgtEl>
+                                          <p:spTgt spid="5">
+                                            <p:txEl>
+                                              <p:pRg st="3" end="3"/>
+                                            </p:txEl>
+                                          </p:spTgt>
+                                        </p:tgtEl>
+                                        <p:attrNameLst>
+                                          <p:attrName>style.visibility</p:attrName>
+                                        </p:attrNameLst>
+                                      </p:cBhvr>
+                                      <p:to>
+                                        <p:strVal val="visible"/>
+                                      </p:to>
+                                    </p:set>
+                                  </p:childTnLst>
+                                </p:cTn>
+                              </p:par>
+                              <p:par>
+                                <p:cTn id="7" presetID="1" presetClass="entr" presetSubtype="0" fill="hold" nodeType="withEffect">
+                                  <p:stCondLst>
+                                    <p:cond delay="0"/>
+                                  </p:stCondLst>
+                                  <p:childTnLst>
+                                    <p:set>
+                                      <p:cBhvr>
+                                        <p:cTn id="8" dur="1" fill="hold">
+                                          <p:stCondLst>
+                                            <p:cond delay="0"/>
+                                          </p:stCondLst>
+                                        </p:cTn>
+                                        <p:tgtEl>
+                                          <p:spTgt spid="5">
+                                            <p:txEl>
+                                              <p:pRg st="4" end="4"/>
+                                            </p:txEl>
+                                          </p:spTgt>
+                                        </p:tgtEl>
+                                        <p:attrNameLst>
+                                          <p:attrName>style.visibility</p:attrName>
+                                        </p:attrNameLst>
+                                      </p:cBhvr>
+                                      <p:to>
+                                        <p:strVal val="visible"/>
+                                      </p:to>
+                                    </p:set>
+                                  </p:childTnLst>
+                                </p:cTn>
+                              </p:par>
+                              <p:par>
+                                <p:cTn id="9" presetID="2" presetClass="entr" presetSubtype="2" fill="hold" nodeType="withEffect">
+                                  <p:stCondLst>
+                                    <p:cond delay="0"/>
+                                  </p:stCondLst>
+                                  <p:childTnLst>
+                                    <p:set>
+                                      <p:cBhvr>
+                                        <p:cTn id="10" dur="1" fill="hold">
+                                          <p:stCondLst>
+                                            <p:cond delay="0"/>
+                                          </p:stCondLst>
+                                        </p:cTn>
+                                        <p:tgtEl>
+                                          <p:spTgt spid="3"/>
+                                        </p:tgtEl>
+                                        <p:attrNameLst>
+                                          <p:attrName>style.visibility</p:attrName>
+                                        </p:attrNameLst>
+                                      </p:cBhvr>
+                                      <p:to>
+                                        <p:strVal val="visible"/>
+                                      </p:to>
+                                    </p:set>
+                                    <p:anim calcmode="lin" valueType="num">
+                                      <p:cBhvr additive="base">
+                                        <p:cTn id="11" dur="500" fill="hold"/>
+                                        <p:tgtEl>
+                                          <p:spTgt spid="3"/>
+                                        </p:tgtEl>
+                                        <p:attrNameLst>
+                                          <p:attrName>ppt_x</p:attrName>
+                                        </p:attrNameLst>
+                                      </p:cBhvr>
+                                      <p:tavLst>
+                                        <p:tav tm="0">
+                                          <p:val>
+                                            <p:strVal val="1+#ppt_w/2"/>
+                                          </p:val>
+                                        </p:tav>
+                                        <p:tav tm="100000">
+                                          <p:val>
+                                            <p:strVal val="#ppt_x"/>
+                                          </p:val>
+                                        </p:tav>
+                                      </p:tavLst>
+                                    </p:anim>
+                                    <p:anim calcmode="lin" valueType="num">
+                                      <p:cBhvr additive="base">
+                                        <p:cTn id="12" dur="500" fill="hold"/>
+                                        <p:tgtEl>
+                                          <p:spTgt spid="3"/>
+                                        </p:tgtEl>
+                                        <p:attrNameLst>
+                                          <p:attrName>ppt_y</p:attrName>
+                                        </p:attrNameLst>
+                                      </p:cBhvr>
+                                      <p:tavLst>
+                                        <p:tav tm="0">
+                                          <p:val>
+                                            <p:strVal val="#ppt_y"/>
+                                          </p:val>
+                                        </p:tav>
+                                        <p:tav tm="100000">
+                                          <p:val>
+                                            <p:strVal val="#ppt_y"/>
+                                          </p:val>
+                                        </p:tav>
+                                      </p:tavLst>
+                                    </p:anim>
+                                  </p:childTnLst>
+                                </p:cTn>
+                              </p:par>
+                            </p:childTnLst>
+                          </p:cTn>
+                        </p:par>
+                      </p:childTnLst>
+                    </p:cTn>
+                  </p:par>
+                  <p:par>
+                    <p:cTn id="13" fill="hold">
+                      <p:stCondLst>
+                        <p:cond delay="indefinite"/>
+                      </p:stCondLst>
+                      <p:childTnLst>
+                        <p:par>
+                          <p:cTn id="14" fill="hold">
+                            <p:stCondLst>
+                              <p:cond delay="0"/>
+                            </p:stCondLst>
+                            <p:childTnLst>
+                              <p:par>
+                                <p:cTn id="15" presetID="1" presetClass="entr" presetSubtype="0" fill="hold" nodeType="clickEffect">
+                                  <p:stCondLst>
+                                    <p:cond delay="0"/>
+                                  </p:stCondLst>
+                                  <p:childTnLst>
+                                    <p:set>
+                                      <p:cBhvr>
+                                        <p:cTn id="16" dur="1" fill="hold">
+                                          <p:stCondLst>
+                                            <p:cond delay="0"/>
+                                          </p:stCondLst>
+                                        </p:cTn>
+                                        <p:tgtEl>
+                                          <p:spTgt spid="5">
+                                            <p:txEl>
+                                              <p:pRg st="5" end="5"/>
+                                            </p:txEl>
+                                          </p:spTgt>
+                                        </p:tgtEl>
+                                        <p:attrNameLst>
+                                          <p:attrName>style.visibility</p:attrName>
+                                        </p:attrNameLst>
+                                      </p:cBhvr>
+                                      <p:to>
+                                        <p:strVal val="visible"/>
+                                      </p:to>
+                                    </p:set>
+                                  </p:childTnLst>
+                                </p:cTn>
+                              </p:par>
+                            </p:childTnLst>
+                          </p:cTn>
+                        </p:par>
+                      </p:childTnLst>
+                    </p:cTn>
+                  </p:par>
+                  <p:par>
+                    <p:cTn id="17" fill="hold">
+                      <p:stCondLst>
+                        <p:cond delay="indefinite"/>
+                      </p:stCondLst>
+                      <p:childTnLst>
+                        <p:par>
+                          <p:cTn id="18" fill="hold">
+                            <p:stCondLst>
+                              <p:cond delay="0"/>
+                            </p:stCondLst>
+                            <p:childTnLst>
+                              <p:par>
+                                <p:cTn id="19" presetID="1" presetClass="entr" presetSubtype="0" fill="hold" nodeType="clickEffect">
+                                  <p:stCondLst>
+                                    <p:cond delay="0"/>
+                                  </p:stCondLst>
+                                  <p:childTnLst>
+                                    <p:set>
+                                      <p:cBhvr>
+                                        <p:cTn id="20" dur="1" fill="hold">
+                                          <p:stCondLst>
+                                            <p:cond delay="0"/>
+                                          </p:stCondLst>
+                                        </p:cTn>
+                                        <p:tgtEl>
+                                          <p:spTgt spid="5">
+                                            <p:txEl>
+                                              <p:pRg st="6" end="6"/>
+                                            </p:txEl>
+                                          </p:spTgt>
+                                        </p:tgtEl>
+                                        <p:attrNameLst>
+                                          <p:attrName>style.visibility</p:attrName>
+                                        </p:attrNameLst>
+                                      </p:cBhvr>
+                                      <p:to>
+                                        <p:strVal val="visible"/>
+                                      </p:to>
+                                    </p:set>
+                                  </p:childTnLst>
+                                </p:cTn>
+                              </p:par>
+                              <p:par>
+                                <p:cTn id="21" presetID="1" presetClass="entr" presetSubtype="0" fill="hold" nodeType="withEffect">
+                                  <p:stCondLst>
+                                    <p:cond delay="0"/>
+                                  </p:stCondLst>
+                                  <p:childTnLst>
+                                    <p:set>
+                                      <p:cBhvr>
+                                        <p:cTn id="22" dur="1" fill="hold">
+                                          <p:stCondLst>
+                                            <p:cond delay="0"/>
+                                          </p:stCondLst>
+                                        </p:cTn>
+                                        <p:tgtEl>
+                                          <p:spTgt spid="5">
+                                            <p:txEl>
+                                              <p:pRg st="7" end="7"/>
+                                            </p:txEl>
+                                          </p:spTgt>
+                                        </p:tgtEl>
+                                        <p:attrNameLst>
+                                          <p:attrName>style.visibility</p:attrName>
+                                        </p:attrNameLst>
+                                      </p:cBhvr>
+                                      <p:to>
+                                        <p:strVal val="visible"/>
+                                      </p:to>
+                                    </p:set>
+                                  </p:childTnLst>
+                                </p:cTn>
+                              </p:par>
+                              <p:par>
+                                <p:cTn id="23" presetID="1" presetClass="entr" presetSubtype="0" fill="hold" nodeType="withEffect">
+                                  <p:stCondLst>
+                                    <p:cond delay="0"/>
+                                  </p:stCondLst>
+                                  <p:childTnLst>
+                                    <p:set>
+                                      <p:cBhvr>
+                                        <p:cTn id="24" dur="1" fill="hold">
+                                          <p:stCondLst>
+                                            <p:cond delay="0"/>
+                                          </p:stCondLst>
+                                        </p:cTn>
+                                        <p:tgtEl>
+                                          <p:spTgt spid="5">
+                                            <p:txEl>
+                                              <p:pRg st="8" end="8"/>
+                                            </p:txEl>
+                                          </p:spTgt>
+                                        </p:tgtEl>
+                                        <p:attrNameLst>
+                                          <p:attrName>style.visibility</p:attrName>
+                                        </p:attrNameLst>
+                                      </p:cBhvr>
+                                      <p:to>
+                                        <p:strVal val="visible"/>
+                                      </p:to>
+                                    </p:set>
+                                  </p:childTnLst>
+                                </p:cTn>
+                              </p:par>
+                            </p:childTnLst>
+                          </p:cTn>
+                        </p:par>
+                      </p:childTnLst>
+                    </p:cTn>
+                  </p:par>
+                </p:childTnLst>
+              </p:cTn>
+              <p:prevCondLst>
+                <p:cond evt="onPrev" delay="0">
+                  <p:tgtEl>
+                    <p:sldTgt/>
+                  </p:tgtEl>
+                </p:cond>
+              </p:prevCondLst>
+              <p:nextCondLst>
+                <p:cond evt="onNext" delay="0">
+                  <p:tgtEl>
+                    <p:sldTgt/>
+                  </p:tgtEl>
+                </p:cond>
+              </p:nextCondLst>
+            </p:seq>
+          </p:childTnLst>
+        </p:cTn>
+      </p:par>
+    </p:tnLst>
+  </p:timing>
+</p:sld>
+</file>
+
+<file path=ppt/slides/slide5.xml><?xml version="1.0" encoding="utf-8"?>
+<p:sld xmlns:a="http://schemas.openxmlformats.org/drawingml/2006/main" xmlns:r="http://schemas.openxmlformats.org/officeDocument/2006/relationships" xmlns:p="http://schemas.openxmlformats.org/presentationml/2006/main">
+  <p:cSld>
+    <p:spTree>
+      <p:nvGrpSpPr>
+        <p:cNvPr id="1" name=""/>
+        <p:cNvGrpSpPr/>
+        <p:nvPr/>
+      </p:nvGrpSpPr>
+      <p:grpSpPr>
+        <a:xfrm>
+          <a:off x="0" y="0"/>
+          <a:ext cx="0" cy="0"/>
+          <a:chOff x="0" y="0"/>
+          <a:chExt cx="0" cy="0"/>
+        </a:xfrm>
+      </p:grpSpPr>
+      <p:sp>
+        <p:nvSpPr>
+          <p:cNvPr id="2" name="Title 1">
+            <a:extLst>
+              <a:ext uri="{FF2B5EF4-FFF2-40B4-BE49-F238E27FC236}">
+                <a16:creationId xmlns:a16="http://schemas.microsoft.com/office/drawing/2014/main" id="{AB67D94C-30EB-86EB-FADB-84E1939B3A01}"/>
+              </a:ext>
+            </a:extLst>
+          </p:cNvPr>
+          <p:cNvSpPr>
+            <a:spLocks noGrp="1"/>
+          </p:cNvSpPr>
+          <p:nvPr>
+            <p:ph type="title"/>
+          </p:nvPr>
+        </p:nvSpPr>
+        <p:spPr/>
+        <p:txBody>
+          <a:bodyPr/>
+          <a:lstStyle/>
+          <a:p>
+            <a:r>
+              <a:rPr lang="en-US" dirty="0"/>
+              <a:t>Realities</a:t>
+            </a:r>
+          </a:p>
+        </p:txBody>
+      </p:sp>
+      <p:sp>
+        <p:nvSpPr>
+          <p:cNvPr id="5" name="Text Placeholder 4">
+            <a:extLst>
+              <a:ext uri="{FF2B5EF4-FFF2-40B4-BE49-F238E27FC236}">
+                <a16:creationId xmlns:a16="http://schemas.microsoft.com/office/drawing/2014/main" id="{768C83F4-AE8C-A03D-6E96-535E84AA12D2}"/>
+              </a:ext>
+            </a:extLst>
+          </p:cNvPr>
+          <p:cNvSpPr>
+            <a:spLocks noGrp="1"/>
+          </p:cNvSpPr>
+          <p:nvPr>
+            <p:ph type="body" idx="1"/>
+          </p:nvPr>
+        </p:nvSpPr>
+        <p:spPr/>
+        <p:txBody>
+          <a:bodyPr/>
+          <a:lstStyle/>
+          <a:p>
+            <a:r>
+              <a:rPr lang="en-US" dirty="0"/>
+              <a:t>The Real World</a:t>
+            </a:r>
+          </a:p>
+        </p:txBody>
+      </p:sp>
+      <p:sp>
+        <p:nvSpPr>
+          <p:cNvPr id="3" name="Content Placeholder 2">
+            <a:extLst>
+              <a:ext uri="{FF2B5EF4-FFF2-40B4-BE49-F238E27FC236}">
+                <a16:creationId xmlns:a16="http://schemas.microsoft.com/office/drawing/2014/main" id="{5BE81111-2624-6506-E346-C0614B2DE863}"/>
+              </a:ext>
+            </a:extLst>
+          </p:cNvPr>
+          <p:cNvSpPr>
+            <a:spLocks noGrp="1"/>
+          </p:cNvSpPr>
+          <p:nvPr>
+            <p:ph sz="half" idx="2"/>
+          </p:nvPr>
+        </p:nvSpPr>
+        <p:spPr/>
+        <p:txBody>
+          <a:bodyPr/>
+          <a:lstStyle/>
+          <a:p>
+            <a:r>
+              <a:rPr lang="en-US" dirty="0"/>
+              <a:t>Large </a:t>
+            </a:r>
+          </a:p>
+          <a:p>
+            <a:r>
+              <a:rPr lang="en-US" dirty="0"/>
+              <a:t>Growing</a:t>
+            </a:r>
+          </a:p>
+          <a:p>
+            <a:r>
+              <a:rPr lang="en-US" dirty="0"/>
+              <a:t>Dirty</a:t>
+            </a:r>
+          </a:p>
+          <a:p>
+            <a:pPr lvl="1"/>
+            <a:r>
+              <a:rPr lang="en-US" dirty="0"/>
+              <a:t>Missing Values</a:t>
+            </a:r>
+          </a:p>
+          <a:p>
+            <a:pPr lvl="1"/>
+            <a:r>
+              <a:rPr lang="en-US" dirty="0"/>
+              <a:t>Bad/misleading Values</a:t>
+            </a:r>
+          </a:p>
+          <a:p>
+            <a:endParaRPr lang="en-US" dirty="0"/>
+          </a:p>
+        </p:txBody>
+      </p:sp>
+      <p:sp>
+        <p:nvSpPr>
+          <p:cNvPr id="6" name="Text Placeholder 5">
+            <a:extLst>
+              <a:ext uri="{FF2B5EF4-FFF2-40B4-BE49-F238E27FC236}">
+                <a16:creationId xmlns:a16="http://schemas.microsoft.com/office/drawing/2014/main" id="{3C5481EC-9918-3472-94AD-822C57F93704}"/>
+              </a:ext>
+            </a:extLst>
+          </p:cNvPr>
+          <p:cNvSpPr>
+            <a:spLocks noGrp="1"/>
+          </p:cNvSpPr>
+          <p:nvPr>
+            <p:ph type="body" sz="quarter" idx="3"/>
+          </p:nvPr>
+        </p:nvSpPr>
+        <p:spPr/>
+        <p:txBody>
+          <a:bodyPr/>
+          <a:lstStyle/>
+          <a:p>
+            <a:r>
+              <a:rPr lang="en-US" dirty="0"/>
+              <a:t>Idealizations (Evaluation Benchmarks)</a:t>
+            </a:r>
+          </a:p>
+        </p:txBody>
+      </p:sp>
+      <p:sp>
+        <p:nvSpPr>
+          <p:cNvPr id="7" name="Content Placeholder 6">
+            <a:extLst>
+              <a:ext uri="{FF2B5EF4-FFF2-40B4-BE49-F238E27FC236}">
+                <a16:creationId xmlns:a16="http://schemas.microsoft.com/office/drawing/2014/main" id="{E758F134-5607-4419-2D48-285922219F37}"/>
+              </a:ext>
+            </a:extLst>
+          </p:cNvPr>
+          <p:cNvSpPr>
+            <a:spLocks noGrp="1"/>
+          </p:cNvSpPr>
+          <p:nvPr>
+            <p:ph sz="quarter" idx="4"/>
+          </p:nvPr>
+        </p:nvSpPr>
+        <p:spPr/>
+        <p:txBody>
+          <a:bodyPr/>
+          <a:lstStyle/>
+          <a:p>
+            <a:r>
+              <a:rPr lang="en-US" dirty="0"/>
+              <a:t>Small</a:t>
+            </a:r>
+          </a:p>
+          <a:p>
+            <a:r>
+              <a:rPr lang="en-US" dirty="0"/>
+              <a:t>Static</a:t>
+            </a:r>
+          </a:p>
+          <a:p>
+            <a:r>
+              <a:rPr lang="en-US" dirty="0"/>
+              <a:t>Clean</a:t>
+            </a:r>
+          </a:p>
+        </p:txBody>
+      </p:sp>
+      <p:sp>
+        <p:nvSpPr>
+          <p:cNvPr id="8" name="Date Placeholder 7">
+            <a:extLst>
+              <a:ext uri="{FF2B5EF4-FFF2-40B4-BE49-F238E27FC236}">
+                <a16:creationId xmlns:a16="http://schemas.microsoft.com/office/drawing/2014/main" id="{40BFA723-4A6F-0124-E60C-88ECEFA139FC}"/>
+              </a:ext>
+            </a:extLst>
+          </p:cNvPr>
+          <p:cNvSpPr>
+            <a:spLocks noGrp="1"/>
+          </p:cNvSpPr>
+          <p:nvPr>
+            <p:ph type="dt" sz="half" idx="10"/>
+          </p:nvPr>
+        </p:nvSpPr>
+        <p:spPr/>
+        <p:txBody>
+          <a:bodyPr/>
+          <a:lstStyle/>
+          <a:p>
+            <a:r>
+              <a:rPr lang="en-US"/>
+              <a:t>6/21/2023</a:t>
+            </a:r>
+          </a:p>
+        </p:txBody>
+      </p:sp>
+      <p:sp>
+        <p:nvSpPr>
+          <p:cNvPr id="9" name="Slide Number Placeholder 8">
+            <a:extLst>
+              <a:ext uri="{FF2B5EF4-FFF2-40B4-BE49-F238E27FC236}">
+                <a16:creationId xmlns:a16="http://schemas.microsoft.com/office/drawing/2014/main" id="{ED11E133-0A46-4F56-3AB4-2ECD85D141CF}"/>
+              </a:ext>
+            </a:extLst>
+          </p:cNvPr>
+          <p:cNvSpPr>
+            <a:spLocks noGrp="1"/>
+          </p:cNvSpPr>
+          <p:nvPr>
+            <p:ph type="sldNum" sz="quarter" idx="12"/>
+          </p:nvPr>
+        </p:nvSpPr>
+        <p:spPr/>
+        <p:txBody>
+          <a:bodyPr/>
+          <a:lstStyle/>
+          <a:p>
+            <a:fld id="{A368AD35-EA55-254F-AD80-EFD99CF0F10B}" type="slidenum">
+              <a:rPr lang="en-US" smtClean="0"/>
+              <a:t>5</a:t>
+            </a:fld>
+            <a:endParaRPr lang="en-US"/>
+          </a:p>
+        </p:txBody>
+      </p:sp>
+    </p:spTree>
+    <p:extLst>
+      <p:ext uri="{BB962C8B-B14F-4D97-AF65-F5344CB8AC3E}">
+        <p14:creationId xmlns:p14="http://schemas.microsoft.com/office/powerpoint/2010/main" val="1193525604"/>
+      </p:ext>
+    </p:extLst>
+  </p:cSld>
+  <p:clrMapOvr>
+    <a:masterClrMapping/>
+  </p:clrMapOvr>
+</p:sld>
+</file>
+
+<file path=ppt/slides/slide6.xml><?xml version="1.0" encoding="utf-8"?>
+<p:sld xmlns:a="http://schemas.openxmlformats.org/drawingml/2006/main" xmlns:r="http://schemas.openxmlformats.org/officeDocument/2006/relationships" xmlns:p="http://schemas.openxmlformats.org/presentationml/2006/main">
+  <p:cSld>
+    <p:spTree>
+      <p:nvGrpSpPr>
+        <p:cNvPr id="1" name=""/>
+        <p:cNvGrpSpPr/>
+        <p:nvPr/>
+      </p:nvGrpSpPr>
+      <p:grpSpPr>
+        <a:xfrm>
+          <a:off x="0" y="0"/>
+          <a:ext cx="0" cy="0"/>
+          <a:chOff x="0" y="0"/>
+          <a:chExt cx="0" cy="0"/>
+        </a:xfrm>
+      </p:grpSpPr>
+      <p:sp>
+        <p:nvSpPr>
           <p:cNvPr id="7" name="Title 6">
             <a:extLst>
               <a:ext uri="{FF2B5EF4-FFF2-40B4-BE49-F238E27FC236}">
@@ -4928,7 +7327,7 @@
           <a:p>
             <a:fld id="{A368AD35-EA55-254F-AD80-EFD99CF0F10B}" type="slidenum">
               <a:rPr lang="en-US" smtClean="0"/>
-              <a:t>4</a:t>
+              <a:t>6</a:t>
             </a:fld>
             <a:endParaRPr lang="en-US"/>
           </a:p>
@@ -4947,7 +7346,7 @@
 </p:sld>
 </file>
 
-<file path=ppt/slides/slide5.xml><?xml version="1.0" encoding="utf-8"?>
+<file path=ppt/slides/slide7.xml><?xml version="1.0" encoding="utf-8"?>
 <p:sld xmlns:a="http://schemas.openxmlformats.org/drawingml/2006/main" xmlns:r="http://schemas.openxmlformats.org/officeDocument/2006/relationships" xmlns:p="http://schemas.openxmlformats.org/presentationml/2006/main">
   <p:cSld>
     <p:spTree>
@@ -5181,7 +7580,7 @@
           <a:p>
             <a:fld id="{A368AD35-EA55-254F-AD80-EFD99CF0F10B}" type="slidenum">
               <a:rPr lang="en-US" smtClean="0"/>
-              <a:t>5</a:t>
+              <a:t>7</a:t>
             </a:fld>
             <a:endParaRPr lang="en-US"/>
           </a:p>
@@ -5264,42 +7663,39 @@
             <a:pPr lvl="1"/>
             <a:r>
               <a:rPr lang="en-US" dirty="0"/>
-              <a:t>Post </a:t>
+              <a:t>Post model on </a:t>
+            </a:r>
+            <a:r>
+              <a:rPr lang="en-US" dirty="0" err="1"/>
+              <a:t>HuggingFace</a:t>
+            </a:r>
+            <a:endParaRPr lang="en-US" dirty="0"/>
+          </a:p>
+          <a:p>
+            <a:pPr lvl="1"/>
+            <a:r>
+              <a:rPr lang="en-US" dirty="0"/>
+              <a:t>COVID happens</a:t>
+            </a:r>
+          </a:p>
+          <a:p>
+            <a:pPr lvl="1"/>
+            <a:r>
+              <a:rPr lang="en-US" dirty="0"/>
+              <a:t>How long are models good for?</a:t>
+            </a:r>
+          </a:p>
+          <a:p>
+            <a:pPr lvl="2"/>
+            <a:r>
+              <a:rPr lang="en-US" dirty="0"/>
+              <a:t>Sell-by dates for </a:t>
             </a:r>
             <a:r>
               <a:rPr lang="en-US" dirty="0" err="1"/>
               <a:t>SciBERT</a:t>
             </a:r>
-            <a:r>
-              <a:rPr lang="en-US" dirty="0"/>
-              <a:t> on </a:t>
-            </a:r>
-            <a:r>
-              <a:rPr lang="en-US" dirty="0" err="1"/>
-              <a:t>HuggingFace</a:t>
-            </a:r>
             <a:endParaRPr lang="en-US" dirty="0"/>
-          </a:p>
-          <a:p>
-            <a:pPr lvl="1"/>
-            <a:r>
-              <a:rPr lang="en-US" dirty="0"/>
-              <a:t>COVID happens</a:t>
-            </a:r>
-          </a:p>
-          <a:p>
-            <a:pPr lvl="1"/>
-            <a:r>
-              <a:rPr lang="en-US" dirty="0"/>
-              <a:t>How long are models good for?</a:t>
-            </a:r>
-          </a:p>
-          <a:p>
-            <a:pPr lvl="2"/>
-            <a:r>
-              <a:rPr lang="en-US" dirty="0"/>
-              <a:t>Sell-by dates for models</a:t>
-            </a:r>
           </a:p>
           <a:p>
             <a:pPr lvl="1"/>
@@ -5775,562 +8171,6 @@
 </p:sld>
 </file>
 
-<file path=ppt/slides/slide6.xml><?xml version="1.0" encoding="utf-8"?>
-<p:sld xmlns:a="http://schemas.openxmlformats.org/drawingml/2006/main" xmlns:r="http://schemas.openxmlformats.org/officeDocument/2006/relationships" xmlns:p="http://schemas.openxmlformats.org/presentationml/2006/main">
-  <p:cSld>
-    <p:spTree>
-      <p:nvGrpSpPr>
-        <p:cNvPr id="1" name=""/>
-        <p:cNvGrpSpPr/>
-        <p:nvPr/>
-      </p:nvGrpSpPr>
-      <p:grpSpPr>
-        <a:xfrm>
-          <a:off x="0" y="0"/>
-          <a:ext cx="0" cy="0"/>
-          <a:chOff x="0" y="0"/>
-          <a:chExt cx="0" cy="0"/>
-        </a:xfrm>
-      </p:grpSpPr>
-      <p:sp>
-        <p:nvSpPr>
-          <p:cNvPr id="2" name="Title 1">
-            <a:extLst>
-              <a:ext uri="{FF2B5EF4-FFF2-40B4-BE49-F238E27FC236}">
-                <a16:creationId xmlns:a16="http://schemas.microsoft.com/office/drawing/2014/main" id="{7586C873-DFE4-FE78-B581-8BA7C12D9F91}"/>
-              </a:ext>
-            </a:extLst>
-          </p:cNvPr>
-          <p:cNvSpPr>
-            <a:spLocks noGrp="1"/>
-          </p:cNvSpPr>
-          <p:nvPr>
-            <p:ph type="title"/>
-          </p:nvPr>
-        </p:nvSpPr>
-        <p:spPr/>
-        <p:txBody>
-          <a:bodyPr>
-            <a:normAutofit fontScale="90000"/>
-          </a:bodyPr>
-          <a:lstStyle/>
-          <a:p>
-            <a:r>
-              <a:rPr lang="en-US" sz="4000" dirty="0"/>
-              <a:t>Value: Author Contributions + Audience Appreciation</a:t>
-            </a:r>
-            <a:br>
-              <a:rPr lang="en-US" sz="4000" dirty="0"/>
-            </a:br>
-            <a:r>
-              <a:rPr lang="en-US" sz="4000" dirty="0"/>
-              <a:t>(Literature is a conversation, like social media)</a:t>
-            </a:r>
-          </a:p>
-        </p:txBody>
-      </p:sp>
-      <p:sp>
-        <p:nvSpPr>
-          <p:cNvPr id="11" name="Content Placeholder 10">
-            <a:extLst>
-              <a:ext uri="{FF2B5EF4-FFF2-40B4-BE49-F238E27FC236}">
-                <a16:creationId xmlns:a16="http://schemas.microsoft.com/office/drawing/2014/main" id="{C27F6A21-D064-D9B1-FBBF-786A8F0D5AB3}"/>
-              </a:ext>
-            </a:extLst>
-          </p:cNvPr>
-          <p:cNvSpPr>
-            <a:spLocks noGrp="1"/>
-          </p:cNvSpPr>
-          <p:nvPr>
-            <p:ph sz="half" idx="1"/>
-          </p:nvPr>
-        </p:nvSpPr>
-        <p:spPr/>
-        <p:txBody>
-          <a:bodyPr/>
-          <a:lstStyle/>
-          <a:p>
-            <a:r>
-              <a:rPr lang="en-US" dirty="0"/>
-              <a:t>Author Contributions</a:t>
-            </a:r>
-          </a:p>
-          <a:p>
-            <a:pPr lvl="1"/>
-            <a:r>
-              <a:rPr lang="en-US" dirty="0"/>
-              <a:t>Time Invariant</a:t>
-            </a:r>
-          </a:p>
-          <a:p>
-            <a:pPr lvl="1"/>
-            <a:r>
-              <a:rPr lang="en-US" dirty="0"/>
-              <a:t>Does not change after publication</a:t>
-            </a:r>
-          </a:p>
-          <a:p>
-            <a:r>
-              <a:rPr lang="en-US" dirty="0"/>
-              <a:t>Audience Appreciation</a:t>
-            </a:r>
-          </a:p>
-          <a:p>
-            <a:pPr lvl="1"/>
-            <a:r>
-              <a:rPr lang="en-US" dirty="0"/>
-              <a:t>Evolves over time</a:t>
-            </a:r>
-          </a:p>
-          <a:p>
-            <a:pPr lvl="1"/>
-            <a:r>
-              <a:rPr lang="en-US" dirty="0"/>
-              <a:t>Behavioral Signals</a:t>
-            </a:r>
-          </a:p>
-          <a:p>
-            <a:pPr lvl="2"/>
-            <a:r>
-              <a:rPr lang="en-US" dirty="0"/>
-              <a:t>Views</a:t>
-            </a:r>
-          </a:p>
-          <a:p>
-            <a:pPr lvl="2"/>
-            <a:r>
-              <a:rPr lang="en-US" dirty="0"/>
-              <a:t>Citations</a:t>
-            </a:r>
-          </a:p>
-        </p:txBody>
-      </p:sp>
-      <p:pic>
-        <p:nvPicPr>
-          <p:cNvPr id="14" name="Content Placeholder 13" descr="A picture containing line, plot, slope, screenshot&#10;&#10;Description automatically generated">
-            <a:extLst>
-              <a:ext uri="{FF2B5EF4-FFF2-40B4-BE49-F238E27FC236}">
-                <a16:creationId xmlns:a16="http://schemas.microsoft.com/office/drawing/2014/main" id="{29FD0CD3-55A8-DCDB-13B3-DD2570C90488}"/>
-              </a:ext>
-            </a:extLst>
-          </p:cNvPr>
-          <p:cNvPicPr>
-            <a:picLocks noGrp="1" noChangeAspect="1"/>
-          </p:cNvPicPr>
-          <p:nvPr>
-            <p:ph sz="half" idx="2"/>
-          </p:nvPr>
-        </p:nvPicPr>
-        <p:blipFill>
-          <a:blip r:embed="rId2"/>
-          <a:stretch>
-            <a:fillRect/>
-          </a:stretch>
-        </p:blipFill>
-        <p:spPr>
-          <a:xfrm>
-            <a:off x="4607759" y="3429000"/>
-            <a:ext cx="7509092" cy="3063875"/>
-          </a:xfrm>
-        </p:spPr>
-      </p:pic>
-      <p:sp>
-        <p:nvSpPr>
-          <p:cNvPr id="5" name="Date Placeholder 4">
-            <a:extLst>
-              <a:ext uri="{FF2B5EF4-FFF2-40B4-BE49-F238E27FC236}">
-                <a16:creationId xmlns:a16="http://schemas.microsoft.com/office/drawing/2014/main" id="{0EF05CAE-F0AE-C05F-9F48-4DE2DD3D87B6}"/>
-              </a:ext>
-            </a:extLst>
-          </p:cNvPr>
-          <p:cNvSpPr>
-            <a:spLocks noGrp="1"/>
-          </p:cNvSpPr>
-          <p:nvPr>
-            <p:ph type="dt" sz="half" idx="10"/>
-          </p:nvPr>
-        </p:nvSpPr>
-        <p:spPr/>
-        <p:txBody>
-          <a:bodyPr/>
-          <a:lstStyle/>
-          <a:p>
-            <a:r>
-              <a:rPr lang="en-US"/>
-              <a:t>6/21/2023</a:t>
-            </a:r>
-          </a:p>
-        </p:txBody>
-      </p:sp>
-      <p:sp>
-        <p:nvSpPr>
-          <p:cNvPr id="6" name="Slide Number Placeholder 5">
-            <a:extLst>
-              <a:ext uri="{FF2B5EF4-FFF2-40B4-BE49-F238E27FC236}">
-                <a16:creationId xmlns:a16="http://schemas.microsoft.com/office/drawing/2014/main" id="{7F30A684-EEDF-7FA0-EB87-A19DCCCDD12D}"/>
-              </a:ext>
-            </a:extLst>
-          </p:cNvPr>
-          <p:cNvSpPr>
-            <a:spLocks noGrp="1"/>
-          </p:cNvSpPr>
-          <p:nvPr>
-            <p:ph type="sldNum" sz="quarter" idx="12"/>
-          </p:nvPr>
-        </p:nvSpPr>
-        <p:spPr/>
-        <p:txBody>
-          <a:bodyPr/>
-          <a:lstStyle/>
-          <a:p>
-            <a:fld id="{A368AD35-EA55-254F-AD80-EFD99CF0F10B}" type="slidenum">
-              <a:rPr lang="en-US" smtClean="0"/>
-              <a:t>6</a:t>
-            </a:fld>
-            <a:endParaRPr lang="en-US"/>
-          </a:p>
-        </p:txBody>
-      </p:sp>
-      <p:pic>
-        <p:nvPicPr>
-          <p:cNvPr id="16" name="Picture 15" descr="A screenshot of a website&#10;&#10;Description automatically generated with low confidence">
-            <a:extLst>
-              <a:ext uri="{FF2B5EF4-FFF2-40B4-BE49-F238E27FC236}">
-                <a16:creationId xmlns:a16="http://schemas.microsoft.com/office/drawing/2014/main" id="{B6526378-7E19-E707-3412-320D41D30606}"/>
-              </a:ext>
-            </a:extLst>
-          </p:cNvPr>
-          <p:cNvPicPr>
-            <a:picLocks noChangeAspect="1"/>
-          </p:cNvPicPr>
-          <p:nvPr/>
-        </p:nvPicPr>
-        <p:blipFill>
-          <a:blip r:embed="rId3"/>
-          <a:stretch>
-            <a:fillRect/>
-          </a:stretch>
-        </p:blipFill>
-        <p:spPr>
-          <a:xfrm>
-            <a:off x="5965102" y="1783720"/>
-            <a:ext cx="6073446" cy="1583793"/>
-          </a:xfrm>
-          <a:prstGeom prst="rect">
-            <a:avLst/>
-          </a:prstGeom>
-        </p:spPr>
-      </p:pic>
-      <p:sp>
-        <p:nvSpPr>
-          <p:cNvPr id="17" name="Down Arrow 16">
-            <a:extLst>
-              <a:ext uri="{FF2B5EF4-FFF2-40B4-BE49-F238E27FC236}">
-                <a16:creationId xmlns:a16="http://schemas.microsoft.com/office/drawing/2014/main" id="{CBD77A7D-C7AA-16B1-27ED-EABE17720358}"/>
-              </a:ext>
-            </a:extLst>
-          </p:cNvPr>
-          <p:cNvSpPr/>
-          <p:nvPr/>
-        </p:nvSpPr>
-        <p:spPr>
-          <a:xfrm rot="10800000">
-            <a:off x="7649429" y="4527857"/>
-            <a:ext cx="484632" cy="978408"/>
-          </a:xfrm>
-          <a:prstGeom prst="downArrow">
-            <a:avLst/>
-          </a:prstGeom>
-        </p:spPr>
-        <p:style>
-          <a:lnRef idx="2">
-            <a:schemeClr val="accent1">
-              <a:shade val="50000"/>
-            </a:schemeClr>
-          </a:lnRef>
-          <a:fillRef idx="1">
-            <a:schemeClr val="accent1"/>
-          </a:fillRef>
-          <a:effectRef idx="0">
-            <a:schemeClr val="accent1"/>
-          </a:effectRef>
-          <a:fontRef idx="minor">
-            <a:schemeClr val="lt1"/>
-          </a:fontRef>
-        </p:style>
-        <p:txBody>
-          <a:bodyPr rtlCol="0" anchor="ctr"/>
-          <a:lstStyle/>
-          <a:p>
-            <a:pPr algn="ctr"/>
-            <a:endParaRPr lang="en-US"/>
-          </a:p>
-        </p:txBody>
-      </p:sp>
-      <p:sp>
-        <p:nvSpPr>
-          <p:cNvPr id="3" name="TextBox 2">
-            <a:extLst>
-              <a:ext uri="{FF2B5EF4-FFF2-40B4-BE49-F238E27FC236}">
-                <a16:creationId xmlns:a16="http://schemas.microsoft.com/office/drawing/2014/main" id="{017EED86-4DBD-EEE3-0F7F-B2C1C34043C9}"/>
-              </a:ext>
-            </a:extLst>
-          </p:cNvPr>
-          <p:cNvSpPr txBox="1"/>
-          <p:nvPr/>
-        </p:nvSpPr>
-        <p:spPr>
-          <a:xfrm>
-            <a:off x="189677" y="5156021"/>
-            <a:ext cx="4429958" cy="1200329"/>
-          </a:xfrm>
-          <a:prstGeom prst="rect">
-            <a:avLst/>
-          </a:prstGeom>
-          <a:solidFill>
-            <a:srgbClr val="FFFF00"/>
-          </a:solidFill>
-        </p:spPr>
-        <p:txBody>
-          <a:bodyPr wrap="square" rtlCol="0" anchor="ctr">
-            <a:spAutoFit/>
-          </a:bodyPr>
-          <a:lstStyle/>
-          <a:p>
-            <a:r>
-              <a:rPr lang="en-US" sz="2400" b="0" i="1" dirty="0">
-                <a:solidFill>
-                  <a:srgbClr val="212121"/>
-                </a:solidFill>
-                <a:effectLst/>
-                <a:latin typeface="system-ui"/>
-              </a:rPr>
-              <a:t>It is difficult to make predictions, especially about the future.</a:t>
-            </a:r>
-          </a:p>
-          <a:p>
-            <a:r>
-              <a:rPr lang="en-US" sz="2400" i="1" dirty="0">
-                <a:solidFill>
-                  <a:srgbClr val="212121"/>
-                </a:solidFill>
-                <a:latin typeface="system-ui"/>
-              </a:rPr>
-              <a:t>	-- </a:t>
-            </a:r>
-            <a:r>
-              <a:rPr lang="en-US" sz="2400" b="0" i="0" dirty="0">
-                <a:solidFill>
-                  <a:srgbClr val="212121"/>
-                </a:solidFill>
-                <a:effectLst/>
-                <a:latin typeface="system-ui"/>
-              </a:rPr>
-              <a:t>Yogi Berra</a:t>
-            </a:r>
-            <a:endParaRPr lang="en-US" sz="2400" b="0" i="1" dirty="0">
-              <a:solidFill>
-                <a:srgbClr val="212121"/>
-              </a:solidFill>
-              <a:effectLst/>
-              <a:latin typeface="system-ui"/>
-            </a:endParaRPr>
-          </a:p>
-        </p:txBody>
-      </p:sp>
-    </p:spTree>
-    <p:extLst>
-      <p:ext uri="{BB962C8B-B14F-4D97-AF65-F5344CB8AC3E}">
-        <p14:creationId xmlns:p14="http://schemas.microsoft.com/office/powerpoint/2010/main" val="2200169268"/>
-      </p:ext>
-    </p:extLst>
-  </p:cSld>
-  <p:clrMapOvr>
-    <a:masterClrMapping/>
-  </p:clrMapOvr>
-</p:sld>
-</file>
-
-<file path=ppt/slides/slide7.xml><?xml version="1.0" encoding="utf-8"?>
-<p:sld xmlns:a="http://schemas.openxmlformats.org/drawingml/2006/main" xmlns:r="http://schemas.openxmlformats.org/officeDocument/2006/relationships" xmlns:p="http://schemas.openxmlformats.org/presentationml/2006/main">
-  <p:cSld>
-    <p:spTree>
-      <p:nvGrpSpPr>
-        <p:cNvPr id="1" name=""/>
-        <p:cNvGrpSpPr/>
-        <p:nvPr/>
-      </p:nvGrpSpPr>
-      <p:grpSpPr>
-        <a:xfrm>
-          <a:off x="0" y="0"/>
-          <a:ext cx="0" cy="0"/>
-          <a:chOff x="0" y="0"/>
-          <a:chExt cx="0" cy="0"/>
-        </a:xfrm>
-      </p:grpSpPr>
-      <p:sp>
-        <p:nvSpPr>
-          <p:cNvPr id="2" name="Title 1">
-            <a:extLst>
-              <a:ext uri="{FF2B5EF4-FFF2-40B4-BE49-F238E27FC236}">
-                <a16:creationId xmlns:a16="http://schemas.microsoft.com/office/drawing/2014/main" id="{4FF2886D-FA82-7B4F-3413-7A9981D2C24E}"/>
-              </a:ext>
-            </a:extLst>
-          </p:cNvPr>
-          <p:cNvSpPr>
-            <a:spLocks noGrp="1"/>
-          </p:cNvSpPr>
-          <p:nvPr>
-            <p:ph type="title"/>
-          </p:nvPr>
-        </p:nvSpPr>
-        <p:spPr/>
-        <p:txBody>
-          <a:bodyPr/>
-          <a:lstStyle/>
-          <a:p>
-            <a:r>
-              <a:rPr lang="en-US" dirty="0"/>
-              <a:t>Where are we? And where are we going?</a:t>
-            </a:r>
-          </a:p>
-        </p:txBody>
-      </p:sp>
-      <p:sp>
-        <p:nvSpPr>
-          <p:cNvPr id="3" name="Content Placeholder 2">
-            <a:extLst>
-              <a:ext uri="{FF2B5EF4-FFF2-40B4-BE49-F238E27FC236}">
-                <a16:creationId xmlns:a16="http://schemas.microsoft.com/office/drawing/2014/main" id="{9E41997A-5DD2-15AC-B7D5-D77B3FDFFA21}"/>
-              </a:ext>
-            </a:extLst>
-          </p:cNvPr>
-          <p:cNvSpPr>
-            <a:spLocks noGrp="1"/>
-          </p:cNvSpPr>
-          <p:nvPr>
-            <p:ph sz="half" idx="1"/>
-          </p:nvPr>
-        </p:nvSpPr>
-        <p:spPr/>
-        <p:txBody>
-          <a:bodyPr/>
-          <a:lstStyle/>
-          <a:p>
-            <a:r>
-              <a:rPr lang="en-US" dirty="0"/>
-              <a:t>What do we have already?</a:t>
-            </a:r>
-          </a:p>
-          <a:p>
-            <a:r>
-              <a:rPr lang="en-US" dirty="0"/>
-              <a:t>Teams</a:t>
-            </a:r>
-          </a:p>
-          <a:p>
-            <a:r>
-              <a:rPr lang="en-US" dirty="0"/>
-              <a:t>Future Plans</a:t>
-            </a:r>
-          </a:p>
-        </p:txBody>
-      </p:sp>
-      <p:sp>
-        <p:nvSpPr>
-          <p:cNvPr id="4" name="Content Placeholder 3">
-            <a:extLst>
-              <a:ext uri="{FF2B5EF4-FFF2-40B4-BE49-F238E27FC236}">
-                <a16:creationId xmlns:a16="http://schemas.microsoft.com/office/drawing/2014/main" id="{40D29A4F-7F16-F4D2-2E69-69B7320D4A08}"/>
-              </a:ext>
-            </a:extLst>
-          </p:cNvPr>
-          <p:cNvSpPr>
-            <a:spLocks noGrp="1"/>
-          </p:cNvSpPr>
-          <p:nvPr>
-            <p:ph sz="half" idx="2"/>
-          </p:nvPr>
-        </p:nvSpPr>
-        <p:spPr/>
-        <p:txBody>
-          <a:bodyPr/>
-          <a:lstStyle/>
-          <a:p>
-            <a:endParaRPr lang="en-US"/>
-          </a:p>
-        </p:txBody>
-      </p:sp>
-      <p:sp>
-        <p:nvSpPr>
-          <p:cNvPr id="5" name="Date Placeholder 4">
-            <a:extLst>
-              <a:ext uri="{FF2B5EF4-FFF2-40B4-BE49-F238E27FC236}">
-                <a16:creationId xmlns:a16="http://schemas.microsoft.com/office/drawing/2014/main" id="{4415CFF1-9B42-D5F6-5988-BE9D6F86C8FF}"/>
-              </a:ext>
-            </a:extLst>
-          </p:cNvPr>
-          <p:cNvSpPr>
-            <a:spLocks noGrp="1"/>
-          </p:cNvSpPr>
-          <p:nvPr>
-            <p:ph type="dt" sz="half" idx="10"/>
-          </p:nvPr>
-        </p:nvSpPr>
-        <p:spPr/>
-        <p:txBody>
-          <a:bodyPr/>
-          <a:lstStyle/>
-          <a:p>
-            <a:r>
-              <a:rPr lang="en-US"/>
-              <a:t>6/26/2023</a:t>
-            </a:r>
-          </a:p>
-        </p:txBody>
-      </p:sp>
-      <p:sp>
-        <p:nvSpPr>
-          <p:cNvPr id="6" name="Slide Number Placeholder 5">
-            <a:extLst>
-              <a:ext uri="{FF2B5EF4-FFF2-40B4-BE49-F238E27FC236}">
-                <a16:creationId xmlns:a16="http://schemas.microsoft.com/office/drawing/2014/main" id="{80675C34-F34E-F5FB-4001-B90C391525F6}"/>
-              </a:ext>
-            </a:extLst>
-          </p:cNvPr>
-          <p:cNvSpPr>
-            <a:spLocks noGrp="1"/>
-          </p:cNvSpPr>
-          <p:nvPr>
-            <p:ph type="sldNum" sz="quarter" idx="12"/>
-          </p:nvPr>
-        </p:nvSpPr>
-        <p:spPr/>
-        <p:txBody>
-          <a:bodyPr/>
-          <a:lstStyle/>
-          <a:p>
-            <a:fld id="{A368AD35-EA55-254F-AD80-EFD99CF0F10B}" type="slidenum">
-              <a:rPr lang="en-US" smtClean="0"/>
-              <a:t>7</a:t>
-            </a:fld>
-            <a:endParaRPr lang="en-US"/>
-          </a:p>
-        </p:txBody>
-      </p:sp>
-    </p:spTree>
-    <p:extLst>
-      <p:ext uri="{BB962C8B-B14F-4D97-AF65-F5344CB8AC3E}">
-        <p14:creationId xmlns:p14="http://schemas.microsoft.com/office/powerpoint/2010/main" val="250643216"/>
-      </p:ext>
-    </p:extLst>
-  </p:cSld>
-  <p:clrMapOvr>
-    <a:masterClrMapping/>
-  </p:clrMapOvr>
-</p:sld>
-</file>
-
 <file path=ppt/slides/slide8.xml><?xml version="1.0" encoding="utf-8"?>
 <p:sld xmlns:a="http://schemas.openxmlformats.org/drawingml/2006/main" xmlns:r="http://schemas.openxmlformats.org/officeDocument/2006/relationships" xmlns:p="http://schemas.openxmlformats.org/presentationml/2006/main">
   <p:cSld>
@@ -6353,7 +8193,7 @@
           <p:cNvPr id="2" name="Title 1">
             <a:extLst>
               <a:ext uri="{FF2B5EF4-FFF2-40B4-BE49-F238E27FC236}">
-                <a16:creationId xmlns:a16="http://schemas.microsoft.com/office/drawing/2014/main" id="{C067A7AC-BABE-A68A-97EF-0AE691C41E37}"/>
+                <a16:creationId xmlns:a16="http://schemas.microsoft.com/office/drawing/2014/main" id="{27550F04-4279-3E86-4883-A1ECD6A5A9FE}"/>
               </a:ext>
             </a:extLst>
           </p:cNvPr>
@@ -6362,6 +8202,137 @@
           </p:cNvSpPr>
           <p:nvPr>
             <p:ph type="title"/>
+          </p:nvPr>
+        </p:nvSpPr>
+        <p:spPr>
+          <a:xfrm>
+            <a:off x="590550" y="320675"/>
+            <a:ext cx="5981700" cy="1325563"/>
+          </a:xfrm>
+        </p:spPr>
+        <p:txBody>
+          <a:bodyPr>
+            <a:normAutofit fontScale="90000"/>
+          </a:bodyPr>
+          <a:lstStyle/>
+          <a:p>
+            <a:r>
+              <a:rPr lang="en-US" dirty="0"/>
+              <a:t>Standard Test-Train Split</a:t>
+            </a:r>
+            <a:br>
+              <a:rPr lang="en-US" dirty="0"/>
+            </a:br>
+            <a:r>
+              <a:rPr lang="en-US" dirty="0"/>
+              <a:t>Assumes Time is Symmetric</a:t>
+            </a:r>
+          </a:p>
+        </p:txBody>
+      </p:sp>
+      <p:sp>
+        <p:nvSpPr>
+          <p:cNvPr id="3" name="Content Placeholder 2">
+            <a:extLst>
+              <a:ext uri="{FF2B5EF4-FFF2-40B4-BE49-F238E27FC236}">
+                <a16:creationId xmlns:a16="http://schemas.microsoft.com/office/drawing/2014/main" id="{83A8ABDD-8993-40D1-938C-5BC96BE8F7B3}"/>
+              </a:ext>
+            </a:extLst>
+          </p:cNvPr>
+          <p:cNvSpPr>
+            <a:spLocks noGrp="1"/>
+          </p:cNvSpPr>
+          <p:nvPr>
+            <p:ph sz="half" idx="1"/>
+          </p:nvPr>
+        </p:nvSpPr>
+        <p:spPr>
+          <a:xfrm>
+            <a:off x="479502" y="1825625"/>
+            <a:ext cx="3702205" cy="4351338"/>
+          </a:xfrm>
+        </p:spPr>
+        <p:txBody>
+          <a:bodyPr>
+            <a:normAutofit lnSpcReduction="10000"/>
+          </a:bodyPr>
+          <a:lstStyle/>
+          <a:p>
+            <a:r>
+              <a:rPr lang="en-US" dirty="0"/>
+              <a:t>Proposed Split</a:t>
+            </a:r>
+          </a:p>
+          <a:p>
+            <a:pPr lvl="1"/>
+            <a:r>
+              <a:rPr lang="en-US" dirty="0"/>
+              <a:t>Sort 200M papers by pub date</a:t>
+            </a:r>
+          </a:p>
+          <a:p>
+            <a:pPr lvl="1"/>
+            <a:r>
+              <a:rPr lang="en-US" dirty="0"/>
+              <a:t>Create 100 bins</a:t>
+            </a:r>
+          </a:p>
+          <a:p>
+            <a:pPr lvl="2"/>
+            <a:r>
+              <a:rPr lang="en-US" dirty="0"/>
+              <a:t>2M papers per bin</a:t>
+            </a:r>
+          </a:p>
+          <a:p>
+            <a:r>
+              <a:rPr lang="en-US" dirty="0"/>
+              <a:t>Train on early bins</a:t>
+            </a:r>
+          </a:p>
+          <a:p>
+            <a:pPr lvl="1"/>
+            <a:r>
+              <a:rPr lang="en-US" dirty="0"/>
+              <a:t>Test on later bins</a:t>
+            </a:r>
+          </a:p>
+          <a:p>
+            <a:r>
+              <a:rPr lang="en-US" dirty="0"/>
+              <a:t>Hypo: </a:t>
+            </a:r>
+          </a:p>
+          <a:p>
+            <a:pPr lvl="1"/>
+            <a:r>
+              <a:rPr lang="en-US" dirty="0"/>
+              <a:t>Short-term weather forecasting </a:t>
+            </a:r>
+          </a:p>
+          <a:p>
+            <a:pPr lvl="1"/>
+            <a:r>
+              <a:rPr lang="en-US" dirty="0"/>
+              <a:t>is easier than long-time forecasting</a:t>
+            </a:r>
+          </a:p>
+        </p:txBody>
+      </p:sp>
+      <p:sp>
+        <p:nvSpPr>
+          <p:cNvPr id="5" name="Date Placeholder 4">
+            <a:extLst>
+              <a:ext uri="{FF2B5EF4-FFF2-40B4-BE49-F238E27FC236}">
+                <a16:creationId xmlns:a16="http://schemas.microsoft.com/office/drawing/2014/main" id="{7E1E1421-D2AD-0158-74BD-2E2EA8998067}"/>
+              </a:ext>
+            </a:extLst>
+          </p:cNvPr>
+          <p:cNvSpPr>
+            <a:spLocks noGrp="1"/>
+          </p:cNvSpPr>
+          <p:nvPr>
+            <p:ph type="dt" sz="half" idx="10"/>
           </p:nvPr>
         </p:nvSpPr>
         <p:spPr/>
@@ -6369,56 +8340,6 @@
           <a:bodyPr/>
           <a:lstStyle/>
           <a:p>
-            <a:endParaRPr lang="en-US" dirty="0"/>
-          </a:p>
-        </p:txBody>
-      </p:sp>
-      <p:sp>
-        <p:nvSpPr>
-          <p:cNvPr id="3" name="Content Placeholder 2">
-            <a:extLst>
-              <a:ext uri="{FF2B5EF4-FFF2-40B4-BE49-F238E27FC236}">
-                <a16:creationId xmlns:a16="http://schemas.microsoft.com/office/drawing/2014/main" id="{6F23F4CD-8B7F-22D6-B83E-6300A8EF3A58}"/>
-              </a:ext>
-            </a:extLst>
-          </p:cNvPr>
-          <p:cNvSpPr>
-            <a:spLocks noGrp="1"/>
-          </p:cNvSpPr>
-          <p:nvPr>
-            <p:ph idx="1"/>
-          </p:nvPr>
-        </p:nvSpPr>
-        <p:spPr/>
-        <p:txBody>
-          <a:bodyPr/>
-          <a:lstStyle/>
-          <a:p>
-            <a:endParaRPr lang="en-US"/>
-          </a:p>
-        </p:txBody>
-      </p:sp>
-      <p:sp>
-        <p:nvSpPr>
-          <p:cNvPr id="4" name="Date Placeholder 3">
-            <a:extLst>
-              <a:ext uri="{FF2B5EF4-FFF2-40B4-BE49-F238E27FC236}">
-                <a16:creationId xmlns:a16="http://schemas.microsoft.com/office/drawing/2014/main" id="{96A94D69-EAA4-81AD-14C2-08FAB81524B1}"/>
-              </a:ext>
-            </a:extLst>
-          </p:cNvPr>
-          <p:cNvSpPr>
-            <a:spLocks noGrp="1"/>
-          </p:cNvSpPr>
-          <p:nvPr>
-            <p:ph type="dt" sz="half" idx="10"/>
-          </p:nvPr>
-        </p:nvSpPr>
-        <p:spPr/>
-        <p:txBody>
-          <a:bodyPr/>
-          <a:lstStyle/>
-          <a:p>
             <a:r>
               <a:rPr lang="en-US"/>
               <a:t>6/26/2023</a:t>
@@ -6428,10 +8349,10 @@
       </p:sp>
       <p:sp>
         <p:nvSpPr>
-          <p:cNvPr id="5" name="Slide Number Placeholder 4">
-            <a:extLst>
-              <a:ext uri="{FF2B5EF4-FFF2-40B4-BE49-F238E27FC236}">
-                <a16:creationId xmlns:a16="http://schemas.microsoft.com/office/drawing/2014/main" id="{7A35467A-8B80-504E-482E-86CEE221ADAD}"/>
+          <p:cNvPr id="6" name="Slide Number Placeholder 5">
+            <a:extLst>
+              <a:ext uri="{FF2B5EF4-FFF2-40B4-BE49-F238E27FC236}">
+                <a16:creationId xmlns:a16="http://schemas.microsoft.com/office/drawing/2014/main" id="{B1CB10E5-94E7-4AC4-1499-E055F8D059EB}"/>
               </a:ext>
             </a:extLst>
           </p:cNvPr>
@@ -6455,16 +8376,1322 @@
           </a:p>
         </p:txBody>
       </p:sp>
+      <p:pic>
+        <p:nvPicPr>
+          <p:cNvPr id="12" name="Content Placeholder 11">
+            <a:extLst>
+              <a:ext uri="{FF2B5EF4-FFF2-40B4-BE49-F238E27FC236}">
+                <a16:creationId xmlns:a16="http://schemas.microsoft.com/office/drawing/2014/main" id="{A4E646E2-0992-071B-F867-2460376EFB04}"/>
+              </a:ext>
+            </a:extLst>
+          </p:cNvPr>
+          <p:cNvPicPr>
+            <a:picLocks noGrp="1" noChangeAspect="1"/>
+          </p:cNvPicPr>
+          <p:nvPr>
+            <p:ph sz="half" idx="2"/>
+          </p:nvPr>
+        </p:nvPicPr>
+        <p:blipFill>
+          <a:blip r:embed="rId2"/>
+          <a:stretch>
+            <a:fillRect/>
+          </a:stretch>
+        </p:blipFill>
+        <p:spPr>
+          <a:xfrm>
+            <a:off x="7613244" y="1646238"/>
+            <a:ext cx="4351338" cy="4351338"/>
+          </a:xfrm>
+        </p:spPr>
+      </p:pic>
+      <p:sp>
+        <p:nvSpPr>
+          <p:cNvPr id="10" name="Content Placeholder 6">
+            <a:extLst>
+              <a:ext uri="{FF2B5EF4-FFF2-40B4-BE49-F238E27FC236}">
+                <a16:creationId xmlns:a16="http://schemas.microsoft.com/office/drawing/2014/main" id="{5008BA60-29AE-5D2E-10A0-EA4B4B67E552}"/>
+              </a:ext>
+            </a:extLst>
+          </p:cNvPr>
+          <p:cNvSpPr txBox="1">
+            <a:spLocks/>
+          </p:cNvSpPr>
+          <p:nvPr/>
+        </p:nvSpPr>
+        <p:spPr>
+          <a:xfrm>
+            <a:off x="7010400" y="0"/>
+            <a:ext cx="5181600" cy="1217769"/>
+          </a:xfrm>
+          <a:prstGeom prst="rect">
+            <a:avLst/>
+          </a:prstGeom>
+          <a:solidFill>
+            <a:srgbClr val="FFFF00"/>
+          </a:solidFill>
+        </p:spPr>
+        <p:txBody>
+          <a:bodyPr vert="horz" wrap="square" lIns="91440" tIns="45720" rIns="91440" bIns="45720" rtlCol="0" anchor="ctr">
+            <a:spAutoFit/>
+          </a:bodyPr>
+          <a:lstStyle>
+            <a:lvl1pPr marL="228600" indent="-228600" algn="l" defTabSz="914400" rtl="0" eaLnBrk="1" latinLnBrk="0" hangingPunct="1">
+              <a:lnSpc>
+                <a:spcPct val="90000"/>
+              </a:lnSpc>
+              <a:spcBef>
+                <a:spcPts val="1000"/>
+              </a:spcBef>
+              <a:buFont typeface="Arial" panose="020B0604020202020204" pitchFamily="34" charset="0"/>
+              <a:buChar char="•"/>
+              <a:defRPr sz="2800" kern="1200">
+                <a:solidFill>
+                  <a:schemeClr val="tx1"/>
+                </a:solidFill>
+                <a:latin typeface="+mn-lt"/>
+                <a:ea typeface="+mn-ea"/>
+                <a:cs typeface="+mn-cs"/>
+              </a:defRPr>
+            </a:lvl1pPr>
+            <a:lvl2pPr marL="685800" indent="-228600" algn="l" defTabSz="914400" rtl="0" eaLnBrk="1" latinLnBrk="0" hangingPunct="1">
+              <a:lnSpc>
+                <a:spcPct val="90000"/>
+              </a:lnSpc>
+              <a:spcBef>
+                <a:spcPts val="500"/>
+              </a:spcBef>
+              <a:buFont typeface="Arial" panose="020B0604020202020204" pitchFamily="34" charset="0"/>
+              <a:buChar char="•"/>
+              <a:defRPr sz="2400" kern="1200">
+                <a:solidFill>
+                  <a:schemeClr val="tx1"/>
+                </a:solidFill>
+                <a:latin typeface="+mn-lt"/>
+                <a:ea typeface="+mn-ea"/>
+                <a:cs typeface="+mn-cs"/>
+              </a:defRPr>
+            </a:lvl2pPr>
+            <a:lvl3pPr marL="1143000" indent="-228600" algn="l" defTabSz="914400" rtl="0" eaLnBrk="1" latinLnBrk="0" hangingPunct="1">
+              <a:lnSpc>
+                <a:spcPct val="90000"/>
+              </a:lnSpc>
+              <a:spcBef>
+                <a:spcPts val="500"/>
+              </a:spcBef>
+              <a:buFont typeface="Arial" panose="020B0604020202020204" pitchFamily="34" charset="0"/>
+              <a:buChar char="•"/>
+              <a:defRPr sz="2000" kern="1200">
+                <a:solidFill>
+                  <a:schemeClr val="tx1"/>
+                </a:solidFill>
+                <a:latin typeface="+mn-lt"/>
+                <a:ea typeface="+mn-ea"/>
+                <a:cs typeface="+mn-cs"/>
+              </a:defRPr>
+            </a:lvl3pPr>
+            <a:lvl4pPr marL="1600200" indent="-228600" algn="l" defTabSz="914400" rtl="0" eaLnBrk="1" latinLnBrk="0" hangingPunct="1">
+              <a:lnSpc>
+                <a:spcPct val="90000"/>
+              </a:lnSpc>
+              <a:spcBef>
+                <a:spcPts val="500"/>
+              </a:spcBef>
+              <a:buFont typeface="Arial" panose="020B0604020202020204" pitchFamily="34" charset="0"/>
+              <a:buChar char="•"/>
+              <a:defRPr sz="1800" kern="1200">
+                <a:solidFill>
+                  <a:schemeClr val="tx1"/>
+                </a:solidFill>
+                <a:latin typeface="+mn-lt"/>
+                <a:ea typeface="+mn-ea"/>
+                <a:cs typeface="+mn-cs"/>
+              </a:defRPr>
+            </a:lvl4pPr>
+            <a:lvl5pPr marL="2057400" indent="-228600" algn="l" defTabSz="914400" rtl="0" eaLnBrk="1" latinLnBrk="0" hangingPunct="1">
+              <a:lnSpc>
+                <a:spcPct val="90000"/>
+              </a:lnSpc>
+              <a:spcBef>
+                <a:spcPts val="500"/>
+              </a:spcBef>
+              <a:buFont typeface="Arial" panose="020B0604020202020204" pitchFamily="34" charset="0"/>
+              <a:buChar char="•"/>
+              <a:defRPr sz="1800" kern="1200">
+                <a:solidFill>
+                  <a:schemeClr val="tx1"/>
+                </a:solidFill>
+                <a:latin typeface="+mn-lt"/>
+                <a:ea typeface="+mn-ea"/>
+                <a:cs typeface="+mn-cs"/>
+              </a:defRPr>
+            </a:lvl5pPr>
+            <a:lvl6pPr marL="2514600" indent="-228600" algn="l" defTabSz="914400" rtl="0" eaLnBrk="1" latinLnBrk="0" hangingPunct="1">
+              <a:lnSpc>
+                <a:spcPct val="90000"/>
+              </a:lnSpc>
+              <a:spcBef>
+                <a:spcPts val="500"/>
+              </a:spcBef>
+              <a:buFont typeface="Arial" panose="020B0604020202020204" pitchFamily="34" charset="0"/>
+              <a:buChar char="•"/>
+              <a:defRPr sz="1800" kern="1200">
+                <a:solidFill>
+                  <a:schemeClr val="tx1"/>
+                </a:solidFill>
+                <a:latin typeface="+mn-lt"/>
+                <a:ea typeface="+mn-ea"/>
+                <a:cs typeface="+mn-cs"/>
+              </a:defRPr>
+            </a:lvl6pPr>
+            <a:lvl7pPr marL="2971800" indent="-228600" algn="l" defTabSz="914400" rtl="0" eaLnBrk="1" latinLnBrk="0" hangingPunct="1">
+              <a:lnSpc>
+                <a:spcPct val="90000"/>
+              </a:lnSpc>
+              <a:spcBef>
+                <a:spcPts val="500"/>
+              </a:spcBef>
+              <a:buFont typeface="Arial" panose="020B0604020202020204" pitchFamily="34" charset="0"/>
+              <a:buChar char="•"/>
+              <a:defRPr sz="1800" kern="1200">
+                <a:solidFill>
+                  <a:schemeClr val="tx1"/>
+                </a:solidFill>
+                <a:latin typeface="+mn-lt"/>
+                <a:ea typeface="+mn-ea"/>
+                <a:cs typeface="+mn-cs"/>
+              </a:defRPr>
+            </a:lvl7pPr>
+            <a:lvl8pPr marL="3429000" indent="-228600" algn="l" defTabSz="914400" rtl="0" eaLnBrk="1" latinLnBrk="0" hangingPunct="1">
+              <a:lnSpc>
+                <a:spcPct val="90000"/>
+              </a:lnSpc>
+              <a:spcBef>
+                <a:spcPts val="500"/>
+              </a:spcBef>
+              <a:buFont typeface="Arial" panose="020B0604020202020204" pitchFamily="34" charset="0"/>
+              <a:buChar char="•"/>
+              <a:defRPr sz="1800" kern="1200">
+                <a:solidFill>
+                  <a:schemeClr val="tx1"/>
+                </a:solidFill>
+                <a:latin typeface="+mn-lt"/>
+                <a:ea typeface="+mn-ea"/>
+                <a:cs typeface="+mn-cs"/>
+              </a:defRPr>
+            </a:lvl8pPr>
+            <a:lvl9pPr marL="3886200" indent="-228600" algn="l" defTabSz="914400" rtl="0" eaLnBrk="1" latinLnBrk="0" hangingPunct="1">
+              <a:lnSpc>
+                <a:spcPct val="90000"/>
+              </a:lnSpc>
+              <a:spcBef>
+                <a:spcPts val="500"/>
+              </a:spcBef>
+              <a:buFont typeface="Arial" panose="020B0604020202020204" pitchFamily="34" charset="0"/>
+              <a:buChar char="•"/>
+              <a:defRPr sz="1800" kern="1200">
+                <a:solidFill>
+                  <a:schemeClr val="tx1"/>
+                </a:solidFill>
+                <a:latin typeface="+mn-lt"/>
+                <a:ea typeface="+mn-ea"/>
+                <a:cs typeface="+mn-cs"/>
+              </a:defRPr>
+            </a:lvl9pPr>
+          </a:lstStyle>
+          <a:p>
+            <a:pPr marL="0" indent="0">
+              <a:buFont typeface="Arial" panose="020B0604020202020204" pitchFamily="34" charset="0"/>
+              <a:buNone/>
+            </a:pPr>
+            <a:r>
+              <a:rPr lang="en-US" sz="2400" i="1">
+                <a:solidFill>
+                  <a:srgbClr val="212121"/>
+                </a:solidFill>
+                <a:latin typeface="system-ui"/>
+              </a:rPr>
+              <a:t>It is difficult to make predictions, especially about the future.</a:t>
+            </a:r>
+          </a:p>
+          <a:p>
+            <a:pPr marL="0" indent="0">
+              <a:buFont typeface="Arial" panose="020B0604020202020204" pitchFamily="34" charset="0"/>
+              <a:buNone/>
+            </a:pPr>
+            <a:r>
+              <a:rPr lang="en-US" sz="2400" i="1">
+                <a:solidFill>
+                  <a:srgbClr val="212121"/>
+                </a:solidFill>
+                <a:latin typeface="system-ui"/>
+              </a:rPr>
+              <a:t>	-- </a:t>
+            </a:r>
+            <a:r>
+              <a:rPr lang="en-US" sz="2400">
+                <a:solidFill>
+                  <a:srgbClr val="212121"/>
+                </a:solidFill>
+                <a:latin typeface="system-ui"/>
+              </a:rPr>
+              <a:t>Yogi Berra</a:t>
+            </a:r>
+            <a:endParaRPr lang="en-US" sz="2400" i="1" dirty="0">
+              <a:solidFill>
+                <a:srgbClr val="212121"/>
+              </a:solidFill>
+              <a:latin typeface="system-ui"/>
+            </a:endParaRPr>
+          </a:p>
+        </p:txBody>
+      </p:sp>
+      <p:graphicFrame>
+        <p:nvGraphicFramePr>
+          <p:cNvPr id="13" name="Table 12">
+            <a:extLst>
+              <a:ext uri="{FF2B5EF4-FFF2-40B4-BE49-F238E27FC236}">
+                <a16:creationId xmlns:a16="http://schemas.microsoft.com/office/drawing/2014/main" id="{D5250C42-2DD1-5632-8C0F-8921438337D4}"/>
+              </a:ext>
+            </a:extLst>
+          </p:cNvPr>
+          <p:cNvGraphicFramePr>
+            <a:graphicFrameLocks noGrp="1"/>
+          </p:cNvGraphicFramePr>
+          <p:nvPr>
+            <p:extLst>
+              <p:ext uri="{D42A27DB-BD31-4B8C-83A1-F6EECF244321}">
+                <p14:modId xmlns:p14="http://schemas.microsoft.com/office/powerpoint/2010/main" val="2420875492"/>
+              </p:ext>
+            </p:extLst>
+          </p:nvPr>
+        </p:nvGraphicFramePr>
+        <p:xfrm>
+          <a:off x="4086311" y="1664394"/>
+          <a:ext cx="3343508" cy="4891091"/>
+        </p:xfrm>
+        <a:graphic>
+          <a:graphicData uri="http://schemas.openxmlformats.org/drawingml/2006/table">
+            <a:tbl>
+              <a:tblPr>
+                <a:tableStyleId>{5C22544A-7EE6-4342-B048-85BDC9FD1C3A}</a:tableStyleId>
+              </a:tblPr>
+              <a:tblGrid>
+                <a:gridCol w="1671754">
+                  <a:extLst>
+                    <a:ext uri="{9D8B030D-6E8A-4147-A177-3AD203B41FA5}">
+                      <a16:colId xmlns:a16="http://schemas.microsoft.com/office/drawing/2014/main" val="1986629577"/>
+                    </a:ext>
+                  </a:extLst>
+                </a:gridCol>
+                <a:gridCol w="1671754">
+                  <a:extLst>
+                    <a:ext uri="{9D8B030D-6E8A-4147-A177-3AD203B41FA5}">
+                      <a16:colId xmlns:a16="http://schemas.microsoft.com/office/drawing/2014/main" val="4194438594"/>
+                    </a:ext>
+                  </a:extLst>
+                </a:gridCol>
+              </a:tblGrid>
+              <a:tr h="521681">
+                <a:tc>
+                  <a:txBody>
+                    <a:bodyPr/>
+                    <a:lstStyle/>
+                    <a:p>
+                      <a:pPr algn="ctr" fontAlgn="b"/>
+                      <a:r>
+                        <a:rPr lang="en-US" sz="3200" b="1" u="sng" strike="noStrike">
+                          <a:effectLst/>
+                        </a:rPr>
+                        <a:t>bin</a:t>
+                      </a:r>
+                      <a:endParaRPr lang="en-US" sz="3200" b="1" i="0" u="sng" strike="noStrike">
+                        <a:solidFill>
+                          <a:srgbClr val="000000"/>
+                        </a:solidFill>
+                        <a:effectLst/>
+                        <a:latin typeface="Calibri" panose="020F0502020204030204" pitchFamily="34" charset="0"/>
+                      </a:endParaRPr>
+                    </a:p>
+                  </a:txBody>
+                  <a:tcPr marL="9525" marR="9525" marT="9525" marB="0" anchor="b"/>
+                </a:tc>
+                <a:tc>
+                  <a:txBody>
+                    <a:bodyPr/>
+                    <a:lstStyle/>
+                    <a:p>
+                      <a:pPr algn="ctr" fontAlgn="b"/>
+                      <a:r>
+                        <a:rPr lang="en-US" sz="3200" b="1" u="sng" strike="noStrike" dirty="0">
+                          <a:effectLst/>
+                        </a:rPr>
+                        <a:t>date</a:t>
+                      </a:r>
+                      <a:endParaRPr lang="en-US" sz="3200" b="1" i="0" u="sng" strike="noStrike" dirty="0">
+                        <a:solidFill>
+                          <a:srgbClr val="000000"/>
+                        </a:solidFill>
+                        <a:effectLst/>
+                        <a:latin typeface="Calibri" panose="020F0502020204030204" pitchFamily="34" charset="0"/>
+                      </a:endParaRPr>
+                    </a:p>
+                  </a:txBody>
+                  <a:tcPr marL="9525" marR="9525" marT="9525" marB="0" anchor="b"/>
+                </a:tc>
+                <a:extLst>
+                  <a:ext uri="{0D108BD9-81ED-4DB2-BD59-A6C34878D82A}">
+                    <a16:rowId xmlns:a16="http://schemas.microsoft.com/office/drawing/2014/main" val="498488124"/>
+                  </a:ext>
+                </a:extLst>
+              </a:tr>
+              <a:tr h="436941">
+                <a:tc>
+                  <a:txBody>
+                    <a:bodyPr/>
+                    <a:lstStyle/>
+                    <a:p>
+                      <a:pPr algn="ctr" fontAlgn="b"/>
+                      <a:r>
+                        <a:rPr lang="en-US" sz="2800" u="none" strike="noStrike">
+                          <a:effectLst/>
+                        </a:rPr>
+                        <a:t>0</a:t>
+                      </a:r>
+                      <a:endParaRPr lang="en-US" sz="2800" b="0" i="0" u="none" strike="noStrike">
+                        <a:solidFill>
+                          <a:srgbClr val="000000"/>
+                        </a:solidFill>
+                        <a:effectLst/>
+                        <a:latin typeface="Calibri" panose="020F0502020204030204" pitchFamily="34" charset="0"/>
+                      </a:endParaRPr>
+                    </a:p>
+                  </a:txBody>
+                  <a:tcPr marL="9525" marR="9525" marT="9525" marB="0" anchor="b"/>
+                </a:tc>
+                <a:tc>
+                  <a:txBody>
+                    <a:bodyPr/>
+                    <a:lstStyle/>
+                    <a:p>
+                      <a:pPr algn="ctr" fontAlgn="b"/>
+                      <a:r>
+                        <a:rPr lang="en-US" sz="2800" u="none" strike="noStrike">
+                          <a:effectLst/>
+                        </a:rPr>
+                        <a:t>1684-05</a:t>
+                      </a:r>
+                      <a:endParaRPr lang="en-US" sz="2800" b="0" i="0" u="none" strike="noStrike">
+                        <a:solidFill>
+                          <a:srgbClr val="000000"/>
+                        </a:solidFill>
+                        <a:effectLst/>
+                        <a:latin typeface="Calibri" panose="020F0502020204030204" pitchFamily="34" charset="0"/>
+                      </a:endParaRPr>
+                    </a:p>
+                  </a:txBody>
+                  <a:tcPr marL="9525" marR="9525" marT="9525" marB="0" anchor="b"/>
+                </a:tc>
+                <a:extLst>
+                  <a:ext uri="{0D108BD9-81ED-4DB2-BD59-A6C34878D82A}">
+                    <a16:rowId xmlns:a16="http://schemas.microsoft.com/office/drawing/2014/main" val="3758417123"/>
+                  </a:ext>
+                </a:extLst>
+              </a:tr>
+              <a:tr h="436941">
+                <a:tc>
+                  <a:txBody>
+                    <a:bodyPr/>
+                    <a:lstStyle/>
+                    <a:p>
+                      <a:pPr algn="ctr" fontAlgn="b"/>
+                      <a:r>
+                        <a:rPr lang="en-US" sz="2800" u="none" strike="noStrike">
+                          <a:effectLst/>
+                        </a:rPr>
+                        <a:t>1</a:t>
+                      </a:r>
+                      <a:endParaRPr lang="en-US" sz="2800" b="0" i="0" u="none" strike="noStrike">
+                        <a:solidFill>
+                          <a:srgbClr val="000000"/>
+                        </a:solidFill>
+                        <a:effectLst/>
+                        <a:latin typeface="Calibri" panose="020F0502020204030204" pitchFamily="34" charset="0"/>
+                      </a:endParaRPr>
+                    </a:p>
+                  </a:txBody>
+                  <a:tcPr marL="9525" marR="9525" marT="9525" marB="0" anchor="b"/>
+                </a:tc>
+                <a:tc>
+                  <a:txBody>
+                    <a:bodyPr/>
+                    <a:lstStyle/>
+                    <a:p>
+                      <a:pPr algn="ctr" fontAlgn="b"/>
+                      <a:r>
+                        <a:rPr lang="en-US" sz="2800" u="none" strike="noStrike">
+                          <a:effectLst/>
+                        </a:rPr>
+                        <a:t>1936-03</a:t>
+                      </a:r>
+                      <a:endParaRPr lang="en-US" sz="2800" b="0" i="0" u="none" strike="noStrike">
+                        <a:solidFill>
+                          <a:srgbClr val="000000"/>
+                        </a:solidFill>
+                        <a:effectLst/>
+                        <a:latin typeface="Calibri" panose="020F0502020204030204" pitchFamily="34" charset="0"/>
+                      </a:endParaRPr>
+                    </a:p>
+                  </a:txBody>
+                  <a:tcPr marL="9525" marR="9525" marT="9525" marB="0" anchor="b"/>
+                </a:tc>
+                <a:extLst>
+                  <a:ext uri="{0D108BD9-81ED-4DB2-BD59-A6C34878D82A}">
+                    <a16:rowId xmlns:a16="http://schemas.microsoft.com/office/drawing/2014/main" val="396619265"/>
+                  </a:ext>
+                </a:extLst>
+              </a:tr>
+              <a:tr h="436941">
+                <a:tc>
+                  <a:txBody>
+                    <a:bodyPr/>
+                    <a:lstStyle/>
+                    <a:p>
+                      <a:pPr algn="ctr" fontAlgn="b"/>
+                      <a:r>
+                        <a:rPr lang="en-US" sz="2800" u="none" strike="noStrike">
+                          <a:effectLst/>
+                        </a:rPr>
+                        <a:t>2</a:t>
+                      </a:r>
+                      <a:endParaRPr lang="en-US" sz="2800" b="0" i="0" u="none" strike="noStrike">
+                        <a:solidFill>
+                          <a:srgbClr val="000000"/>
+                        </a:solidFill>
+                        <a:effectLst/>
+                        <a:latin typeface="Calibri" panose="020F0502020204030204" pitchFamily="34" charset="0"/>
+                      </a:endParaRPr>
+                    </a:p>
+                  </a:txBody>
+                  <a:tcPr marL="9525" marR="9525" marT="9525" marB="0" anchor="b"/>
+                </a:tc>
+                <a:tc>
+                  <a:txBody>
+                    <a:bodyPr/>
+                    <a:lstStyle/>
+                    <a:p>
+                      <a:pPr algn="ctr" fontAlgn="b"/>
+                      <a:r>
+                        <a:rPr lang="en-US" sz="2800" u="none" strike="noStrike">
+                          <a:effectLst/>
+                        </a:rPr>
+                        <a:t>1951-08</a:t>
+                      </a:r>
+                      <a:endParaRPr lang="en-US" sz="2800" b="0" i="0" u="none" strike="noStrike">
+                        <a:solidFill>
+                          <a:srgbClr val="000000"/>
+                        </a:solidFill>
+                        <a:effectLst/>
+                        <a:latin typeface="Calibri" panose="020F0502020204030204" pitchFamily="34" charset="0"/>
+                      </a:endParaRPr>
+                    </a:p>
+                  </a:txBody>
+                  <a:tcPr marL="9525" marR="9525" marT="9525" marB="0" anchor="b"/>
+                </a:tc>
+                <a:extLst>
+                  <a:ext uri="{0D108BD9-81ED-4DB2-BD59-A6C34878D82A}">
+                    <a16:rowId xmlns:a16="http://schemas.microsoft.com/office/drawing/2014/main" val="1948400285"/>
+                  </a:ext>
+                </a:extLst>
+              </a:tr>
+              <a:tr h="436941">
+                <a:tc>
+                  <a:txBody>
+                    <a:bodyPr/>
+                    <a:lstStyle/>
+                    <a:p>
+                      <a:pPr algn="ctr" fontAlgn="b"/>
+                      <a:r>
+                        <a:rPr lang="en-US" sz="2800" u="none" strike="noStrike">
+                          <a:effectLst/>
+                        </a:rPr>
+                        <a:t>3</a:t>
+                      </a:r>
+                      <a:endParaRPr lang="en-US" sz="2800" b="0" i="0" u="none" strike="noStrike">
+                        <a:solidFill>
+                          <a:srgbClr val="000000"/>
+                        </a:solidFill>
+                        <a:effectLst/>
+                        <a:latin typeface="Calibri" panose="020F0502020204030204" pitchFamily="34" charset="0"/>
+                      </a:endParaRPr>
+                    </a:p>
+                  </a:txBody>
+                  <a:tcPr marL="9525" marR="9525" marT="9525" marB="0" anchor="b"/>
+                </a:tc>
+                <a:tc>
+                  <a:txBody>
+                    <a:bodyPr/>
+                    <a:lstStyle/>
+                    <a:p>
+                      <a:pPr algn="ctr" fontAlgn="b"/>
+                      <a:r>
+                        <a:rPr lang="en-US" sz="2800" u="none" strike="noStrike" dirty="0">
+                          <a:effectLst/>
+                        </a:rPr>
+                        <a:t>1958-08</a:t>
+                      </a:r>
+                      <a:endParaRPr lang="en-US" sz="2800" b="0" i="0" u="none" strike="noStrike" dirty="0">
+                        <a:solidFill>
+                          <a:srgbClr val="000000"/>
+                        </a:solidFill>
+                        <a:effectLst/>
+                        <a:latin typeface="Calibri" panose="020F0502020204030204" pitchFamily="34" charset="0"/>
+                      </a:endParaRPr>
+                    </a:p>
+                  </a:txBody>
+                  <a:tcPr marL="9525" marR="9525" marT="9525" marB="0" anchor="b"/>
+                </a:tc>
+                <a:extLst>
+                  <a:ext uri="{0D108BD9-81ED-4DB2-BD59-A6C34878D82A}">
+                    <a16:rowId xmlns:a16="http://schemas.microsoft.com/office/drawing/2014/main" val="543351669"/>
+                  </a:ext>
+                </a:extLst>
+              </a:tr>
+              <a:tr h="436941">
+                <a:tc>
+                  <a:txBody>
+                    <a:bodyPr/>
+                    <a:lstStyle/>
+                    <a:p>
+                      <a:pPr algn="ctr" fontAlgn="b"/>
+                      <a:r>
+                        <a:rPr lang="en-US" sz="2800" u="none" strike="noStrike">
+                          <a:effectLst/>
+                        </a:rPr>
+                        <a:t>4</a:t>
+                      </a:r>
+                      <a:endParaRPr lang="en-US" sz="2800" b="0" i="0" u="none" strike="noStrike">
+                        <a:solidFill>
+                          <a:srgbClr val="000000"/>
+                        </a:solidFill>
+                        <a:effectLst/>
+                        <a:latin typeface="Calibri" panose="020F0502020204030204" pitchFamily="34" charset="0"/>
+                      </a:endParaRPr>
+                    </a:p>
+                  </a:txBody>
+                  <a:tcPr marL="9525" marR="9525" marT="9525" marB="0" anchor="b"/>
+                </a:tc>
+                <a:tc>
+                  <a:txBody>
+                    <a:bodyPr/>
+                    <a:lstStyle/>
+                    <a:p>
+                      <a:pPr algn="ctr" fontAlgn="b"/>
+                      <a:r>
+                        <a:rPr lang="en-US" sz="2800" u="none" strike="noStrike">
+                          <a:effectLst/>
+                        </a:rPr>
+                        <a:t>1963-10</a:t>
+                      </a:r>
+                      <a:endParaRPr lang="en-US" sz="2800" b="0" i="0" u="none" strike="noStrike">
+                        <a:solidFill>
+                          <a:srgbClr val="000000"/>
+                        </a:solidFill>
+                        <a:effectLst/>
+                        <a:latin typeface="Calibri" panose="020F0502020204030204" pitchFamily="34" charset="0"/>
+                      </a:endParaRPr>
+                    </a:p>
+                  </a:txBody>
+                  <a:tcPr marL="9525" marR="9525" marT="9525" marB="0" anchor="b"/>
+                </a:tc>
+                <a:extLst>
+                  <a:ext uri="{0D108BD9-81ED-4DB2-BD59-A6C34878D82A}">
+                    <a16:rowId xmlns:a16="http://schemas.microsoft.com/office/drawing/2014/main" val="1177488706"/>
+                  </a:ext>
+                </a:extLst>
+              </a:tr>
+              <a:tr h="436941">
+                <a:tc>
+                  <a:txBody>
+                    <a:bodyPr/>
+                    <a:lstStyle/>
+                    <a:p>
+                      <a:pPr algn="ctr" fontAlgn="b"/>
+                      <a:r>
+                        <a:rPr lang="en-US" sz="2800" u="none" strike="noStrike">
+                          <a:effectLst/>
+                        </a:rPr>
+                        <a:t>5</a:t>
+                      </a:r>
+                      <a:endParaRPr lang="en-US" sz="2800" b="0" i="0" u="none" strike="noStrike">
+                        <a:solidFill>
+                          <a:srgbClr val="000000"/>
+                        </a:solidFill>
+                        <a:effectLst/>
+                        <a:latin typeface="Calibri" panose="020F0502020204030204" pitchFamily="34" charset="0"/>
+                      </a:endParaRPr>
+                    </a:p>
+                  </a:txBody>
+                  <a:tcPr marL="9525" marR="9525" marT="9525" marB="0" anchor="b"/>
+                </a:tc>
+                <a:tc>
+                  <a:txBody>
+                    <a:bodyPr/>
+                    <a:lstStyle/>
+                    <a:p>
+                      <a:pPr algn="ctr" fontAlgn="b"/>
+                      <a:r>
+                        <a:rPr lang="en-US" sz="2800" u="none" strike="noStrike">
+                          <a:effectLst/>
+                        </a:rPr>
+                        <a:t>1967-07</a:t>
+                      </a:r>
+                      <a:endParaRPr lang="en-US" sz="2800" b="0" i="0" u="none" strike="noStrike">
+                        <a:solidFill>
+                          <a:srgbClr val="000000"/>
+                        </a:solidFill>
+                        <a:effectLst/>
+                        <a:latin typeface="Calibri" panose="020F0502020204030204" pitchFamily="34" charset="0"/>
+                      </a:endParaRPr>
+                    </a:p>
+                  </a:txBody>
+                  <a:tcPr marL="9525" marR="9525" marT="9525" marB="0" anchor="b"/>
+                </a:tc>
+                <a:extLst>
+                  <a:ext uri="{0D108BD9-81ED-4DB2-BD59-A6C34878D82A}">
+                    <a16:rowId xmlns:a16="http://schemas.microsoft.com/office/drawing/2014/main" val="298739611"/>
+                  </a:ext>
+                </a:extLst>
+              </a:tr>
+              <a:tr h="436941">
+                <a:tc>
+                  <a:txBody>
+                    <a:bodyPr/>
+                    <a:lstStyle/>
+                    <a:p>
+                      <a:pPr algn="ctr" fontAlgn="b"/>
+                      <a:r>
+                        <a:rPr lang="en-US" sz="2800" u="none" strike="noStrike">
+                          <a:effectLst/>
+                        </a:rPr>
+                        <a:t>6</a:t>
+                      </a:r>
+                      <a:endParaRPr lang="en-US" sz="2800" b="0" i="0" u="none" strike="noStrike">
+                        <a:solidFill>
+                          <a:srgbClr val="000000"/>
+                        </a:solidFill>
+                        <a:effectLst/>
+                        <a:latin typeface="Calibri" panose="020F0502020204030204" pitchFamily="34" charset="0"/>
+                      </a:endParaRPr>
+                    </a:p>
+                  </a:txBody>
+                  <a:tcPr marL="9525" marR="9525" marT="9525" marB="0" anchor="b"/>
+                </a:tc>
+                <a:tc>
+                  <a:txBody>
+                    <a:bodyPr/>
+                    <a:lstStyle/>
+                    <a:p>
+                      <a:pPr algn="ctr" fontAlgn="b"/>
+                      <a:r>
+                        <a:rPr lang="en-US" sz="2800" u="none" strike="noStrike">
+                          <a:effectLst/>
+                        </a:rPr>
+                        <a:t>1970-06</a:t>
+                      </a:r>
+                      <a:endParaRPr lang="en-US" sz="2800" b="0" i="0" u="none" strike="noStrike">
+                        <a:solidFill>
+                          <a:srgbClr val="000000"/>
+                        </a:solidFill>
+                        <a:effectLst/>
+                        <a:latin typeface="Calibri" panose="020F0502020204030204" pitchFamily="34" charset="0"/>
+                      </a:endParaRPr>
+                    </a:p>
+                  </a:txBody>
+                  <a:tcPr marL="9525" marR="9525" marT="9525" marB="0" anchor="b"/>
+                </a:tc>
+                <a:extLst>
+                  <a:ext uri="{0D108BD9-81ED-4DB2-BD59-A6C34878D82A}">
+                    <a16:rowId xmlns:a16="http://schemas.microsoft.com/office/drawing/2014/main" val="3294381934"/>
+                  </a:ext>
+                </a:extLst>
+              </a:tr>
+              <a:tr h="436941">
+                <a:tc>
+                  <a:txBody>
+                    <a:bodyPr/>
+                    <a:lstStyle/>
+                    <a:p>
+                      <a:pPr algn="ctr" fontAlgn="b"/>
+                      <a:r>
+                        <a:rPr lang="en-US" sz="2800" u="none" strike="noStrike">
+                          <a:effectLst/>
+                        </a:rPr>
+                        <a:t>7</a:t>
+                      </a:r>
+                      <a:endParaRPr lang="en-US" sz="2800" b="0" i="0" u="none" strike="noStrike">
+                        <a:solidFill>
+                          <a:srgbClr val="000000"/>
+                        </a:solidFill>
+                        <a:effectLst/>
+                        <a:latin typeface="Calibri" panose="020F0502020204030204" pitchFamily="34" charset="0"/>
+                      </a:endParaRPr>
+                    </a:p>
+                  </a:txBody>
+                  <a:tcPr marL="9525" marR="9525" marT="9525" marB="0" anchor="b"/>
+                </a:tc>
+                <a:tc>
+                  <a:txBody>
+                    <a:bodyPr/>
+                    <a:lstStyle/>
+                    <a:p>
+                      <a:pPr algn="ctr" fontAlgn="b"/>
+                      <a:r>
+                        <a:rPr lang="en-US" sz="2800" u="none" strike="noStrike">
+                          <a:effectLst/>
+                        </a:rPr>
+                        <a:t>1973-01</a:t>
+                      </a:r>
+                      <a:endParaRPr lang="en-US" sz="2800" b="0" i="0" u="none" strike="noStrike">
+                        <a:solidFill>
+                          <a:srgbClr val="000000"/>
+                        </a:solidFill>
+                        <a:effectLst/>
+                        <a:latin typeface="Calibri" panose="020F0502020204030204" pitchFamily="34" charset="0"/>
+                      </a:endParaRPr>
+                    </a:p>
+                  </a:txBody>
+                  <a:tcPr marL="9525" marR="9525" marT="9525" marB="0" anchor="b"/>
+                </a:tc>
+                <a:extLst>
+                  <a:ext uri="{0D108BD9-81ED-4DB2-BD59-A6C34878D82A}">
+                    <a16:rowId xmlns:a16="http://schemas.microsoft.com/office/drawing/2014/main" val="3362070108"/>
+                  </a:ext>
+                </a:extLst>
+              </a:tr>
+              <a:tr h="436941">
+                <a:tc>
+                  <a:txBody>
+                    <a:bodyPr/>
+                    <a:lstStyle/>
+                    <a:p>
+                      <a:pPr algn="ctr" fontAlgn="b"/>
+                      <a:r>
+                        <a:rPr lang="en-US" sz="2800" u="none" strike="noStrike">
+                          <a:effectLst/>
+                        </a:rPr>
+                        <a:t>8</a:t>
+                      </a:r>
+                      <a:endParaRPr lang="en-US" sz="2800" b="0" i="0" u="none" strike="noStrike">
+                        <a:solidFill>
+                          <a:srgbClr val="000000"/>
+                        </a:solidFill>
+                        <a:effectLst/>
+                        <a:latin typeface="Calibri" panose="020F0502020204030204" pitchFamily="34" charset="0"/>
+                      </a:endParaRPr>
+                    </a:p>
+                  </a:txBody>
+                  <a:tcPr marL="9525" marR="9525" marT="9525" marB="0" anchor="b"/>
+                </a:tc>
+                <a:tc>
+                  <a:txBody>
+                    <a:bodyPr/>
+                    <a:lstStyle/>
+                    <a:p>
+                      <a:pPr algn="ctr" fontAlgn="b"/>
+                      <a:r>
+                        <a:rPr lang="en-US" sz="2800" u="none" strike="noStrike">
+                          <a:effectLst/>
+                        </a:rPr>
+                        <a:t>1975-07</a:t>
+                      </a:r>
+                      <a:endParaRPr lang="en-US" sz="2800" b="0" i="0" u="none" strike="noStrike">
+                        <a:solidFill>
+                          <a:srgbClr val="000000"/>
+                        </a:solidFill>
+                        <a:effectLst/>
+                        <a:latin typeface="Calibri" panose="020F0502020204030204" pitchFamily="34" charset="0"/>
+                      </a:endParaRPr>
+                    </a:p>
+                  </a:txBody>
+                  <a:tcPr marL="9525" marR="9525" marT="9525" marB="0" anchor="b"/>
+                </a:tc>
+                <a:extLst>
+                  <a:ext uri="{0D108BD9-81ED-4DB2-BD59-A6C34878D82A}">
+                    <a16:rowId xmlns:a16="http://schemas.microsoft.com/office/drawing/2014/main" val="4120886253"/>
+                  </a:ext>
+                </a:extLst>
+              </a:tr>
+              <a:tr h="436941">
+                <a:tc>
+                  <a:txBody>
+                    <a:bodyPr/>
+                    <a:lstStyle/>
+                    <a:p>
+                      <a:pPr algn="ctr" fontAlgn="b"/>
+                      <a:r>
+                        <a:rPr lang="en-US" sz="2800" u="none" strike="noStrike">
+                          <a:effectLst/>
+                        </a:rPr>
+                        <a:t>9</a:t>
+                      </a:r>
+                      <a:endParaRPr lang="en-US" sz="2800" b="0" i="0" u="none" strike="noStrike">
+                        <a:solidFill>
+                          <a:srgbClr val="000000"/>
+                        </a:solidFill>
+                        <a:effectLst/>
+                        <a:latin typeface="Calibri" panose="020F0502020204030204" pitchFamily="34" charset="0"/>
+                      </a:endParaRPr>
+                    </a:p>
+                  </a:txBody>
+                  <a:tcPr marL="9525" marR="9525" marT="9525" marB="0" anchor="b"/>
+                </a:tc>
+                <a:tc>
+                  <a:txBody>
+                    <a:bodyPr/>
+                    <a:lstStyle/>
+                    <a:p>
+                      <a:pPr algn="ctr" fontAlgn="b"/>
+                      <a:r>
+                        <a:rPr lang="en-US" sz="2800" u="none" strike="noStrike" dirty="0">
+                          <a:effectLst/>
+                        </a:rPr>
+                        <a:t>1977-10</a:t>
+                      </a:r>
+                      <a:endParaRPr lang="en-US" sz="2800" b="0" i="0" u="none" strike="noStrike" dirty="0">
+                        <a:solidFill>
+                          <a:srgbClr val="000000"/>
+                        </a:solidFill>
+                        <a:effectLst/>
+                        <a:latin typeface="Calibri" panose="020F0502020204030204" pitchFamily="34" charset="0"/>
+                      </a:endParaRPr>
+                    </a:p>
+                  </a:txBody>
+                  <a:tcPr marL="9525" marR="9525" marT="9525" marB="0" anchor="b"/>
+                </a:tc>
+                <a:extLst>
+                  <a:ext uri="{0D108BD9-81ED-4DB2-BD59-A6C34878D82A}">
+                    <a16:rowId xmlns:a16="http://schemas.microsoft.com/office/drawing/2014/main" val="304741336"/>
+                  </a:ext>
+                </a:extLst>
+              </a:tr>
+            </a:tbl>
+          </a:graphicData>
+        </a:graphic>
+      </p:graphicFrame>
     </p:spTree>
     <p:extLst>
       <p:ext uri="{BB962C8B-B14F-4D97-AF65-F5344CB8AC3E}">
-        <p14:creationId xmlns:p14="http://schemas.microsoft.com/office/powerpoint/2010/main" val="1813806034"/>
+        <p14:creationId xmlns:p14="http://schemas.microsoft.com/office/powerpoint/2010/main" val="127346050"/>
       </p:ext>
     </p:extLst>
   </p:cSld>
   <p:clrMapOvr>
     <a:masterClrMapping/>
   </p:clrMapOvr>
+  <p:timing>
+    <p:tnLst>
+      <p:par>
+        <p:cTn id="1" dur="indefinite" restart="never" nodeType="tmRoot">
+          <p:childTnLst>
+            <p:seq concurrent="1" nextAc="seek">
+              <p:cTn id="2" dur="indefinite" nodeType="mainSeq">
+                <p:childTnLst>
+                  <p:par>
+                    <p:cTn id="3" fill="hold">
+                      <p:stCondLst>
+                        <p:cond delay="indefinite"/>
+                      </p:stCondLst>
+                      <p:childTnLst>
+                        <p:par>
+                          <p:cTn id="4" fill="hold">
+                            <p:stCondLst>
+                              <p:cond delay="0"/>
+                            </p:stCondLst>
+                            <p:childTnLst>
+                              <p:par>
+                                <p:cTn id="5" presetID="2" presetClass="entr" presetSubtype="4" fill="hold" nodeType="clickEffect">
+                                  <p:stCondLst>
+                                    <p:cond delay="0"/>
+                                  </p:stCondLst>
+                                  <p:childTnLst>
+                                    <p:set>
+                                      <p:cBhvr>
+                                        <p:cTn id="6" dur="1" fill="hold">
+                                          <p:stCondLst>
+                                            <p:cond delay="0"/>
+                                          </p:stCondLst>
+                                        </p:cTn>
+                                        <p:tgtEl>
+                                          <p:spTgt spid="13"/>
+                                        </p:tgtEl>
+                                        <p:attrNameLst>
+                                          <p:attrName>style.visibility</p:attrName>
+                                        </p:attrNameLst>
+                                      </p:cBhvr>
+                                      <p:to>
+                                        <p:strVal val="visible"/>
+                                      </p:to>
+                                    </p:set>
+                                    <p:anim calcmode="lin" valueType="num">
+                                      <p:cBhvr additive="base">
+                                        <p:cTn id="7" dur="500" fill="hold"/>
+                                        <p:tgtEl>
+                                          <p:spTgt spid="13"/>
+                                        </p:tgtEl>
+                                        <p:attrNameLst>
+                                          <p:attrName>ppt_x</p:attrName>
+                                        </p:attrNameLst>
+                                      </p:cBhvr>
+                                      <p:tavLst>
+                                        <p:tav tm="0">
+                                          <p:val>
+                                            <p:strVal val="#ppt_x"/>
+                                          </p:val>
+                                        </p:tav>
+                                        <p:tav tm="100000">
+                                          <p:val>
+                                            <p:strVal val="#ppt_x"/>
+                                          </p:val>
+                                        </p:tav>
+                                      </p:tavLst>
+                                    </p:anim>
+                                    <p:anim calcmode="lin" valueType="num">
+                                      <p:cBhvr additive="base">
+                                        <p:cTn id="8" dur="500" fill="hold"/>
+                                        <p:tgtEl>
+                                          <p:spTgt spid="13"/>
+                                        </p:tgtEl>
+                                        <p:attrNameLst>
+                                          <p:attrName>ppt_y</p:attrName>
+                                        </p:attrNameLst>
+                                      </p:cBhvr>
+                                      <p:tavLst>
+                                        <p:tav tm="0">
+                                          <p:val>
+                                            <p:strVal val="1+#ppt_h/2"/>
+                                          </p:val>
+                                        </p:tav>
+                                        <p:tav tm="100000">
+                                          <p:val>
+                                            <p:strVal val="#ppt_y"/>
+                                          </p:val>
+                                        </p:tav>
+                                      </p:tavLst>
+                                    </p:anim>
+                                  </p:childTnLst>
+                                </p:cTn>
+                              </p:par>
+                            </p:childTnLst>
+                          </p:cTn>
+                        </p:par>
+                      </p:childTnLst>
+                    </p:cTn>
+                  </p:par>
+                  <p:par>
+                    <p:cTn id="9" fill="hold">
+                      <p:stCondLst>
+                        <p:cond delay="indefinite"/>
+                      </p:stCondLst>
+                      <p:childTnLst>
+                        <p:par>
+                          <p:cTn id="10" fill="hold">
+                            <p:stCondLst>
+                              <p:cond delay="0"/>
+                            </p:stCondLst>
+                            <p:childTnLst>
+                              <p:par>
+                                <p:cTn id="11" presetID="2" presetClass="entr" presetSubtype="4" fill="hold" nodeType="clickEffect">
+                                  <p:stCondLst>
+                                    <p:cond delay="0"/>
+                                  </p:stCondLst>
+                                  <p:childTnLst>
+                                    <p:set>
+                                      <p:cBhvr>
+                                        <p:cTn id="12" dur="1" fill="hold">
+                                          <p:stCondLst>
+                                            <p:cond delay="0"/>
+                                          </p:stCondLst>
+                                        </p:cTn>
+                                        <p:tgtEl>
+                                          <p:spTgt spid="12"/>
+                                        </p:tgtEl>
+                                        <p:attrNameLst>
+                                          <p:attrName>style.visibility</p:attrName>
+                                        </p:attrNameLst>
+                                      </p:cBhvr>
+                                      <p:to>
+                                        <p:strVal val="visible"/>
+                                      </p:to>
+                                    </p:set>
+                                    <p:anim calcmode="lin" valueType="num">
+                                      <p:cBhvr additive="base">
+                                        <p:cTn id="13" dur="500" fill="hold"/>
+                                        <p:tgtEl>
+                                          <p:spTgt spid="12"/>
+                                        </p:tgtEl>
+                                        <p:attrNameLst>
+                                          <p:attrName>ppt_x</p:attrName>
+                                        </p:attrNameLst>
+                                      </p:cBhvr>
+                                      <p:tavLst>
+                                        <p:tav tm="0">
+                                          <p:val>
+                                            <p:strVal val="#ppt_x"/>
+                                          </p:val>
+                                        </p:tav>
+                                        <p:tav tm="100000">
+                                          <p:val>
+                                            <p:strVal val="#ppt_x"/>
+                                          </p:val>
+                                        </p:tav>
+                                      </p:tavLst>
+                                    </p:anim>
+                                    <p:anim calcmode="lin" valueType="num">
+                                      <p:cBhvr additive="base">
+                                        <p:cTn id="14" dur="500" fill="hold"/>
+                                        <p:tgtEl>
+                                          <p:spTgt spid="12"/>
+                                        </p:tgtEl>
+                                        <p:attrNameLst>
+                                          <p:attrName>ppt_y</p:attrName>
+                                        </p:attrNameLst>
+                                      </p:cBhvr>
+                                      <p:tavLst>
+                                        <p:tav tm="0">
+                                          <p:val>
+                                            <p:strVal val="1+#ppt_h/2"/>
+                                          </p:val>
+                                        </p:tav>
+                                        <p:tav tm="100000">
+                                          <p:val>
+                                            <p:strVal val="#ppt_y"/>
+                                          </p:val>
+                                        </p:tav>
+                                      </p:tavLst>
+                                    </p:anim>
+                                  </p:childTnLst>
+                                </p:cTn>
+                              </p:par>
+                            </p:childTnLst>
+                          </p:cTn>
+                        </p:par>
+                      </p:childTnLst>
+                    </p:cTn>
+                  </p:par>
+                  <p:par>
+                    <p:cTn id="15" fill="hold">
+                      <p:stCondLst>
+                        <p:cond delay="indefinite"/>
+                      </p:stCondLst>
+                      <p:childTnLst>
+                        <p:par>
+                          <p:cTn id="16" fill="hold">
+                            <p:stCondLst>
+                              <p:cond delay="0"/>
+                            </p:stCondLst>
+                            <p:childTnLst>
+                              <p:par>
+                                <p:cTn id="17" presetID="1" presetClass="entr" presetSubtype="0" fill="hold" nodeType="clickEffect">
+                                  <p:stCondLst>
+                                    <p:cond delay="0"/>
+                                  </p:stCondLst>
+                                  <p:childTnLst>
+                                    <p:set>
+                                      <p:cBhvr>
+                                        <p:cTn id="18" dur="1" fill="hold">
+                                          <p:stCondLst>
+                                            <p:cond delay="0"/>
+                                          </p:stCondLst>
+                                        </p:cTn>
+                                        <p:tgtEl>
+                                          <p:spTgt spid="3">
+                                            <p:txEl>
+                                              <p:pRg st="4" end="4"/>
+                                            </p:txEl>
+                                          </p:spTgt>
+                                        </p:tgtEl>
+                                        <p:attrNameLst>
+                                          <p:attrName>style.visibility</p:attrName>
+                                        </p:attrNameLst>
+                                      </p:cBhvr>
+                                      <p:to>
+                                        <p:strVal val="visible"/>
+                                      </p:to>
+                                    </p:set>
+                                  </p:childTnLst>
+                                </p:cTn>
+                              </p:par>
+                              <p:par>
+                                <p:cTn id="19" presetID="1" presetClass="entr" presetSubtype="0" fill="hold" nodeType="withEffect">
+                                  <p:stCondLst>
+                                    <p:cond delay="0"/>
+                                  </p:stCondLst>
+                                  <p:childTnLst>
+                                    <p:set>
+                                      <p:cBhvr>
+                                        <p:cTn id="20" dur="1" fill="hold">
+                                          <p:stCondLst>
+                                            <p:cond delay="0"/>
+                                          </p:stCondLst>
+                                        </p:cTn>
+                                        <p:tgtEl>
+                                          <p:spTgt spid="3">
+                                            <p:txEl>
+                                              <p:pRg st="5" end="5"/>
+                                            </p:txEl>
+                                          </p:spTgt>
+                                        </p:tgtEl>
+                                        <p:attrNameLst>
+                                          <p:attrName>style.visibility</p:attrName>
+                                        </p:attrNameLst>
+                                      </p:cBhvr>
+                                      <p:to>
+                                        <p:strVal val="visible"/>
+                                      </p:to>
+                                    </p:set>
+                                  </p:childTnLst>
+                                </p:cTn>
+                              </p:par>
+                            </p:childTnLst>
+                          </p:cTn>
+                        </p:par>
+                      </p:childTnLst>
+                    </p:cTn>
+                  </p:par>
+                  <p:par>
+                    <p:cTn id="21" fill="hold">
+                      <p:stCondLst>
+                        <p:cond delay="indefinite"/>
+                      </p:stCondLst>
+                      <p:childTnLst>
+                        <p:par>
+                          <p:cTn id="22" fill="hold">
+                            <p:stCondLst>
+                              <p:cond delay="0"/>
+                            </p:stCondLst>
+                            <p:childTnLst>
+                              <p:par>
+                                <p:cTn id="23" presetID="1" presetClass="entr" presetSubtype="0" fill="hold" nodeType="clickEffect">
+                                  <p:stCondLst>
+                                    <p:cond delay="0"/>
+                                  </p:stCondLst>
+                                  <p:childTnLst>
+                                    <p:set>
+                                      <p:cBhvr>
+                                        <p:cTn id="24" dur="1" fill="hold">
+                                          <p:stCondLst>
+                                            <p:cond delay="0"/>
+                                          </p:stCondLst>
+                                        </p:cTn>
+                                        <p:tgtEl>
+                                          <p:spTgt spid="3">
+                                            <p:txEl>
+                                              <p:pRg st="6" end="6"/>
+                                            </p:txEl>
+                                          </p:spTgt>
+                                        </p:tgtEl>
+                                        <p:attrNameLst>
+                                          <p:attrName>style.visibility</p:attrName>
+                                        </p:attrNameLst>
+                                      </p:cBhvr>
+                                      <p:to>
+                                        <p:strVal val="visible"/>
+                                      </p:to>
+                                    </p:set>
+                                  </p:childTnLst>
+                                </p:cTn>
+                              </p:par>
+                              <p:par>
+                                <p:cTn id="25" presetID="1" presetClass="entr" presetSubtype="0" fill="hold" nodeType="withEffect">
+                                  <p:stCondLst>
+                                    <p:cond delay="0"/>
+                                  </p:stCondLst>
+                                  <p:childTnLst>
+                                    <p:set>
+                                      <p:cBhvr>
+                                        <p:cTn id="26" dur="1" fill="hold">
+                                          <p:stCondLst>
+                                            <p:cond delay="0"/>
+                                          </p:stCondLst>
+                                        </p:cTn>
+                                        <p:tgtEl>
+                                          <p:spTgt spid="3">
+                                            <p:txEl>
+                                              <p:pRg st="7" end="7"/>
+                                            </p:txEl>
+                                          </p:spTgt>
+                                        </p:tgtEl>
+                                        <p:attrNameLst>
+                                          <p:attrName>style.visibility</p:attrName>
+                                        </p:attrNameLst>
+                                      </p:cBhvr>
+                                      <p:to>
+                                        <p:strVal val="visible"/>
+                                      </p:to>
+                                    </p:set>
+                                  </p:childTnLst>
+                                </p:cTn>
+                              </p:par>
+                              <p:par>
+                                <p:cTn id="27" presetID="1" presetClass="entr" presetSubtype="0" fill="hold" nodeType="withEffect">
+                                  <p:stCondLst>
+                                    <p:cond delay="0"/>
+                                  </p:stCondLst>
+                                  <p:childTnLst>
+                                    <p:set>
+                                      <p:cBhvr>
+                                        <p:cTn id="28" dur="1" fill="hold">
+                                          <p:stCondLst>
+                                            <p:cond delay="0"/>
+                                          </p:stCondLst>
+                                        </p:cTn>
+                                        <p:tgtEl>
+                                          <p:spTgt spid="3">
+                                            <p:txEl>
+                                              <p:pRg st="8" end="8"/>
+                                            </p:txEl>
+                                          </p:spTgt>
+                                        </p:tgtEl>
+                                        <p:attrNameLst>
+                                          <p:attrName>style.visibility</p:attrName>
+                                        </p:attrNameLst>
+                                      </p:cBhvr>
+                                      <p:to>
+                                        <p:strVal val="visible"/>
+                                      </p:to>
+                                    </p:set>
+                                  </p:childTnLst>
+                                </p:cTn>
+                              </p:par>
+                            </p:childTnLst>
+                          </p:cTn>
+                        </p:par>
+                      </p:childTnLst>
+                    </p:cTn>
+                  </p:par>
+                </p:childTnLst>
+              </p:cTn>
+              <p:prevCondLst>
+                <p:cond evt="onPrev" delay="0">
+                  <p:tgtEl>
+                    <p:sldTgt/>
+                  </p:tgtEl>
+                </p:cond>
+              </p:prevCondLst>
+              <p:nextCondLst>
+                <p:cond evt="onNext" delay="0">
+                  <p:tgtEl>
+                    <p:sldTgt/>
+                  </p:tgtEl>
+                </p:cond>
+              </p:nextCondLst>
+            </p:seq>
+          </p:childTnLst>
+        </p:cTn>
+      </p:par>
+    </p:tnLst>
+  </p:timing>
 </p:sld>
 </file>
 
@@ -6490,7 +9717,7 @@
           <p:cNvPr id="2" name="Title 1">
             <a:extLst>
               <a:ext uri="{FF2B5EF4-FFF2-40B4-BE49-F238E27FC236}">
-                <a16:creationId xmlns:a16="http://schemas.microsoft.com/office/drawing/2014/main" id="{83C1AC2D-87A4-136B-0222-302D07E6B63B}"/>
+                <a16:creationId xmlns:a16="http://schemas.microsoft.com/office/drawing/2014/main" id="{FF112CB6-9CA2-2573-3250-24E512862260}"/>
               </a:ext>
             </a:extLst>
           </p:cNvPr>
@@ -6508,19 +9735,26 @@
           <a:p>
             <a:r>
               <a:rPr lang="en-US" dirty="0"/>
-              <a:t>Recent updates</a:t>
-            </a:r>
-          </a:p>
-        </p:txBody>
-      </p:sp>
-      <mc:AlternateContent xmlns:mc="http://schemas.openxmlformats.org/markup-compatibility/2006" xmlns:a14="http://schemas.microsoft.com/office/drawing/2010/main">
-        <mc:Choice Requires="a14">
+              <a:t>Simple Question: </a:t>
+            </a:r>
+            <a:br>
+              <a:rPr lang="en-US" dirty="0"/>
+            </a:br>
+            <a:r>
+              <a:rPr lang="en-US" dirty="0"/>
+              <a:t>Predicting Audience Appreciation</a:t>
+            </a:r>
+          </a:p>
+        </p:txBody>
+      </p:sp>
+      <mc:AlternateContent xmlns:mc="http://schemas.openxmlformats.org/markup-compatibility/2006">
+        <mc:Choice xmlns:a14="http://schemas.microsoft.com/office/drawing/2010/main" Requires="a14">
           <p:sp>
             <p:nvSpPr>
-              <p:cNvPr id="3" name="Content Placeholder 2">
+              <p:cNvPr id="8" name="Content Placeholder 7">
                 <a:extLst>
                   <a:ext uri="{FF2B5EF4-FFF2-40B4-BE49-F238E27FC236}">
-                    <a16:creationId xmlns:a16="http://schemas.microsoft.com/office/drawing/2014/main" id="{25A4AEEA-B1B8-4384-2822-AFE0565B2745}"/>
+                    <a16:creationId xmlns:a16="http://schemas.microsoft.com/office/drawing/2014/main" id="{C096B0C4-0200-0083-3B13-104CCDD3C1A7}"/>
                   </a:ext>
                 </a:extLst>
               </p:cNvPr>
@@ -6537,134 +9771,102 @@
               <a:lstStyle/>
               <a:p>
                 <a:r>
-                  <a:rPr lang="en-US" dirty="0">
-                    <a:hlinkClick r:id="rId2"/>
-                  </a:rPr>
-                  <a:t>Time Partitioning</a:t>
+                  <a:rPr lang="en-US" dirty="0"/>
+                  <a:t>How many citations will paper </a:t>
                 </a:r>
-                <a:endParaRPr lang="en-US" dirty="0"/>
+                <a14:m>
+                  <m:oMath xmlns:m="http://schemas.openxmlformats.org/officeDocument/2006/math">
+                    <m:r>
+                      <a:rPr lang="en-US" i="1" dirty="0" smtClean="0">
+                        <a:latin typeface="Cambria Math" panose="02040503050406030204" pitchFamily="18" charset="0"/>
+                      </a:rPr>
+                      <m:t>𝑝</m:t>
+                    </m:r>
+                  </m:oMath>
+                </a14:m>
+                <a:r>
+                  <a:rPr lang="en-US" dirty="0"/>
+                  <a:t> have at time </a:t>
+                </a:r>
+                <a14:m>
+                  <m:oMath xmlns:m="http://schemas.openxmlformats.org/officeDocument/2006/math">
+                    <m:r>
+                      <a:rPr lang="en-US" i="1" dirty="0" smtClean="0">
+                        <a:latin typeface="Cambria Math" panose="02040503050406030204" pitchFamily="18" charset="0"/>
+                      </a:rPr>
+                      <m:t>𝑡</m:t>
+                    </m:r>
+                  </m:oMath>
+                </a14:m>
+                <a:r>
+                  <a:rPr lang="en-US" dirty="0"/>
+                  <a:t>?</a:t>
+                </a:r>
               </a:p>
               <a:p>
-                <a:pPr lvl="1"/>
                 <a:r>
                   <a:rPr lang="en-US" dirty="0"/>
-                  <a:t>Split Corpus Ids into bins by time (publication day or year + jitter)</a:t>
+                  <a:t>More generally,</a:t>
                 </a:r>
               </a:p>
               <a:p>
                 <a:pPr lvl="1"/>
                 <a:r>
                   <a:rPr lang="en-US" dirty="0"/>
-                  <a:t>Select subgraph by bin</a:t>
+                  <a:t>Which papers are tearing up the charts?</a:t>
                 </a:r>
               </a:p>
               <a:p>
                 <a:pPr lvl="1"/>
                 <a:r>
                   <a:rPr lang="en-US" dirty="0"/>
-                  <a:t>Cum graphs</a:t>
+                  <a:t>Who is a rising star?</a:t>
+                </a:r>
+              </a:p>
+              <a:p>
+                <a:r>
+                  <a:rPr lang="en-US" dirty="0"/>
+                  <a:t>Behavioral Signals</a:t>
                 </a:r>
               </a:p>
               <a:p>
                 <a:pPr lvl="1"/>
                 <a:r>
                   <a:rPr lang="en-US" dirty="0"/>
-                  <a:t>Compute </a:t>
-                </a:r>
-                <a:r>
-                  <a:rPr lang="en-US" dirty="0" err="1"/>
-                  <a:t>ProNE</a:t>
-                </a:r>
-                <a:endParaRPr lang="en-US" dirty="0"/>
-              </a:p>
-              <a:p>
-                <a:r>
-                  <a:rPr lang="en-US" dirty="0">
-                    <a:hlinkClick r:id="rId3"/>
-                  </a:rPr>
-                  <a:t>Materialized Similarities</a:t>
-                </a:r>
-                <a:endParaRPr lang="en-US" dirty="0"/>
-              </a:p>
-              <a:p>
-                <a:pPr lvl="1"/>
-                <a:r>
-                  <a:rPr lang="en-US" dirty="0"/>
-                  <a:t>We cannot materialize </a:t>
-                </a:r>
-                <a14:m>
-                  <m:oMath xmlns:m="http://schemas.openxmlformats.org/officeDocument/2006/math">
-                    <m:r>
-                      <a:rPr lang="en-US" b="0" i="1" smtClean="0">
-                        <a:latin typeface="Cambria Math" panose="02040503050406030204" pitchFamily="18" charset="0"/>
-                      </a:rPr>
-                      <m:t>𝑀</m:t>
-                    </m:r>
-                    <m:sSup>
-                      <m:sSupPr>
-                        <m:ctrlPr>
-                          <a:rPr lang="en-US" b="0" i="1" smtClean="0">
-                            <a:latin typeface="Cambria Math" panose="02040503050406030204" pitchFamily="18" charset="0"/>
-                          </a:rPr>
-                        </m:ctrlPr>
-                      </m:sSupPr>
-                      <m:e>
-                        <m:r>
-                          <a:rPr lang="en-US" b="0" i="1" smtClean="0">
-                            <a:latin typeface="Cambria Math" panose="02040503050406030204" pitchFamily="18" charset="0"/>
-                          </a:rPr>
-                          <m:t>𝑀</m:t>
-                        </m:r>
-                      </m:e>
-                      <m:sup>
-                        <m:r>
-                          <a:rPr lang="en-US" b="0" i="1" smtClean="0">
-                            <a:latin typeface="Cambria Math" panose="02040503050406030204" pitchFamily="18" charset="0"/>
-                          </a:rPr>
-                          <m:t>𝑇</m:t>
-                        </m:r>
-                      </m:sup>
-                    </m:sSup>
-                  </m:oMath>
-                </a14:m>
-                <a:r>
-                  <a:rPr lang="en-US" dirty="0"/>
-                  <a:t> but can use indexes to find big values</a:t>
-                </a:r>
-              </a:p>
-              <a:p>
-                <a:r>
-                  <a:rPr lang="en-US" dirty="0">
-                    <a:hlinkClick r:id="rId4"/>
-                  </a:rPr>
-                  <a:t>Looking by Vectors</a:t>
-                </a:r>
-                <a:endParaRPr lang="en-US" dirty="0"/>
-              </a:p>
-              <a:p>
-                <a:pPr lvl="1"/>
-                <a:r>
-                  <a:rPr lang="en-US" dirty="0"/>
-                  <a:t>How to search embeddings with a vector query </a:t>
+                  <a:t>Citations</a:t>
                 </a:r>
               </a:p>
               <a:p>
                 <a:pPr lvl="1"/>
                 <a:r>
                   <a:rPr lang="en-US" dirty="0"/>
-                  <a:t>(that may not be in embedding)</a:t>
+                  <a:t>Views</a:t>
+                </a:r>
+              </a:p>
+              <a:p>
+                <a:pPr lvl="1"/>
+                <a:r>
+                  <a:rPr lang="en-US" dirty="0"/>
+                  <a:t>Clicks</a:t>
+                </a:r>
+              </a:p>
+              <a:p>
+                <a:pPr lvl="1"/>
+                <a:r>
+                  <a:rPr lang="en-US" dirty="0"/>
+                  <a:t>Purchases</a:t>
                 </a:r>
               </a:p>
             </p:txBody>
           </p:sp>
         </mc:Choice>
-        <mc:Fallback xmlns="">
+        <mc:Fallback>
           <p:sp>
             <p:nvSpPr>
-              <p:cNvPr id="3" name="Content Placeholder 2">
+              <p:cNvPr id="8" name="Content Placeholder 7">
                 <a:extLst>
                   <a:ext uri="{FF2B5EF4-FFF2-40B4-BE49-F238E27FC236}">
-                    <a16:creationId xmlns:a16="http://schemas.microsoft.com/office/drawing/2014/main" id="{25A4AEEA-B1B8-4384-2822-AFE0565B2745}"/>
+                    <a16:creationId xmlns:a16="http://schemas.microsoft.com/office/drawing/2014/main" id="{C096B0C4-0200-0083-3B13-104CCDD3C1A7}"/>
                   </a:ext>
                 </a:extLst>
               </p:cNvPr>
@@ -6677,9 +9879,9 @@
             </p:nvSpPr>
             <p:spPr>
               <a:blipFill>
-                <a:blip r:embed="rId5"/>
+                <a:blip r:embed="rId2"/>
                 <a:stretch>
-                  <a:fillRect l="-1086" t="-2326" b="-872"/>
+                  <a:fillRect l="-1086" t="-2326"/>
                 </a:stretch>
               </a:blipFill>
             </p:spPr>
@@ -6700,10 +9902,10 @@
       </mc:AlternateContent>
       <p:sp>
         <p:nvSpPr>
-          <p:cNvPr id="4" name="Date Placeholder 3">
-            <a:extLst>
-              <a:ext uri="{FF2B5EF4-FFF2-40B4-BE49-F238E27FC236}">
-                <a16:creationId xmlns:a16="http://schemas.microsoft.com/office/drawing/2014/main" id="{D22CE596-2DE0-2CCD-2E46-35ECD2587E70}"/>
+          <p:cNvPr id="5" name="Date Placeholder 4">
+            <a:extLst>
+              <a:ext uri="{FF2B5EF4-FFF2-40B4-BE49-F238E27FC236}">
+                <a16:creationId xmlns:a16="http://schemas.microsoft.com/office/drawing/2014/main" id="{78C29FC5-5B67-3F0E-F52D-24539AB97044}"/>
               </a:ext>
             </a:extLst>
           </p:cNvPr>
@@ -6728,10 +9930,10 @@
       </p:sp>
       <p:sp>
         <p:nvSpPr>
-          <p:cNvPr id="5" name="Slide Number Placeholder 4">
-            <a:extLst>
-              <a:ext uri="{FF2B5EF4-FFF2-40B4-BE49-F238E27FC236}">
-                <a16:creationId xmlns:a16="http://schemas.microsoft.com/office/drawing/2014/main" id="{4C941304-8310-781E-116C-0A77DEABCE3E}"/>
+          <p:cNvPr id="6" name="Slide Number Placeholder 5">
+            <a:extLst>
+              <a:ext uri="{FF2B5EF4-FFF2-40B4-BE49-F238E27FC236}">
+                <a16:creationId xmlns:a16="http://schemas.microsoft.com/office/drawing/2014/main" id="{C647851B-8BE5-D590-C064-FA5A8DD0D078}"/>
               </a:ext>
             </a:extLst>
           </p:cNvPr>
@@ -6758,7 +9960,7 @@
     </p:spTree>
     <p:extLst>
       <p:ext uri="{BB962C8B-B14F-4D97-AF65-F5344CB8AC3E}">
-        <p14:creationId xmlns:p14="http://schemas.microsoft.com/office/powerpoint/2010/main" val="1697429127"/>
+        <p14:creationId xmlns:p14="http://schemas.microsoft.com/office/powerpoint/2010/main" val="2574312596"/>
       </p:ext>
     </p:extLst>
   </p:cSld>
